--- a/units/9/lessons/4/resources/petascale-lesson-9.4-slides.pptx
+++ b/units/9/lessons/4/resources/petascale-lesson-9.4-slides.pptx
@@ -1,29 +1,31 @@
 
 <file path=ppt/presentation.xml><?xml version="1.0" encoding="utf-8"?>
-<p:presentation xmlns:a="http://schemas.openxmlformats.org/drawingml/2006/main" xmlns:r="http://schemas.openxmlformats.org/officeDocument/2006/relationships" xmlns:mc="http://schemas.openxmlformats.org/markup-compatibility/2006" xmlns:mv="urn:schemas-microsoft-com:mac:vml" xmlns:p="http://schemas.openxmlformats.org/presentationml/2006/main" xmlns:c="http://schemas.openxmlformats.org/drawingml/2006/chart" xmlns:dgm="http://schemas.openxmlformats.org/drawingml/2006/diagram" xmlns:o="urn:schemas-microsoft-com:office:office" xmlns:v="urn:schemas-microsoft-com:vml" xmlns:pvml="urn:schemas-microsoft-com:office:powerpoint" xmlns:com="http://schemas.openxmlformats.org/drawingml/2006/compatibility" xmlns:p14="http://schemas.microsoft.com/office/powerpoint/2010/main" xmlns:p15="http://schemas.microsoft.com/office/powerpoint/2012/main" xmlns:ahyp="http://schemas.microsoft.com/office/drawing/2018/hyperlinkcolor" autoCompressPictures="0" strictFirstAndLastChars="0" saveSubsetFonts="1">
+<p:presentation xmlns:a="http://schemas.openxmlformats.org/drawingml/2006/main" xmlns:r="http://schemas.openxmlformats.org/officeDocument/2006/relationships" xmlns:p="http://schemas.openxmlformats.org/presentationml/2006/main" strictFirstAndLastChars="0" saveSubsetFonts="1" autoCompressPictures="0">
   <p:sldMasterIdLst>
-    <p:sldMasterId id="2147483659" r:id="rId4"/>
+    <p:sldMasterId id="2147483659" r:id="rId1"/>
   </p:sldMasterIdLst>
   <p:notesMasterIdLst>
-    <p:notesMasterId r:id="rId5"/>
+    <p:notesMasterId r:id="rId15"/>
   </p:notesMasterIdLst>
   <p:sldIdLst>
-    <p:sldId id="256" r:id="rId6"/>
-    <p:sldId id="257" r:id="rId7"/>
-    <p:sldId id="258" r:id="rId8"/>
-    <p:sldId id="259" r:id="rId9"/>
-    <p:sldId id="260" r:id="rId10"/>
-    <p:sldId id="261" r:id="rId11"/>
-    <p:sldId id="262" r:id="rId12"/>
-    <p:sldId id="263" r:id="rId13"/>
-    <p:sldId id="264" r:id="rId14"/>
-    <p:sldId id="265" r:id="rId15"/>
-    <p:sldId id="266" r:id="rId16"/>
+    <p:sldId id="267" r:id="rId2"/>
+    <p:sldId id="268" r:id="rId3"/>
+    <p:sldId id="256" r:id="rId4"/>
+    <p:sldId id="257" r:id="rId5"/>
+    <p:sldId id="258" r:id="rId6"/>
+    <p:sldId id="259" r:id="rId7"/>
+    <p:sldId id="260" r:id="rId8"/>
+    <p:sldId id="261" r:id="rId9"/>
+    <p:sldId id="262" r:id="rId10"/>
+    <p:sldId id="263" r:id="rId11"/>
+    <p:sldId id="264" r:id="rId12"/>
+    <p:sldId id="265" r:id="rId13"/>
+    <p:sldId id="266" r:id="rId14"/>
   </p:sldIdLst>
-  <p:sldSz cy="5143500" cx="9144000"/>
+  <p:sldSz cx="9144000" cy="5143500" type="screen16x9"/>
   <p:notesSz cx="6858000" cy="9144000"/>
   <p:defaultTextStyle>
-    <a:defPPr lvl="0" marR="0" rtl="0" algn="l">
+    <a:defPPr marR="0" lvl="0" algn="l" rtl="0">
       <a:lnSpc>
         <a:spcPct val="100000"/>
       </a:lnSpc>
@@ -34,7 +36,7 @@
         <a:spcPts val="0"/>
       </a:spcAft>
     </a:defPPr>
-    <a:lvl1pPr lvl="0" marR="0" rtl="0" algn="l">
+    <a:lvl1pPr marR="0" lvl="0" algn="l" rtl="0">
       <a:lnSpc>
         <a:spcPct val="100000"/>
       </a:lnSpc>
@@ -48,7 +50,7 @@
         <a:srgbClr val="000000"/>
       </a:buClr>
       <a:buFont typeface="Arial"/>
-      <a:defRPr b="0" i="0" sz="1400" u="none" cap="none" strike="noStrike">
+      <a:defRPr sz="1400" b="0" i="0" u="none" strike="noStrike" cap="none">
         <a:solidFill>
           <a:srgbClr val="000000"/>
         </a:solidFill>
@@ -58,7 +60,7 @@
         <a:sym typeface="Arial"/>
       </a:defRPr>
     </a:lvl1pPr>
-    <a:lvl2pPr lvl="1" marR="0" rtl="0" algn="l">
+    <a:lvl2pPr marR="0" lvl="1" algn="l" rtl="0">
       <a:lnSpc>
         <a:spcPct val="100000"/>
       </a:lnSpc>
@@ -72,7 +74,7 @@
         <a:srgbClr val="000000"/>
       </a:buClr>
       <a:buFont typeface="Arial"/>
-      <a:defRPr b="0" i="0" sz="1400" u="none" cap="none" strike="noStrike">
+      <a:defRPr sz="1400" b="0" i="0" u="none" strike="noStrike" cap="none">
         <a:solidFill>
           <a:srgbClr val="000000"/>
         </a:solidFill>
@@ -82,7 +84,7 @@
         <a:sym typeface="Arial"/>
       </a:defRPr>
     </a:lvl2pPr>
-    <a:lvl3pPr lvl="2" marR="0" rtl="0" algn="l">
+    <a:lvl3pPr marR="0" lvl="2" algn="l" rtl="0">
       <a:lnSpc>
         <a:spcPct val="100000"/>
       </a:lnSpc>
@@ -96,7 +98,7 @@
         <a:srgbClr val="000000"/>
       </a:buClr>
       <a:buFont typeface="Arial"/>
-      <a:defRPr b="0" i="0" sz="1400" u="none" cap="none" strike="noStrike">
+      <a:defRPr sz="1400" b="0" i="0" u="none" strike="noStrike" cap="none">
         <a:solidFill>
           <a:srgbClr val="000000"/>
         </a:solidFill>
@@ -106,7 +108,7 @@
         <a:sym typeface="Arial"/>
       </a:defRPr>
     </a:lvl3pPr>
-    <a:lvl4pPr lvl="3" marR="0" rtl="0" algn="l">
+    <a:lvl4pPr marR="0" lvl="3" algn="l" rtl="0">
       <a:lnSpc>
         <a:spcPct val="100000"/>
       </a:lnSpc>
@@ -120,7 +122,7 @@
         <a:srgbClr val="000000"/>
       </a:buClr>
       <a:buFont typeface="Arial"/>
-      <a:defRPr b="0" i="0" sz="1400" u="none" cap="none" strike="noStrike">
+      <a:defRPr sz="1400" b="0" i="0" u="none" strike="noStrike" cap="none">
         <a:solidFill>
           <a:srgbClr val="000000"/>
         </a:solidFill>
@@ -130,7 +132,7 @@
         <a:sym typeface="Arial"/>
       </a:defRPr>
     </a:lvl4pPr>
-    <a:lvl5pPr lvl="4" marR="0" rtl="0" algn="l">
+    <a:lvl5pPr marR="0" lvl="4" algn="l" rtl="0">
       <a:lnSpc>
         <a:spcPct val="100000"/>
       </a:lnSpc>
@@ -144,7 +146,7 @@
         <a:srgbClr val="000000"/>
       </a:buClr>
       <a:buFont typeface="Arial"/>
-      <a:defRPr b="0" i="0" sz="1400" u="none" cap="none" strike="noStrike">
+      <a:defRPr sz="1400" b="0" i="0" u="none" strike="noStrike" cap="none">
         <a:solidFill>
           <a:srgbClr val="000000"/>
         </a:solidFill>
@@ -154,7 +156,7 @@
         <a:sym typeface="Arial"/>
       </a:defRPr>
     </a:lvl5pPr>
-    <a:lvl6pPr lvl="5" marR="0" rtl="0" algn="l">
+    <a:lvl6pPr marR="0" lvl="5" algn="l" rtl="0">
       <a:lnSpc>
         <a:spcPct val="100000"/>
       </a:lnSpc>
@@ -168,7 +170,7 @@
         <a:srgbClr val="000000"/>
       </a:buClr>
       <a:buFont typeface="Arial"/>
-      <a:defRPr b="0" i="0" sz="1400" u="none" cap="none" strike="noStrike">
+      <a:defRPr sz="1400" b="0" i="0" u="none" strike="noStrike" cap="none">
         <a:solidFill>
           <a:srgbClr val="000000"/>
         </a:solidFill>
@@ -178,7 +180,7 @@
         <a:sym typeface="Arial"/>
       </a:defRPr>
     </a:lvl6pPr>
-    <a:lvl7pPr lvl="6" marR="0" rtl="0" algn="l">
+    <a:lvl7pPr marR="0" lvl="6" algn="l" rtl="0">
       <a:lnSpc>
         <a:spcPct val="100000"/>
       </a:lnSpc>
@@ -192,7 +194,7 @@
         <a:srgbClr val="000000"/>
       </a:buClr>
       <a:buFont typeface="Arial"/>
-      <a:defRPr b="0" i="0" sz="1400" u="none" cap="none" strike="noStrike">
+      <a:defRPr sz="1400" b="0" i="0" u="none" strike="noStrike" cap="none">
         <a:solidFill>
           <a:srgbClr val="000000"/>
         </a:solidFill>
@@ -202,7 +204,7 @@
         <a:sym typeface="Arial"/>
       </a:defRPr>
     </a:lvl7pPr>
-    <a:lvl8pPr lvl="7" marR="0" rtl="0" algn="l">
+    <a:lvl8pPr marR="0" lvl="7" algn="l" rtl="0">
       <a:lnSpc>
         <a:spcPct val="100000"/>
       </a:lnSpc>
@@ -216,7 +218,7 @@
         <a:srgbClr val="000000"/>
       </a:buClr>
       <a:buFont typeface="Arial"/>
-      <a:defRPr b="0" i="0" sz="1400" u="none" cap="none" strike="noStrike">
+      <a:defRPr sz="1400" b="0" i="0" u="none" strike="noStrike" cap="none">
         <a:solidFill>
           <a:srgbClr val="000000"/>
         </a:solidFill>
@@ -226,7 +228,7 @@
         <a:sym typeface="Arial"/>
       </a:defRPr>
     </a:lvl8pPr>
-    <a:lvl9pPr lvl="8" marR="0" rtl="0" algn="l">
+    <a:lvl9pPr marR="0" lvl="8" algn="l" rtl="0">
       <a:lnSpc>
         <a:spcPct val="100000"/>
       </a:lnSpc>
@@ -240,7 +242,7 @@
         <a:srgbClr val="000000"/>
       </a:buClr>
       <a:buFont typeface="Arial"/>
-      <a:defRPr b="0" i="0" sz="1400" u="none" cap="none" strike="noStrike">
+      <a:defRPr sz="1400" b="0" i="0" u="none" strike="noStrike" cap="none">
         <a:solidFill>
           <a:srgbClr val="000000"/>
         </a:solidFill>
@@ -253,7 +255,7 @@
   </p:defaultTextStyle>
   <p:extLst>
     <p:ext uri="{EFAFB233-063F-42B5-8137-9DF3F51BA10A}">
-      <p15:sldGuideLst>
+      <p15:sldGuideLst xmlns:p15="http://schemas.microsoft.com/office/powerpoint/2012/main">
         <p15:guide id="1" orient="horz" pos="1620">
           <p15:clr>
             <a:srgbClr val="A4A3A4"/>
@@ -271,11 +273,16 @@
 </file>
 
 <file path=ppt/notesMasters/notesMaster1.xml><?xml version="1.0" encoding="utf-8"?>
-<p:notesMaster xmlns:a="http://schemas.openxmlformats.org/drawingml/2006/main" xmlns:r="http://schemas.openxmlformats.org/officeDocument/2006/relationships" xmlns:mc="http://schemas.openxmlformats.org/markup-compatibility/2006" xmlns:mv="urn:schemas-microsoft-com:mac:vml" xmlns:p="http://schemas.openxmlformats.org/presentationml/2006/main" xmlns:c="http://schemas.openxmlformats.org/drawingml/2006/chart" xmlns:dgm="http://schemas.openxmlformats.org/drawingml/2006/diagram" xmlns:o="urn:schemas-microsoft-com:office:office" xmlns:v="urn:schemas-microsoft-com:vml" xmlns:pvml="urn:schemas-microsoft-com:office:powerpoint" xmlns:com="http://schemas.openxmlformats.org/drawingml/2006/compatibility" xmlns:p14="http://schemas.microsoft.com/office/powerpoint/2010/main" xmlns:p15="http://schemas.microsoft.com/office/powerpoint/2012/main" xmlns:ahyp="http://schemas.microsoft.com/office/drawing/2018/hyperlinkcolor">
+<p:notesMaster xmlns:a="http://schemas.openxmlformats.org/drawingml/2006/main" xmlns:r="http://schemas.openxmlformats.org/officeDocument/2006/relationships" xmlns:p="http://schemas.openxmlformats.org/presentationml/2006/main">
   <p:cSld>
+    <p:bg>
+      <p:bgRef idx="1001">
+        <a:schemeClr val="bg1"/>
+      </p:bgRef>
+    </p:bg>
     <p:spTree>
       <p:nvGrpSpPr>
-        <p:cNvPr id="2" name="Shape 2"/>
+        <p:cNvPr id="1" name="Shape 2"/>
         <p:cNvGrpSpPr/>
         <p:nvPr/>
       </p:nvGrpSpPr>
@@ -290,9 +297,11 @@
       <p:sp>
         <p:nvSpPr>
           <p:cNvPr id="3" name="Google Shape;3;n"/>
-          <p:cNvSpPr/>
+          <p:cNvSpPr>
+            <a:spLocks noGrp="1" noRot="1" noChangeAspect="1"/>
+          </p:cNvSpPr>
           <p:nvPr>
-            <p:ph idx="2" type="sldImg"/>
+            <p:ph type="sldImg" idx="2"/>
           </p:nvPr>
         </p:nvSpPr>
         <p:spPr>
@@ -301,9 +310,13 @@
             <a:ext cx="6096075" cy="3429000"/>
           </a:xfrm>
           <a:custGeom>
-            <a:rect b="b" l="l" r="r" t="t"/>
+            <a:avLst/>
+            <a:gdLst/>
+            <a:ahLst/>
+            <a:cxnLst/>
+            <a:rect l="l" t="t" r="r" b="b"/>
             <a:pathLst>
-              <a:path extrusionOk="0" h="120000" w="120000">
+              <a:path w="120000" h="120000" extrusionOk="0">
                 <a:moveTo>
                   <a:pt x="0" y="0"/>
                 </a:moveTo>
@@ -321,23 +334,25 @@
             </a:pathLst>
           </a:custGeom>
           <a:noFill/>
-          <a:ln cap="flat" cmpd="sng" w="9525">
+          <a:ln w="9525" cap="flat" cmpd="sng">
             <a:solidFill>
               <a:srgbClr val="000000"/>
             </a:solidFill>
             <a:prstDash val="solid"/>
             <a:round/>
-            <a:headEnd len="sm" w="sm" type="none"/>
-            <a:tailEnd len="sm" w="sm" type="none"/>
+            <a:headEnd type="none" w="sm" len="sm"/>
+            <a:tailEnd type="none" w="sm" len="sm"/>
           </a:ln>
         </p:spPr>
       </p:sp>
       <p:sp>
         <p:nvSpPr>
           <p:cNvPr id="4" name="Google Shape;4;n"/>
-          <p:cNvSpPr txBox="1"/>
+          <p:cNvSpPr txBox="1">
+            <a:spLocks noGrp="1"/>
+          </p:cNvSpPr>
           <p:nvPr>
-            <p:ph idx="1" type="body"/>
+            <p:ph type="body" idx="1"/>
           </p:nvPr>
         </p:nvSpPr>
         <p:spPr>
@@ -354,11 +369,11 @@
           </a:ln>
         </p:spPr>
         <p:txBody>
-          <a:bodyPr anchorCtr="0" anchor="t" bIns="91425" lIns="91425" spcFirstLastPara="1" rIns="91425" wrap="square" tIns="91425">
+          <a:bodyPr spcFirstLastPara="1" wrap="square" lIns="91425" tIns="91425" rIns="91425" bIns="91425" anchor="t" anchorCtr="0">
             <a:noAutofit/>
           </a:bodyPr>
           <a:lstStyle>
-            <a:lvl1pPr indent="-298450" lvl="0" marL="457200">
+            <a:lvl1pPr marL="457200" lvl="0" indent="-298450">
               <a:spcBef>
                 <a:spcPts val="0"/>
               </a:spcBef>
@@ -369,7 +384,7 @@
               <a:buChar char="●"/>
               <a:defRPr sz="1100"/>
             </a:lvl1pPr>
-            <a:lvl2pPr indent="-298450" lvl="1" marL="914400">
+            <a:lvl2pPr marL="914400" lvl="1" indent="-298450">
               <a:spcBef>
                 <a:spcPts val="0"/>
               </a:spcBef>
@@ -380,7 +395,7 @@
               <a:buChar char="○"/>
               <a:defRPr sz="1100"/>
             </a:lvl2pPr>
-            <a:lvl3pPr indent="-298450" lvl="2" marL="1371600">
+            <a:lvl3pPr marL="1371600" lvl="2" indent="-298450">
               <a:spcBef>
                 <a:spcPts val="0"/>
               </a:spcBef>
@@ -391,7 +406,7 @@
               <a:buChar char="■"/>
               <a:defRPr sz="1100"/>
             </a:lvl3pPr>
-            <a:lvl4pPr indent="-298450" lvl="3" marL="1828800">
+            <a:lvl4pPr marL="1828800" lvl="3" indent="-298450">
               <a:spcBef>
                 <a:spcPts val="0"/>
               </a:spcBef>
@@ -402,7 +417,7 @@
               <a:buChar char="●"/>
               <a:defRPr sz="1100"/>
             </a:lvl4pPr>
-            <a:lvl5pPr indent="-298450" lvl="4" marL="2286000">
+            <a:lvl5pPr marL="2286000" lvl="4" indent="-298450">
               <a:spcBef>
                 <a:spcPts val="0"/>
               </a:spcBef>
@@ -413,7 +428,7 @@
               <a:buChar char="○"/>
               <a:defRPr sz="1100"/>
             </a:lvl5pPr>
-            <a:lvl6pPr indent="-298450" lvl="5" marL="2743200">
+            <a:lvl6pPr marL="2743200" lvl="5" indent="-298450">
               <a:spcBef>
                 <a:spcPts val="0"/>
               </a:spcBef>
@@ -424,7 +439,7 @@
               <a:buChar char="■"/>
               <a:defRPr sz="1100"/>
             </a:lvl6pPr>
-            <a:lvl7pPr indent="-298450" lvl="6" marL="3200400">
+            <a:lvl7pPr marL="3200400" lvl="6" indent="-298450">
               <a:spcBef>
                 <a:spcPts val="0"/>
               </a:spcBef>
@@ -435,7 +450,7 @@
               <a:buChar char="●"/>
               <a:defRPr sz="1100"/>
             </a:lvl7pPr>
-            <a:lvl8pPr indent="-298450" lvl="7" marL="3657600">
+            <a:lvl8pPr marL="3657600" lvl="7" indent="-298450">
               <a:spcBef>
                 <a:spcPts val="0"/>
               </a:spcBef>
@@ -446,7 +461,7 @@
               <a:buChar char="○"/>
               <a:defRPr sz="1100"/>
             </a:lvl8pPr>
-            <a:lvl9pPr indent="-298450" lvl="8" marL="4114800">
+            <a:lvl9pPr marL="4114800" lvl="8" indent="-298450">
               <a:spcBef>
                 <a:spcPts val="0"/>
               </a:spcBef>
@@ -458,14 +473,16 @@
               <a:defRPr sz="1100"/>
             </a:lvl9pPr>
           </a:lstStyle>
-          <a:p/>
+          <a:p>
+            <a:endParaRPr/>
+          </a:p>
         </p:txBody>
       </p:sp>
     </p:spTree>
   </p:cSld>
-  <p:clrMap accent1="accent1" accent2="accent2" accent3="accent3" accent4="accent4" accent5="accent5" accent6="accent6" bg1="lt1" bg2="dk2" tx1="dk1" tx2="lt2" folHlink="folHlink" hlink="hlink"/>
+  <p:clrMap bg1="lt1" tx1="dk1" bg2="dk2" tx2="lt2" accent1="accent1" accent2="accent2" accent3="accent3" accent4="accent4" accent5="accent5" accent6="accent6" hlink="hlink" folHlink="folHlink"/>
   <p:notesStyle>
-    <a:defPPr lvl="0" marR="0" rtl="0" algn="l">
+    <a:defPPr marR="0" lvl="0" algn="l" rtl="0">
       <a:lnSpc>
         <a:spcPct val="100000"/>
       </a:lnSpc>
@@ -476,7 +493,7 @@
         <a:spcPts val="0"/>
       </a:spcAft>
     </a:defPPr>
-    <a:lvl1pPr lvl="0" marR="0" rtl="0" algn="l">
+    <a:lvl1pPr marR="0" lvl="0" algn="l" rtl="0">
       <a:lnSpc>
         <a:spcPct val="100000"/>
       </a:lnSpc>
@@ -490,7 +507,7 @@
         <a:srgbClr val="000000"/>
       </a:buClr>
       <a:buFont typeface="Arial"/>
-      <a:defRPr b="0" i="0" sz="1400" u="none" cap="none" strike="noStrike">
+      <a:defRPr sz="1400" b="0" i="0" u="none" strike="noStrike" cap="none">
         <a:solidFill>
           <a:srgbClr val="000000"/>
         </a:solidFill>
@@ -500,7 +517,7 @@
         <a:sym typeface="Arial"/>
       </a:defRPr>
     </a:lvl1pPr>
-    <a:lvl2pPr lvl="1" marR="0" rtl="0" algn="l">
+    <a:lvl2pPr marR="0" lvl="1" algn="l" rtl="0">
       <a:lnSpc>
         <a:spcPct val="100000"/>
       </a:lnSpc>
@@ -514,7 +531,7 @@
         <a:srgbClr val="000000"/>
       </a:buClr>
       <a:buFont typeface="Arial"/>
-      <a:defRPr b="0" i="0" sz="1400" u="none" cap="none" strike="noStrike">
+      <a:defRPr sz="1400" b="0" i="0" u="none" strike="noStrike" cap="none">
         <a:solidFill>
           <a:srgbClr val="000000"/>
         </a:solidFill>
@@ -524,7 +541,7 @@
         <a:sym typeface="Arial"/>
       </a:defRPr>
     </a:lvl2pPr>
-    <a:lvl3pPr lvl="2" marR="0" rtl="0" algn="l">
+    <a:lvl3pPr marR="0" lvl="2" algn="l" rtl="0">
       <a:lnSpc>
         <a:spcPct val="100000"/>
       </a:lnSpc>
@@ -538,7 +555,7 @@
         <a:srgbClr val="000000"/>
       </a:buClr>
       <a:buFont typeface="Arial"/>
-      <a:defRPr b="0" i="0" sz="1400" u="none" cap="none" strike="noStrike">
+      <a:defRPr sz="1400" b="0" i="0" u="none" strike="noStrike" cap="none">
         <a:solidFill>
           <a:srgbClr val="000000"/>
         </a:solidFill>
@@ -548,7 +565,7 @@
         <a:sym typeface="Arial"/>
       </a:defRPr>
     </a:lvl3pPr>
-    <a:lvl4pPr lvl="3" marR="0" rtl="0" algn="l">
+    <a:lvl4pPr marR="0" lvl="3" algn="l" rtl="0">
       <a:lnSpc>
         <a:spcPct val="100000"/>
       </a:lnSpc>
@@ -562,7 +579,7 @@
         <a:srgbClr val="000000"/>
       </a:buClr>
       <a:buFont typeface="Arial"/>
-      <a:defRPr b="0" i="0" sz="1400" u="none" cap="none" strike="noStrike">
+      <a:defRPr sz="1400" b="0" i="0" u="none" strike="noStrike" cap="none">
         <a:solidFill>
           <a:srgbClr val="000000"/>
         </a:solidFill>
@@ -572,7 +589,7 @@
         <a:sym typeface="Arial"/>
       </a:defRPr>
     </a:lvl4pPr>
-    <a:lvl5pPr lvl="4" marR="0" rtl="0" algn="l">
+    <a:lvl5pPr marR="0" lvl="4" algn="l" rtl="0">
       <a:lnSpc>
         <a:spcPct val="100000"/>
       </a:lnSpc>
@@ -586,7 +603,7 @@
         <a:srgbClr val="000000"/>
       </a:buClr>
       <a:buFont typeface="Arial"/>
-      <a:defRPr b="0" i="0" sz="1400" u="none" cap="none" strike="noStrike">
+      <a:defRPr sz="1400" b="0" i="0" u="none" strike="noStrike" cap="none">
         <a:solidFill>
           <a:srgbClr val="000000"/>
         </a:solidFill>
@@ -596,7 +613,7 @@
         <a:sym typeface="Arial"/>
       </a:defRPr>
     </a:lvl5pPr>
-    <a:lvl6pPr lvl="5" marR="0" rtl="0" algn="l">
+    <a:lvl6pPr marR="0" lvl="5" algn="l" rtl="0">
       <a:lnSpc>
         <a:spcPct val="100000"/>
       </a:lnSpc>
@@ -610,7 +627,7 @@
         <a:srgbClr val="000000"/>
       </a:buClr>
       <a:buFont typeface="Arial"/>
-      <a:defRPr b="0" i="0" sz="1400" u="none" cap="none" strike="noStrike">
+      <a:defRPr sz="1400" b="0" i="0" u="none" strike="noStrike" cap="none">
         <a:solidFill>
           <a:srgbClr val="000000"/>
         </a:solidFill>
@@ -620,7 +637,7 @@
         <a:sym typeface="Arial"/>
       </a:defRPr>
     </a:lvl6pPr>
-    <a:lvl7pPr lvl="6" marR="0" rtl="0" algn="l">
+    <a:lvl7pPr marR="0" lvl="6" algn="l" rtl="0">
       <a:lnSpc>
         <a:spcPct val="100000"/>
       </a:lnSpc>
@@ -634,7 +651,7 @@
         <a:srgbClr val="000000"/>
       </a:buClr>
       <a:buFont typeface="Arial"/>
-      <a:defRPr b="0" i="0" sz="1400" u="none" cap="none" strike="noStrike">
+      <a:defRPr sz="1400" b="0" i="0" u="none" strike="noStrike" cap="none">
         <a:solidFill>
           <a:srgbClr val="000000"/>
         </a:solidFill>
@@ -644,7 +661,7 @@
         <a:sym typeface="Arial"/>
       </a:defRPr>
     </a:lvl7pPr>
-    <a:lvl8pPr lvl="7" marR="0" rtl="0" algn="l">
+    <a:lvl8pPr marR="0" lvl="7" algn="l" rtl="0">
       <a:lnSpc>
         <a:spcPct val="100000"/>
       </a:lnSpc>
@@ -658,7 +675,7 @@
         <a:srgbClr val="000000"/>
       </a:buClr>
       <a:buFont typeface="Arial"/>
-      <a:defRPr b="0" i="0" sz="1400" u="none" cap="none" strike="noStrike">
+      <a:defRPr sz="1400" b="0" i="0" u="none" strike="noStrike" cap="none">
         <a:solidFill>
           <a:srgbClr val="000000"/>
         </a:solidFill>
@@ -668,7 +685,7 @@
         <a:sym typeface="Arial"/>
       </a:defRPr>
     </a:lvl8pPr>
-    <a:lvl9pPr lvl="8" marR="0" rtl="0" algn="l">
+    <a:lvl9pPr marR="0" lvl="8" algn="l" rtl="0">
       <a:lnSpc>
         <a:spcPct val="100000"/>
       </a:lnSpc>
@@ -682,7 +699,7 @@
         <a:srgbClr val="000000"/>
       </a:buClr>
       <a:buFont typeface="Arial"/>
-      <a:defRPr b="0" i="0" sz="1400" u="none" cap="none" strike="noStrike">
+      <a:defRPr sz="1400" b="0" i="0" u="none" strike="noStrike" cap="none">
         <a:solidFill>
           <a:srgbClr val="000000"/>
         </a:solidFill>
@@ -697,11 +714,11 @@
 </file>
 
 <file path=ppt/notesSlides/notesSlide1.xml><?xml version="1.0" encoding="utf-8"?>
-<p:notes xmlns:a="http://schemas.openxmlformats.org/drawingml/2006/main" xmlns:r="http://schemas.openxmlformats.org/officeDocument/2006/relationships" xmlns:mc="http://schemas.openxmlformats.org/markup-compatibility/2006" xmlns:mv="urn:schemas-microsoft-com:mac:vml" xmlns:p="http://schemas.openxmlformats.org/presentationml/2006/main" xmlns:c="http://schemas.openxmlformats.org/drawingml/2006/chart" xmlns:dgm="http://schemas.openxmlformats.org/drawingml/2006/diagram" xmlns:o="urn:schemas-microsoft-com:office:office" xmlns:v="urn:schemas-microsoft-com:vml" xmlns:pvml="urn:schemas-microsoft-com:office:powerpoint" xmlns:com="http://schemas.openxmlformats.org/drawingml/2006/compatibility" xmlns:p14="http://schemas.microsoft.com/office/powerpoint/2010/main" xmlns:p15="http://schemas.microsoft.com/office/powerpoint/2012/main" xmlns:ahyp="http://schemas.microsoft.com/office/drawing/2018/hyperlinkcolor" showMasterPhAnim="0" showMasterSp="0">
+<p:notes xmlns:a="http://schemas.openxmlformats.org/drawingml/2006/main" xmlns:r="http://schemas.openxmlformats.org/officeDocument/2006/relationships" xmlns:p="http://schemas.openxmlformats.org/presentationml/2006/main">
   <p:cSld>
     <p:spTree>
       <p:nvGrpSpPr>
-        <p:cNvPr id="50" name="Shape 50"/>
+        <p:cNvPr id="1" name=""/>
         <p:cNvGrpSpPr/>
         <p:nvPr/>
       </p:nvGrpSpPr>
@@ -715,21 +732,112 @@
       </p:grpSpPr>
       <p:sp>
         <p:nvSpPr>
-          <p:cNvPr id="51" name="Google Shape;51;p:notes"/>
-          <p:cNvSpPr/>
+          <p:cNvPr id="2" name="Slide Image Placeholder 1"/>
+          <p:cNvSpPr>
+            <a:spLocks noGrp="1" noRot="1" noChangeAspect="1"/>
+          </p:cNvSpPr>
           <p:nvPr>
-            <p:ph idx="2" type="sldImg"/>
+            <p:ph type="sldImg"/>
           </p:nvPr>
         </p:nvSpPr>
         <p:spPr>
           <a:xfrm>
+            <a:off x="381000" y="685800"/>
+            <a:ext cx="6096000" cy="3429000"/>
+          </a:xfrm>
+        </p:spPr>
+      </p:sp>
+      <p:sp>
+        <p:nvSpPr>
+          <p:cNvPr id="3" name="Notes Placeholder 2"/>
+          <p:cNvSpPr>
+            <a:spLocks noGrp="1"/>
+          </p:cNvSpPr>
+          <p:nvPr>
+            <p:ph type="body" idx="1"/>
+          </p:nvPr>
+        </p:nvSpPr>
+        <p:spPr/>
+        <p:txBody>
+          <a:bodyPr/>
+          <a:lstStyle/>
+          <a:p>
+            <a:pPr marL="457200" marR="0" lvl="0" indent="-298450" algn="l" defTabSz="914400" rtl="0" eaLnBrk="1" fontAlgn="auto" latinLnBrk="0" hangingPunct="1">
+              <a:lnSpc>
+                <a:spcPct val="100000"/>
+              </a:lnSpc>
+              <a:spcBef>
+                <a:spcPts val="0"/>
+              </a:spcBef>
+              <a:spcAft>
+                <a:spcPts val="0"/>
+              </a:spcAft>
+              <a:buClr>
+                <a:srgbClr val="000000"/>
+              </a:buClr>
+              <a:buSzPts val="1100"/>
+              <a:buFont typeface="Arial"/>
+              <a:buNone/>
+              <a:tabLst/>
+              <a:defRPr/>
+            </a:pPr>
+            <a:endParaRPr lang="en-US" dirty="0"/>
+          </a:p>
+        </p:txBody>
+      </p:sp>
+    </p:spTree>
+    <p:extLst>
+      <p:ext uri="{BB962C8B-B14F-4D97-AF65-F5344CB8AC3E}">
+        <p14:creationId xmlns:p14="http://schemas.microsoft.com/office/powerpoint/2010/main" val="1024009598"/>
+      </p:ext>
+    </p:extLst>
+  </p:cSld>
+  <p:clrMapOvr>
+    <a:masterClrMapping/>
+  </p:clrMapOvr>
+</p:notes>
+</file>
+
+<file path=ppt/notesSlides/notesSlide10.xml><?xml version="1.0" encoding="utf-8"?>
+<p:notes xmlns:a="http://schemas.openxmlformats.org/drawingml/2006/main" xmlns:r="http://schemas.openxmlformats.org/officeDocument/2006/relationships" xmlns:p="http://schemas.openxmlformats.org/presentationml/2006/main" showMasterSp="0" showMasterPhAnim="0">
+  <p:cSld>
+    <p:spTree>
+      <p:nvGrpSpPr>
+        <p:cNvPr id="1" name="Shape 128"/>
+        <p:cNvGrpSpPr/>
+        <p:nvPr/>
+      </p:nvGrpSpPr>
+      <p:grpSpPr>
+        <a:xfrm>
+          <a:off x="0" y="0"/>
+          <a:ext cx="0" cy="0"/>
+          <a:chOff x="0" y="0"/>
+          <a:chExt cx="0" cy="0"/>
+        </a:xfrm>
+      </p:grpSpPr>
+      <p:sp>
+        <p:nvSpPr>
+          <p:cNvPr id="129" name="Google Shape;129;g8e4ae8489e_0_92:notes"/>
+          <p:cNvSpPr>
+            <a:spLocks noGrp="1" noRot="1" noChangeAspect="1"/>
+          </p:cNvSpPr>
+          <p:nvPr>
+            <p:ph type="sldImg" idx="2"/>
+          </p:nvPr>
+        </p:nvSpPr>
+        <p:spPr>
+          <a:xfrm>
             <a:off x="381300" y="685800"/>
-            <a:ext cx="6096075" cy="3429000"/>
+            <a:ext cx="6096000" cy="3429000"/>
           </a:xfrm>
           <a:custGeom>
-            <a:rect b="b" l="l" r="r" t="t"/>
+            <a:avLst/>
+            <a:gdLst/>
+            <a:ahLst/>
+            <a:cxnLst/>
+            <a:rect l="l" t="t" r="r" b="b"/>
             <a:pathLst>
-              <a:path extrusionOk="0" h="120000" w="120000">
+              <a:path w="120000" h="120000" extrusionOk="0">
                 <a:moveTo>
                   <a:pt x="0" y="0"/>
                 </a:moveTo>
@@ -750,10 +858,12 @@
       </p:sp>
       <p:sp>
         <p:nvSpPr>
-          <p:cNvPr id="52" name="Google Shape;52;p:notes"/>
-          <p:cNvSpPr txBox="1"/>
+          <p:cNvPr id="130" name="Google Shape;130;g8e4ae8489e_0_92:notes"/>
+          <p:cNvSpPr txBox="1">
+            <a:spLocks noGrp="1"/>
+          </p:cNvSpPr>
           <p:nvPr>
-            <p:ph idx="1" type="body"/>
+            <p:ph type="body" idx="1"/>
           </p:nvPr>
         </p:nvSpPr>
         <p:spPr>
@@ -766,23 +876,20 @@
           </a:prstGeom>
         </p:spPr>
         <p:txBody>
-          <a:bodyPr anchorCtr="0" anchor="t" bIns="91425" lIns="91425" spcFirstLastPara="1" rIns="91425" wrap="square" tIns="91425">
+          <a:bodyPr spcFirstLastPara="1" wrap="square" lIns="91425" tIns="91425" rIns="91425" bIns="91425" anchor="t" anchorCtr="0">
             <a:noAutofit/>
           </a:bodyPr>
           <a:lstStyle/>
           <a:p>
-            <a:pPr indent="0" lvl="0" marL="0" rtl="0" algn="l">
-              <a:spcBef>
-                <a:spcPts val="0"/>
-              </a:spcBef>
-              <a:spcAft>
-                <a:spcPts val="0"/>
-              </a:spcAft>
-              <a:buNone/>
-            </a:pPr>
-            <a:r>
-              <a:t/>
-            </a:r>
+            <a:pPr marL="0" lvl="0" indent="0" algn="l" rtl="0">
+              <a:spcBef>
+                <a:spcPts val="0"/>
+              </a:spcBef>
+              <a:spcAft>
+                <a:spcPts val="0"/>
+              </a:spcAft>
+              <a:buNone/>
+            </a:pPr>
             <a:endParaRPr/>
           </a:p>
         </p:txBody>
@@ -795,12 +902,12 @@
 </p:notes>
 </file>
 
-<file path=ppt/notesSlides/notesSlide10.xml><?xml version="1.0" encoding="utf-8"?>
-<p:notes xmlns:a="http://schemas.openxmlformats.org/drawingml/2006/main" xmlns:r="http://schemas.openxmlformats.org/officeDocument/2006/relationships" xmlns:mc="http://schemas.openxmlformats.org/markup-compatibility/2006" xmlns:mv="urn:schemas-microsoft-com:mac:vml" xmlns:p="http://schemas.openxmlformats.org/presentationml/2006/main" xmlns:c="http://schemas.openxmlformats.org/drawingml/2006/chart" xmlns:dgm="http://schemas.openxmlformats.org/drawingml/2006/diagram" xmlns:o="urn:schemas-microsoft-com:office:office" xmlns:v="urn:schemas-microsoft-com:vml" xmlns:pvml="urn:schemas-microsoft-com:office:powerpoint" xmlns:com="http://schemas.openxmlformats.org/drawingml/2006/compatibility" xmlns:p14="http://schemas.microsoft.com/office/powerpoint/2010/main" xmlns:p15="http://schemas.microsoft.com/office/powerpoint/2012/main" xmlns:ahyp="http://schemas.microsoft.com/office/drawing/2018/hyperlinkcolor" showMasterPhAnim="0" showMasterSp="0">
+<file path=ppt/notesSlides/notesSlide11.xml><?xml version="1.0" encoding="utf-8"?>
+<p:notes xmlns:a="http://schemas.openxmlformats.org/drawingml/2006/main" xmlns:r="http://schemas.openxmlformats.org/officeDocument/2006/relationships" xmlns:p="http://schemas.openxmlformats.org/presentationml/2006/main" showMasterSp="0" showMasterPhAnim="0">
   <p:cSld>
     <p:spTree>
       <p:nvGrpSpPr>
-        <p:cNvPr id="139" name="Shape 139"/>
+        <p:cNvPr id="1" name="Shape 139"/>
         <p:cNvGrpSpPr/>
         <p:nvPr/>
       </p:nvGrpSpPr>
@@ -815,9 +922,11 @@
       <p:sp>
         <p:nvSpPr>
           <p:cNvPr id="140" name="Google Shape;140;g8e4ae8489e_0_103:notes"/>
-          <p:cNvSpPr/>
+          <p:cNvSpPr>
+            <a:spLocks noGrp="1" noRot="1" noChangeAspect="1"/>
+          </p:cNvSpPr>
           <p:nvPr>
-            <p:ph idx="2" type="sldImg"/>
+            <p:ph type="sldImg" idx="2"/>
           </p:nvPr>
         </p:nvSpPr>
         <p:spPr>
@@ -826,9 +935,13 @@
             <a:ext cx="6096000" cy="3429000"/>
           </a:xfrm>
           <a:custGeom>
-            <a:rect b="b" l="l" r="r" t="t"/>
+            <a:avLst/>
+            <a:gdLst/>
+            <a:ahLst/>
+            <a:cxnLst/>
+            <a:rect l="l" t="t" r="r" b="b"/>
             <a:pathLst>
-              <a:path extrusionOk="0" h="120000" w="120000">
+              <a:path w="120000" h="120000" extrusionOk="0">
                 <a:moveTo>
                   <a:pt x="0" y="0"/>
                 </a:moveTo>
@@ -850,9 +963,11 @@
       <p:sp>
         <p:nvSpPr>
           <p:cNvPr id="141" name="Google Shape;141;g8e4ae8489e_0_103:notes"/>
-          <p:cNvSpPr txBox="1"/>
+          <p:cNvSpPr txBox="1">
+            <a:spLocks noGrp="1"/>
+          </p:cNvSpPr>
           <p:nvPr>
-            <p:ph idx="1" type="body"/>
+            <p:ph type="body" idx="1"/>
           </p:nvPr>
         </p:nvSpPr>
         <p:spPr>
@@ -865,12 +980,12 @@
           </a:prstGeom>
         </p:spPr>
         <p:txBody>
-          <a:bodyPr anchorCtr="0" anchor="t" bIns="91425" lIns="91425" spcFirstLastPara="1" rIns="91425" wrap="square" tIns="91425">
+          <a:bodyPr spcFirstLastPara="1" wrap="square" lIns="91425" tIns="91425" rIns="91425" bIns="91425" anchor="t" anchorCtr="0">
             <a:noAutofit/>
           </a:bodyPr>
           <a:lstStyle/>
           <a:p>
-            <a:pPr indent="0" lvl="0" marL="0" rtl="0" algn="l">
+            <a:pPr marL="0" lvl="0" indent="0" algn="l" rtl="0">
               <a:spcBef>
                 <a:spcPts val="0"/>
               </a:spcBef>
@@ -895,12 +1010,12 @@
 </p:notes>
 </file>
 
-<file path=ppt/notesSlides/notesSlide11.xml><?xml version="1.0" encoding="utf-8"?>
-<p:notes xmlns:a="http://schemas.openxmlformats.org/drawingml/2006/main" xmlns:r="http://schemas.openxmlformats.org/officeDocument/2006/relationships" xmlns:mc="http://schemas.openxmlformats.org/markup-compatibility/2006" xmlns:mv="urn:schemas-microsoft-com:mac:vml" xmlns:p="http://schemas.openxmlformats.org/presentationml/2006/main" xmlns:c="http://schemas.openxmlformats.org/drawingml/2006/chart" xmlns:dgm="http://schemas.openxmlformats.org/drawingml/2006/diagram" xmlns:o="urn:schemas-microsoft-com:office:office" xmlns:v="urn:schemas-microsoft-com:vml" xmlns:pvml="urn:schemas-microsoft-com:office:powerpoint" xmlns:com="http://schemas.openxmlformats.org/drawingml/2006/compatibility" xmlns:p14="http://schemas.microsoft.com/office/powerpoint/2010/main" xmlns:p15="http://schemas.microsoft.com/office/powerpoint/2012/main" xmlns:ahyp="http://schemas.microsoft.com/office/drawing/2018/hyperlinkcolor" showMasterPhAnim="0" showMasterSp="0">
+<file path=ppt/notesSlides/notesSlide12.xml><?xml version="1.0" encoding="utf-8"?>
+<p:notes xmlns:a="http://schemas.openxmlformats.org/drawingml/2006/main" xmlns:r="http://schemas.openxmlformats.org/officeDocument/2006/relationships" xmlns:p="http://schemas.openxmlformats.org/presentationml/2006/main" showMasterSp="0" showMasterPhAnim="0">
   <p:cSld>
     <p:spTree>
       <p:nvGrpSpPr>
-        <p:cNvPr id="150" name="Shape 150"/>
+        <p:cNvPr id="1" name="Shape 150"/>
         <p:cNvGrpSpPr/>
         <p:nvPr/>
       </p:nvGrpSpPr>
@@ -915,9 +1030,11 @@
       <p:sp>
         <p:nvSpPr>
           <p:cNvPr id="151" name="Google Shape;151;g8e4ae8489e_0_113:notes"/>
-          <p:cNvSpPr/>
+          <p:cNvSpPr>
+            <a:spLocks noGrp="1" noRot="1" noChangeAspect="1"/>
+          </p:cNvSpPr>
           <p:nvPr>
-            <p:ph idx="2" type="sldImg"/>
+            <p:ph type="sldImg" idx="2"/>
           </p:nvPr>
         </p:nvSpPr>
         <p:spPr>
@@ -926,9 +1043,13 @@
             <a:ext cx="6096000" cy="3429000"/>
           </a:xfrm>
           <a:custGeom>
-            <a:rect b="b" l="l" r="r" t="t"/>
+            <a:avLst/>
+            <a:gdLst/>
+            <a:ahLst/>
+            <a:cxnLst/>
+            <a:rect l="l" t="t" r="r" b="b"/>
             <a:pathLst>
-              <a:path extrusionOk="0" h="120000" w="120000">
+              <a:path w="120000" h="120000" extrusionOk="0">
                 <a:moveTo>
                   <a:pt x="0" y="0"/>
                 </a:moveTo>
@@ -950,9 +1071,11 @@
       <p:sp>
         <p:nvSpPr>
           <p:cNvPr id="152" name="Google Shape;152;g8e4ae8489e_0_113:notes"/>
-          <p:cNvSpPr txBox="1"/>
+          <p:cNvSpPr txBox="1">
+            <a:spLocks noGrp="1"/>
+          </p:cNvSpPr>
           <p:nvPr>
-            <p:ph idx="1" type="body"/>
+            <p:ph type="body" idx="1"/>
           </p:nvPr>
         </p:nvSpPr>
         <p:spPr>
@@ -965,12 +1088,12 @@
           </a:prstGeom>
         </p:spPr>
         <p:txBody>
-          <a:bodyPr anchorCtr="0" anchor="t" bIns="91425" lIns="91425" spcFirstLastPara="1" rIns="91425" wrap="square" tIns="91425">
+          <a:bodyPr spcFirstLastPara="1" wrap="square" lIns="91425" tIns="91425" rIns="91425" bIns="91425" anchor="t" anchorCtr="0">
             <a:noAutofit/>
           </a:bodyPr>
           <a:lstStyle/>
           <a:p>
-            <a:pPr indent="0" lvl="0" marL="0" rtl="0" algn="l">
+            <a:pPr marL="0" lvl="0" indent="0" algn="l" rtl="0">
               <a:spcBef>
                 <a:spcPts val="0"/>
               </a:spcBef>
@@ -986,22 +1109,19 @@
             <a:endParaRPr/>
           </a:p>
           <a:p>
-            <a:pPr indent="0" lvl="0" marL="0" rtl="0" algn="l">
-              <a:spcBef>
-                <a:spcPts val="0"/>
-              </a:spcBef>
-              <a:spcAft>
-                <a:spcPts val="0"/>
-              </a:spcAft>
-              <a:buNone/>
-            </a:pPr>
-            <a:r>
-              <a:t/>
-            </a:r>
+            <a:pPr marL="0" lvl="0" indent="0" algn="l" rtl="0">
+              <a:spcBef>
+                <a:spcPts val="0"/>
+              </a:spcBef>
+              <a:spcAft>
+                <a:spcPts val="0"/>
+              </a:spcAft>
+              <a:buNone/>
+            </a:pPr>
             <a:endParaRPr/>
           </a:p>
           <a:p>
-            <a:pPr indent="0" lvl="0" marL="0" rtl="0" algn="l">
+            <a:pPr marL="0" lvl="0" indent="0" algn="l" rtl="0">
               <a:spcBef>
                 <a:spcPts val="0"/>
               </a:spcBef>
@@ -1027,11 +1147,11 @@
 </file>
 
 <file path=ppt/notesSlides/notesSlide2.xml><?xml version="1.0" encoding="utf-8"?>
-<p:notes xmlns:a="http://schemas.openxmlformats.org/drawingml/2006/main" xmlns:r="http://schemas.openxmlformats.org/officeDocument/2006/relationships" xmlns:mc="http://schemas.openxmlformats.org/markup-compatibility/2006" xmlns:mv="urn:schemas-microsoft-com:mac:vml" xmlns:p="http://schemas.openxmlformats.org/presentationml/2006/main" xmlns:c="http://schemas.openxmlformats.org/drawingml/2006/chart" xmlns:dgm="http://schemas.openxmlformats.org/drawingml/2006/diagram" xmlns:o="urn:schemas-microsoft-com:office:office" xmlns:v="urn:schemas-microsoft-com:vml" xmlns:pvml="urn:schemas-microsoft-com:office:powerpoint" xmlns:com="http://schemas.openxmlformats.org/drawingml/2006/compatibility" xmlns:p14="http://schemas.microsoft.com/office/powerpoint/2010/main" xmlns:p15="http://schemas.microsoft.com/office/powerpoint/2012/main" xmlns:ahyp="http://schemas.microsoft.com/office/drawing/2018/hyperlinkcolor" showMasterPhAnim="0" showMasterSp="0">
+<p:notes xmlns:a="http://schemas.openxmlformats.org/drawingml/2006/main" xmlns:r="http://schemas.openxmlformats.org/officeDocument/2006/relationships" xmlns:p="http://schemas.openxmlformats.org/presentationml/2006/main" showMasterSp="0" showMasterPhAnim="0">
   <p:cSld>
     <p:spTree>
       <p:nvGrpSpPr>
-        <p:cNvPr id="56" name="Shape 56"/>
+        <p:cNvPr id="1" name="Shape 50"/>
         <p:cNvGrpSpPr/>
         <p:nvPr/>
       </p:nvGrpSpPr>
@@ -1045,21 +1165,27 @@
       </p:grpSpPr>
       <p:sp>
         <p:nvSpPr>
-          <p:cNvPr id="57" name="Google Shape;57;g8e4ae8489e_0_0:notes"/>
-          <p:cNvSpPr/>
+          <p:cNvPr id="51" name="Google Shape;51;p:notes"/>
+          <p:cNvSpPr>
+            <a:spLocks noGrp="1" noRot="1" noChangeAspect="1"/>
+          </p:cNvSpPr>
           <p:nvPr>
-            <p:ph idx="2" type="sldImg"/>
+            <p:ph type="sldImg" idx="2"/>
           </p:nvPr>
         </p:nvSpPr>
         <p:spPr>
           <a:xfrm>
-            <a:off x="381300" y="685800"/>
+            <a:off x="381000" y="685800"/>
             <a:ext cx="6096000" cy="3429000"/>
           </a:xfrm>
           <a:custGeom>
-            <a:rect b="b" l="l" r="r" t="t"/>
+            <a:avLst/>
+            <a:gdLst/>
+            <a:ahLst/>
+            <a:cxnLst/>
+            <a:rect l="l" t="t" r="r" b="b"/>
             <a:pathLst>
-              <a:path extrusionOk="0" h="120000" w="120000">
+              <a:path w="120000" h="120000" extrusionOk="0">
                 <a:moveTo>
                   <a:pt x="0" y="0"/>
                 </a:moveTo>
@@ -1080,10 +1206,12 @@
       </p:sp>
       <p:sp>
         <p:nvSpPr>
-          <p:cNvPr id="58" name="Google Shape;58;g8e4ae8489e_0_0:notes"/>
-          <p:cNvSpPr txBox="1"/>
+          <p:cNvPr id="52" name="Google Shape;52;p:notes"/>
+          <p:cNvSpPr txBox="1">
+            <a:spLocks noGrp="1"/>
+          </p:cNvSpPr>
           <p:nvPr>
-            <p:ph idx="1" type="body"/>
+            <p:ph type="body" idx="1"/>
           </p:nvPr>
         </p:nvSpPr>
         <p:spPr>
@@ -1096,24 +1224,20 @@
           </a:prstGeom>
         </p:spPr>
         <p:txBody>
-          <a:bodyPr anchorCtr="0" anchor="t" bIns="91425" lIns="91425" spcFirstLastPara="1" rIns="91425" wrap="square" tIns="91425">
+          <a:bodyPr spcFirstLastPara="1" wrap="square" lIns="91425" tIns="91425" rIns="91425" bIns="91425" anchor="t" anchorCtr="0">
             <a:noAutofit/>
           </a:bodyPr>
           <a:lstStyle/>
           <a:p>
-            <a:pPr indent="0" lvl="0" marL="0" rtl="0" algn="l">
-              <a:spcBef>
-                <a:spcPts val="0"/>
-              </a:spcBef>
-              <a:spcAft>
-                <a:spcPts val="0"/>
-              </a:spcAft>
-              <a:buNone/>
-            </a:pPr>
-            <a:r>
-              <a:rPr lang="en"/>
-              <a:t>Brief review of caching, with brief animation showing how it works</a:t>
-            </a:r>
+            <a:pPr marL="0" lvl="0" indent="0" algn="l" rtl="0">
+              <a:spcBef>
+                <a:spcPts val="0"/>
+              </a:spcBef>
+              <a:spcAft>
+                <a:spcPts val="0"/>
+              </a:spcAft>
+              <a:buNone/>
+            </a:pPr>
             <a:endParaRPr/>
           </a:p>
         </p:txBody>
@@ -1127,11 +1251,11 @@
 </file>
 
 <file path=ppt/notesSlides/notesSlide3.xml><?xml version="1.0" encoding="utf-8"?>
-<p:notes xmlns:a="http://schemas.openxmlformats.org/drawingml/2006/main" xmlns:r="http://schemas.openxmlformats.org/officeDocument/2006/relationships" xmlns:mc="http://schemas.openxmlformats.org/markup-compatibility/2006" xmlns:mv="urn:schemas-microsoft-com:mac:vml" xmlns:p="http://schemas.openxmlformats.org/presentationml/2006/main" xmlns:c="http://schemas.openxmlformats.org/drawingml/2006/chart" xmlns:dgm="http://schemas.openxmlformats.org/drawingml/2006/diagram" xmlns:o="urn:schemas-microsoft-com:office:office" xmlns:v="urn:schemas-microsoft-com:vml" xmlns:pvml="urn:schemas-microsoft-com:office:powerpoint" xmlns:com="http://schemas.openxmlformats.org/drawingml/2006/compatibility" xmlns:p14="http://schemas.microsoft.com/office/powerpoint/2010/main" xmlns:p15="http://schemas.microsoft.com/office/powerpoint/2012/main" xmlns:ahyp="http://schemas.microsoft.com/office/drawing/2018/hyperlinkcolor" showMasterPhAnim="0" showMasterSp="0">
+<p:notes xmlns:a="http://schemas.openxmlformats.org/drawingml/2006/main" xmlns:r="http://schemas.openxmlformats.org/officeDocument/2006/relationships" xmlns:p="http://schemas.openxmlformats.org/presentationml/2006/main" showMasterSp="0" showMasterPhAnim="0">
   <p:cSld>
     <p:spTree>
       <p:nvGrpSpPr>
-        <p:cNvPr id="63" name="Shape 63"/>
+        <p:cNvPr id="1" name="Shape 56"/>
         <p:cNvGrpSpPr/>
         <p:nvPr/>
       </p:nvGrpSpPr>
@@ -1145,10 +1269,12 @@
       </p:grpSpPr>
       <p:sp>
         <p:nvSpPr>
-          <p:cNvPr id="64" name="Google Shape;64;g8e4ae8489e_0_34:notes"/>
-          <p:cNvSpPr/>
+          <p:cNvPr id="57" name="Google Shape;57;g8e4ae8489e_0_0:notes"/>
+          <p:cNvSpPr>
+            <a:spLocks noGrp="1" noRot="1" noChangeAspect="1"/>
+          </p:cNvSpPr>
           <p:nvPr>
-            <p:ph idx="2" type="sldImg"/>
+            <p:ph type="sldImg" idx="2"/>
           </p:nvPr>
         </p:nvSpPr>
         <p:spPr>
@@ -1157,9 +1283,13 @@
             <a:ext cx="6096000" cy="3429000"/>
           </a:xfrm>
           <a:custGeom>
-            <a:rect b="b" l="l" r="r" t="t"/>
+            <a:avLst/>
+            <a:gdLst/>
+            <a:ahLst/>
+            <a:cxnLst/>
+            <a:rect l="l" t="t" r="r" b="b"/>
             <a:pathLst>
-              <a:path extrusionOk="0" h="120000" w="120000">
+              <a:path w="120000" h="120000" extrusionOk="0">
                 <a:moveTo>
                   <a:pt x="0" y="0"/>
                 </a:moveTo>
@@ -1180,10 +1310,12 @@
       </p:sp>
       <p:sp>
         <p:nvSpPr>
-          <p:cNvPr id="65" name="Google Shape;65;g8e4ae8489e_0_34:notes"/>
-          <p:cNvSpPr txBox="1"/>
+          <p:cNvPr id="58" name="Google Shape;58;g8e4ae8489e_0_0:notes"/>
+          <p:cNvSpPr txBox="1">
+            <a:spLocks noGrp="1"/>
+          </p:cNvSpPr>
           <p:nvPr>
-            <p:ph idx="1" type="body"/>
+            <p:ph type="body" idx="1"/>
           </p:nvPr>
         </p:nvSpPr>
         <p:spPr>
@@ -1196,12 +1328,12 @@
           </a:prstGeom>
         </p:spPr>
         <p:txBody>
-          <a:bodyPr anchorCtr="0" anchor="t" bIns="91425" lIns="91425" spcFirstLastPara="1" rIns="91425" wrap="square" tIns="91425">
+          <a:bodyPr spcFirstLastPara="1" wrap="square" lIns="91425" tIns="91425" rIns="91425" bIns="91425" anchor="t" anchorCtr="0">
             <a:noAutofit/>
           </a:bodyPr>
           <a:lstStyle/>
           <a:p>
-            <a:pPr indent="0" lvl="0" marL="0" rtl="0" algn="l">
+            <a:pPr marL="0" lvl="0" indent="0" algn="l" rtl="0">
               <a:spcBef>
                 <a:spcPts val="0"/>
               </a:spcBef>
@@ -1212,7 +1344,7 @@
             </a:pPr>
             <a:r>
               <a:rPr lang="en"/>
-              <a:t>On a memory request, if the data isn’t in the cache, the request is passed all the way to memory</a:t>
+              <a:t>Brief review of caching, with brief animation showing how it works</a:t>
             </a:r>
             <a:endParaRPr/>
           </a:p>
@@ -1227,11 +1359,11 @@
 </file>
 
 <file path=ppt/notesSlides/notesSlide4.xml><?xml version="1.0" encoding="utf-8"?>
-<p:notes xmlns:a="http://schemas.openxmlformats.org/drawingml/2006/main" xmlns:r="http://schemas.openxmlformats.org/officeDocument/2006/relationships" xmlns:mc="http://schemas.openxmlformats.org/markup-compatibility/2006" xmlns:mv="urn:schemas-microsoft-com:mac:vml" xmlns:p="http://schemas.openxmlformats.org/presentationml/2006/main" xmlns:c="http://schemas.openxmlformats.org/drawingml/2006/chart" xmlns:dgm="http://schemas.openxmlformats.org/drawingml/2006/diagram" xmlns:o="urn:schemas-microsoft-com:office:office" xmlns:v="urn:schemas-microsoft-com:vml" xmlns:pvml="urn:schemas-microsoft-com:office:powerpoint" xmlns:com="http://schemas.openxmlformats.org/drawingml/2006/compatibility" xmlns:p14="http://schemas.microsoft.com/office/powerpoint/2010/main" xmlns:p15="http://schemas.microsoft.com/office/powerpoint/2012/main" xmlns:ahyp="http://schemas.microsoft.com/office/drawing/2018/hyperlinkcolor" showMasterPhAnim="0" showMasterSp="0">
+<p:notes xmlns:a="http://schemas.openxmlformats.org/drawingml/2006/main" xmlns:r="http://schemas.openxmlformats.org/officeDocument/2006/relationships" xmlns:p="http://schemas.openxmlformats.org/presentationml/2006/main" showMasterSp="0" showMasterPhAnim="0">
   <p:cSld>
     <p:spTree>
       <p:nvGrpSpPr>
-        <p:cNvPr id="73" name="Shape 73"/>
+        <p:cNvPr id="1" name="Shape 63"/>
         <p:cNvGrpSpPr/>
         <p:nvPr/>
       </p:nvGrpSpPr>
@@ -1245,10 +1377,12 @@
       </p:grpSpPr>
       <p:sp>
         <p:nvSpPr>
-          <p:cNvPr id="74" name="Google Shape;74;g8e4ae8489e_0_43:notes"/>
-          <p:cNvSpPr/>
+          <p:cNvPr id="64" name="Google Shape;64;g8e4ae8489e_0_34:notes"/>
+          <p:cNvSpPr>
+            <a:spLocks noGrp="1" noRot="1" noChangeAspect="1"/>
+          </p:cNvSpPr>
           <p:nvPr>
-            <p:ph idx="2" type="sldImg"/>
+            <p:ph type="sldImg" idx="2"/>
           </p:nvPr>
         </p:nvSpPr>
         <p:spPr>
@@ -1257,9 +1391,13 @@
             <a:ext cx="6096000" cy="3429000"/>
           </a:xfrm>
           <a:custGeom>
-            <a:rect b="b" l="l" r="r" t="t"/>
+            <a:avLst/>
+            <a:gdLst/>
+            <a:ahLst/>
+            <a:cxnLst/>
+            <a:rect l="l" t="t" r="r" b="b"/>
             <a:pathLst>
-              <a:path extrusionOk="0" h="120000" w="120000">
+              <a:path w="120000" h="120000" extrusionOk="0">
                 <a:moveTo>
                   <a:pt x="0" y="0"/>
                 </a:moveTo>
@@ -1280,10 +1418,12 @@
       </p:sp>
       <p:sp>
         <p:nvSpPr>
-          <p:cNvPr id="75" name="Google Shape;75;g8e4ae8489e_0_43:notes"/>
-          <p:cNvSpPr txBox="1"/>
+          <p:cNvPr id="65" name="Google Shape;65;g8e4ae8489e_0_34:notes"/>
+          <p:cNvSpPr txBox="1">
+            <a:spLocks noGrp="1"/>
+          </p:cNvSpPr>
           <p:nvPr>
-            <p:ph idx="1" type="body"/>
+            <p:ph type="body" idx="1"/>
           </p:nvPr>
         </p:nvSpPr>
         <p:spPr>
@@ -1296,12 +1436,12 @@
           </a:prstGeom>
         </p:spPr>
         <p:txBody>
-          <a:bodyPr anchorCtr="0" anchor="t" bIns="91425" lIns="91425" spcFirstLastPara="1" rIns="91425" wrap="square" tIns="91425">
+          <a:bodyPr spcFirstLastPara="1" wrap="square" lIns="91425" tIns="91425" rIns="91425" bIns="91425" anchor="t" anchorCtr="0">
             <a:noAutofit/>
           </a:bodyPr>
           <a:lstStyle/>
           <a:p>
-            <a:pPr indent="0" lvl="0" marL="0" rtl="0" algn="l">
+            <a:pPr marL="0" lvl="0" indent="0" algn="l" rtl="0">
               <a:spcBef>
                 <a:spcPts val="0"/>
               </a:spcBef>
@@ -1312,7 +1452,7 @@
             </a:pPr>
             <a:r>
               <a:rPr lang="en"/>
-              <a:t>The response traces this path back to the processor, but also stores the desired data into the cache</a:t>
+              <a:t>On a memory request, if the data isn’t in the cache, the request is passed all the way to memory</a:t>
             </a:r>
             <a:endParaRPr/>
           </a:p>
@@ -1327,11 +1467,11 @@
 </file>
 
 <file path=ppt/notesSlides/notesSlide5.xml><?xml version="1.0" encoding="utf-8"?>
-<p:notes xmlns:a="http://schemas.openxmlformats.org/drawingml/2006/main" xmlns:r="http://schemas.openxmlformats.org/officeDocument/2006/relationships" xmlns:mc="http://schemas.openxmlformats.org/markup-compatibility/2006" xmlns:mv="urn:schemas-microsoft-com:mac:vml" xmlns:p="http://schemas.openxmlformats.org/presentationml/2006/main" xmlns:c="http://schemas.openxmlformats.org/drawingml/2006/chart" xmlns:dgm="http://schemas.openxmlformats.org/drawingml/2006/diagram" xmlns:o="urn:schemas-microsoft-com:office:office" xmlns:v="urn:schemas-microsoft-com:vml" xmlns:pvml="urn:schemas-microsoft-com:office:powerpoint" xmlns:com="http://schemas.openxmlformats.org/drawingml/2006/compatibility" xmlns:p14="http://schemas.microsoft.com/office/powerpoint/2010/main" xmlns:p15="http://schemas.microsoft.com/office/powerpoint/2012/main" xmlns:ahyp="http://schemas.microsoft.com/office/drawing/2018/hyperlinkcolor" showMasterPhAnim="0" showMasterSp="0">
+<p:notes xmlns:a="http://schemas.openxmlformats.org/drawingml/2006/main" xmlns:r="http://schemas.openxmlformats.org/officeDocument/2006/relationships" xmlns:p="http://schemas.openxmlformats.org/presentationml/2006/main" showMasterSp="0" showMasterPhAnim="0">
   <p:cSld>
     <p:spTree>
       <p:nvGrpSpPr>
-        <p:cNvPr id="87" name="Shape 87"/>
+        <p:cNvPr id="1" name="Shape 73"/>
         <p:cNvGrpSpPr/>
         <p:nvPr/>
       </p:nvGrpSpPr>
@@ -1345,10 +1485,12 @@
       </p:grpSpPr>
       <p:sp>
         <p:nvSpPr>
-          <p:cNvPr id="88" name="Google Shape;88;g8e4ae8489e_0_56:notes"/>
-          <p:cNvSpPr/>
+          <p:cNvPr id="74" name="Google Shape;74;g8e4ae8489e_0_43:notes"/>
+          <p:cNvSpPr>
+            <a:spLocks noGrp="1" noRot="1" noChangeAspect="1"/>
+          </p:cNvSpPr>
           <p:nvPr>
-            <p:ph idx="2" type="sldImg"/>
+            <p:ph type="sldImg" idx="2"/>
           </p:nvPr>
         </p:nvSpPr>
         <p:spPr>
@@ -1357,9 +1499,13 @@
             <a:ext cx="6096000" cy="3429000"/>
           </a:xfrm>
           <a:custGeom>
-            <a:rect b="b" l="l" r="r" t="t"/>
+            <a:avLst/>
+            <a:gdLst/>
+            <a:ahLst/>
+            <a:cxnLst/>
+            <a:rect l="l" t="t" r="r" b="b"/>
             <a:pathLst>
-              <a:path extrusionOk="0" h="120000" w="120000">
+              <a:path w="120000" h="120000" extrusionOk="0">
                 <a:moveTo>
                   <a:pt x="0" y="0"/>
                 </a:moveTo>
@@ -1380,10 +1526,12 @@
       </p:sp>
       <p:sp>
         <p:nvSpPr>
-          <p:cNvPr id="89" name="Google Shape;89;g8e4ae8489e_0_56:notes"/>
-          <p:cNvSpPr txBox="1"/>
+          <p:cNvPr id="75" name="Google Shape;75;g8e4ae8489e_0_43:notes"/>
+          <p:cNvSpPr txBox="1">
+            <a:spLocks noGrp="1"/>
+          </p:cNvSpPr>
           <p:nvPr>
-            <p:ph idx="1" type="body"/>
+            <p:ph type="body" idx="1"/>
           </p:nvPr>
         </p:nvSpPr>
         <p:spPr>
@@ -1396,12 +1544,12 @@
           </a:prstGeom>
         </p:spPr>
         <p:txBody>
-          <a:bodyPr anchorCtr="0" anchor="t" bIns="91425" lIns="91425" spcFirstLastPara="1" rIns="91425" wrap="square" tIns="91425">
+          <a:bodyPr spcFirstLastPara="1" wrap="square" lIns="91425" tIns="91425" rIns="91425" bIns="91425" anchor="t" anchorCtr="0">
             <a:noAutofit/>
           </a:bodyPr>
           <a:lstStyle/>
           <a:p>
-            <a:pPr indent="0" lvl="0" marL="0" rtl="0" algn="l">
+            <a:pPr marL="0" lvl="0" indent="0" algn="l" rtl="0">
               <a:spcBef>
                 <a:spcPts val="0"/>
               </a:spcBef>
@@ -1412,7 +1560,7 @@
             </a:pPr>
             <a:r>
               <a:rPr lang="en"/>
-              <a:t>Subsequent requests don’t have to go to memory since the cache can satisfy the request</a:t>
+              <a:t>The response traces this path back to the processor, but also stores the desired data into the cache</a:t>
             </a:r>
             <a:endParaRPr/>
           </a:p>
@@ -1427,11 +1575,11 @@
 </file>
 
 <file path=ppt/notesSlides/notesSlide6.xml><?xml version="1.0" encoding="utf-8"?>
-<p:notes xmlns:a="http://schemas.openxmlformats.org/drawingml/2006/main" xmlns:r="http://schemas.openxmlformats.org/officeDocument/2006/relationships" xmlns:mc="http://schemas.openxmlformats.org/markup-compatibility/2006" xmlns:mv="urn:schemas-microsoft-com:mac:vml" xmlns:p="http://schemas.openxmlformats.org/presentationml/2006/main" xmlns:c="http://schemas.openxmlformats.org/drawingml/2006/chart" xmlns:dgm="http://schemas.openxmlformats.org/drawingml/2006/diagram" xmlns:o="urn:schemas-microsoft-com:office:office" xmlns:v="urn:schemas-microsoft-com:vml" xmlns:pvml="urn:schemas-microsoft-com:office:powerpoint" xmlns:com="http://schemas.openxmlformats.org/drawingml/2006/compatibility" xmlns:p14="http://schemas.microsoft.com/office/powerpoint/2010/main" xmlns:p15="http://schemas.microsoft.com/office/powerpoint/2012/main" xmlns:ahyp="http://schemas.microsoft.com/office/drawing/2018/hyperlinkcolor" showMasterPhAnim="0" showMasterSp="0">
+<p:notes xmlns:a="http://schemas.openxmlformats.org/drawingml/2006/main" xmlns:r="http://schemas.openxmlformats.org/officeDocument/2006/relationships" xmlns:p="http://schemas.openxmlformats.org/presentationml/2006/main" showMasterSp="0" showMasterPhAnim="0">
   <p:cSld>
     <p:spTree>
       <p:nvGrpSpPr>
-        <p:cNvPr id="99" name="Shape 99"/>
+        <p:cNvPr id="1" name="Shape 87"/>
         <p:cNvGrpSpPr/>
         <p:nvPr/>
       </p:nvGrpSpPr>
@@ -1445,10 +1593,12 @@
       </p:grpSpPr>
       <p:sp>
         <p:nvSpPr>
-          <p:cNvPr id="100" name="Google Shape;100;g8e4ae8489e_0_69:notes"/>
-          <p:cNvSpPr/>
+          <p:cNvPr id="88" name="Google Shape;88;g8e4ae8489e_0_56:notes"/>
+          <p:cNvSpPr>
+            <a:spLocks noGrp="1" noRot="1" noChangeAspect="1"/>
+          </p:cNvSpPr>
           <p:nvPr>
-            <p:ph idx="2" type="sldImg"/>
+            <p:ph type="sldImg" idx="2"/>
           </p:nvPr>
         </p:nvSpPr>
         <p:spPr>
@@ -1457,9 +1607,13 @@
             <a:ext cx="6096000" cy="3429000"/>
           </a:xfrm>
           <a:custGeom>
-            <a:rect b="b" l="l" r="r" t="t"/>
+            <a:avLst/>
+            <a:gdLst/>
+            <a:ahLst/>
+            <a:cxnLst/>
+            <a:rect l="l" t="t" r="r" b="b"/>
             <a:pathLst>
-              <a:path extrusionOk="0" h="120000" w="120000">
+              <a:path w="120000" h="120000" extrusionOk="0">
                 <a:moveTo>
                   <a:pt x="0" y="0"/>
                 </a:moveTo>
@@ -1480,10 +1634,12 @@
       </p:sp>
       <p:sp>
         <p:nvSpPr>
-          <p:cNvPr id="101" name="Google Shape;101;g8e4ae8489e_0_69:notes"/>
-          <p:cNvSpPr txBox="1"/>
+          <p:cNvPr id="89" name="Google Shape;89;g8e4ae8489e_0_56:notes"/>
+          <p:cNvSpPr txBox="1">
+            <a:spLocks noGrp="1"/>
+          </p:cNvSpPr>
           <p:nvPr>
-            <p:ph idx="1" type="body"/>
+            <p:ph type="body" idx="1"/>
           </p:nvPr>
         </p:nvSpPr>
         <p:spPr>
@@ -1496,12 +1652,12 @@
           </a:prstGeom>
         </p:spPr>
         <p:txBody>
-          <a:bodyPr anchorCtr="0" anchor="t" bIns="91425" lIns="91425" spcFirstLastPara="1" rIns="91425" wrap="square" tIns="91425">
+          <a:bodyPr spcFirstLastPara="1" wrap="square" lIns="91425" tIns="91425" rIns="91425" bIns="91425" anchor="t" anchorCtr="0">
             <a:noAutofit/>
           </a:bodyPr>
           <a:lstStyle/>
           <a:p>
-            <a:pPr indent="0" lvl="0" marL="0" rtl="0" algn="l">
+            <a:pPr marL="0" lvl="0" indent="0" algn="l" rtl="0">
               <a:spcBef>
                 <a:spcPts val="0"/>
               </a:spcBef>
@@ -1512,7 +1668,7 @@
             </a:pPr>
             <a:r>
               <a:rPr lang="en"/>
-              <a:t>Key point of this slide is that a cache line also stores data near the accessed memory address.  This is what makes caches useful for spatial locality</a:t>
+              <a:t>Subsequent requests don’t have to go to memory since the cache can satisfy the request</a:t>
             </a:r>
             <a:endParaRPr/>
           </a:p>
@@ -1527,11 +1683,11 @@
 </file>
 
 <file path=ppt/notesSlides/notesSlide7.xml><?xml version="1.0" encoding="utf-8"?>
-<p:notes xmlns:a="http://schemas.openxmlformats.org/drawingml/2006/main" xmlns:r="http://schemas.openxmlformats.org/officeDocument/2006/relationships" xmlns:mc="http://schemas.openxmlformats.org/markup-compatibility/2006" xmlns:mv="urn:schemas-microsoft-com:mac:vml" xmlns:p="http://schemas.openxmlformats.org/presentationml/2006/main" xmlns:c="http://schemas.openxmlformats.org/drawingml/2006/chart" xmlns:dgm="http://schemas.openxmlformats.org/drawingml/2006/diagram" xmlns:o="urn:schemas-microsoft-com:office:office" xmlns:v="urn:schemas-microsoft-com:vml" xmlns:pvml="urn:schemas-microsoft-com:office:powerpoint" xmlns:com="http://schemas.openxmlformats.org/drawingml/2006/compatibility" xmlns:p14="http://schemas.microsoft.com/office/powerpoint/2010/main" xmlns:p15="http://schemas.microsoft.com/office/powerpoint/2012/main" xmlns:ahyp="http://schemas.microsoft.com/office/drawing/2018/hyperlinkcolor" showMasterPhAnim="0" showMasterSp="0">
+<p:notes xmlns:a="http://schemas.openxmlformats.org/drawingml/2006/main" xmlns:r="http://schemas.openxmlformats.org/officeDocument/2006/relationships" xmlns:p="http://schemas.openxmlformats.org/presentationml/2006/main" showMasterSp="0" showMasterPhAnim="0">
   <p:cSld>
     <p:spTree>
       <p:nvGrpSpPr>
-        <p:cNvPr id="111" name="Shape 111"/>
+        <p:cNvPr id="1" name="Shape 99"/>
         <p:cNvGrpSpPr/>
         <p:nvPr/>
       </p:nvGrpSpPr>
@@ -1545,10 +1701,12 @@
       </p:grpSpPr>
       <p:sp>
         <p:nvSpPr>
-          <p:cNvPr id="112" name="Google Shape;112;g8e4ae8489e_0_5:notes"/>
-          <p:cNvSpPr/>
+          <p:cNvPr id="100" name="Google Shape;100;g8e4ae8489e_0_69:notes"/>
+          <p:cNvSpPr>
+            <a:spLocks noGrp="1" noRot="1" noChangeAspect="1"/>
+          </p:cNvSpPr>
           <p:nvPr>
-            <p:ph idx="2" type="sldImg"/>
+            <p:ph type="sldImg" idx="2"/>
           </p:nvPr>
         </p:nvSpPr>
         <p:spPr>
@@ -1557,9 +1715,13 @@
             <a:ext cx="6096000" cy="3429000"/>
           </a:xfrm>
           <a:custGeom>
-            <a:rect b="b" l="l" r="r" t="t"/>
+            <a:avLst/>
+            <a:gdLst/>
+            <a:ahLst/>
+            <a:cxnLst/>
+            <a:rect l="l" t="t" r="r" b="b"/>
             <a:pathLst>
-              <a:path extrusionOk="0" h="120000" w="120000">
+              <a:path w="120000" h="120000" extrusionOk="0">
                 <a:moveTo>
                   <a:pt x="0" y="0"/>
                 </a:moveTo>
@@ -1580,10 +1742,12 @@
       </p:sp>
       <p:sp>
         <p:nvSpPr>
-          <p:cNvPr id="113" name="Google Shape;113;g8e4ae8489e_0_5:notes"/>
-          <p:cNvSpPr txBox="1"/>
+          <p:cNvPr id="101" name="Google Shape;101;g8e4ae8489e_0_69:notes"/>
+          <p:cNvSpPr txBox="1">
+            <a:spLocks noGrp="1"/>
+          </p:cNvSpPr>
           <p:nvPr>
-            <p:ph idx="1" type="body"/>
+            <p:ph type="body" idx="1"/>
           </p:nvPr>
         </p:nvSpPr>
         <p:spPr>
@@ -1596,12 +1760,12 @@
           </a:prstGeom>
         </p:spPr>
         <p:txBody>
-          <a:bodyPr anchorCtr="0" anchor="t" bIns="91425" lIns="91425" spcFirstLastPara="1" rIns="91425" wrap="square" tIns="91425">
+          <a:bodyPr spcFirstLastPara="1" wrap="square" lIns="91425" tIns="91425" rIns="91425" bIns="91425" anchor="t" anchorCtr="0">
             <a:noAutofit/>
           </a:bodyPr>
           <a:lstStyle/>
           <a:p>
-            <a:pPr indent="0" lvl="0" marL="0" rtl="0" algn="l">
+            <a:pPr marL="0" lvl="0" indent="0" algn="l" rtl="0">
               <a:spcBef>
                 <a:spcPts val="0"/>
               </a:spcBef>
@@ -1612,23 +1776,7 @@
             </a:pPr>
             <a:r>
               <a:rPr lang="en"/>
-              <a:t>With multiple processors (or cores), caches can be shared or private.  (In practice, a system can have multiple layers of caching so it may have both…)</a:t>
-            </a:r>
-            <a:endParaRPr/>
-          </a:p>
-          <a:p>
-            <a:pPr indent="0" lvl="0" marL="0" rtl="0" algn="l">
-              <a:spcBef>
-                <a:spcPts val="0"/>
-              </a:spcBef>
-              <a:spcAft>
-                <a:spcPts val="0"/>
-              </a:spcAft>
-              <a:buNone/>
-            </a:pPr>
-            <a:r>
-              <a:rPr lang="en"/>
-              <a:t>We’re going to focus on private ones</a:t>
+              <a:t>Key point of this slide is that a cache line also stores data near the accessed memory address.  This is what makes caches useful for spatial locality</a:t>
             </a:r>
             <a:endParaRPr/>
           </a:p>
@@ -1643,11 +1791,11 @@
 </file>
 
 <file path=ppt/notesSlides/notesSlide8.xml><?xml version="1.0" encoding="utf-8"?>
-<p:notes xmlns:a="http://schemas.openxmlformats.org/drawingml/2006/main" xmlns:r="http://schemas.openxmlformats.org/officeDocument/2006/relationships" xmlns:mc="http://schemas.openxmlformats.org/markup-compatibility/2006" xmlns:mv="urn:schemas-microsoft-com:mac:vml" xmlns:p="http://schemas.openxmlformats.org/presentationml/2006/main" xmlns:c="http://schemas.openxmlformats.org/drawingml/2006/chart" xmlns:dgm="http://schemas.openxmlformats.org/drawingml/2006/diagram" xmlns:o="urn:schemas-microsoft-com:office:office" xmlns:v="urn:schemas-microsoft-com:vml" xmlns:pvml="urn:schemas-microsoft-com:office:powerpoint" xmlns:com="http://schemas.openxmlformats.org/drawingml/2006/compatibility" xmlns:p14="http://schemas.microsoft.com/office/powerpoint/2010/main" xmlns:p15="http://schemas.microsoft.com/office/powerpoint/2012/main" xmlns:ahyp="http://schemas.microsoft.com/office/drawing/2018/hyperlinkcolor" showMasterPhAnim="0" showMasterSp="0">
+<p:notes xmlns:a="http://schemas.openxmlformats.org/drawingml/2006/main" xmlns:r="http://schemas.openxmlformats.org/officeDocument/2006/relationships" xmlns:p="http://schemas.openxmlformats.org/presentationml/2006/main" showMasterSp="0" showMasterPhAnim="0">
   <p:cSld>
     <p:spTree>
       <p:nvGrpSpPr>
-        <p:cNvPr id="117" name="Shape 117"/>
+        <p:cNvPr id="1" name="Shape 111"/>
         <p:cNvGrpSpPr/>
         <p:nvPr/>
       </p:nvGrpSpPr>
@@ -1661,10 +1809,12 @@
       </p:grpSpPr>
       <p:sp>
         <p:nvSpPr>
-          <p:cNvPr id="118" name="Google Shape;118;g8e4ae8489e_0_80:notes"/>
-          <p:cNvSpPr/>
+          <p:cNvPr id="112" name="Google Shape;112;g8e4ae8489e_0_5:notes"/>
+          <p:cNvSpPr>
+            <a:spLocks noGrp="1" noRot="1" noChangeAspect="1"/>
+          </p:cNvSpPr>
           <p:nvPr>
-            <p:ph idx="2" type="sldImg"/>
+            <p:ph type="sldImg" idx="2"/>
           </p:nvPr>
         </p:nvSpPr>
         <p:spPr>
@@ -1673,9 +1823,13 @@
             <a:ext cx="6096000" cy="3429000"/>
           </a:xfrm>
           <a:custGeom>
-            <a:rect b="b" l="l" r="r" t="t"/>
+            <a:avLst/>
+            <a:gdLst/>
+            <a:ahLst/>
+            <a:cxnLst/>
+            <a:rect l="l" t="t" r="r" b="b"/>
             <a:pathLst>
-              <a:path extrusionOk="0" h="120000" w="120000">
+              <a:path w="120000" h="120000" extrusionOk="0">
                 <a:moveTo>
                   <a:pt x="0" y="0"/>
                 </a:moveTo>
@@ -1696,10 +1850,12 @@
       </p:sp>
       <p:sp>
         <p:nvSpPr>
-          <p:cNvPr id="119" name="Google Shape;119;g8e4ae8489e_0_80:notes"/>
-          <p:cNvSpPr txBox="1"/>
+          <p:cNvPr id="113" name="Google Shape;113;g8e4ae8489e_0_5:notes"/>
+          <p:cNvSpPr txBox="1">
+            <a:spLocks noGrp="1"/>
+          </p:cNvSpPr>
           <p:nvPr>
-            <p:ph idx="1" type="body"/>
+            <p:ph type="body" idx="1"/>
           </p:nvPr>
         </p:nvSpPr>
         <p:spPr>
@@ -1712,12 +1868,12 @@
           </a:prstGeom>
         </p:spPr>
         <p:txBody>
-          <a:bodyPr anchorCtr="0" anchor="t" bIns="91425" lIns="91425" spcFirstLastPara="1" rIns="91425" wrap="square" tIns="91425">
+          <a:bodyPr spcFirstLastPara="1" wrap="square" lIns="91425" tIns="91425" rIns="91425" bIns="91425" anchor="t" anchorCtr="0">
             <a:noAutofit/>
           </a:bodyPr>
           <a:lstStyle/>
           <a:p>
-            <a:pPr indent="0" lvl="0" marL="0" rtl="0" algn="l">
+            <a:pPr marL="0" lvl="0" indent="0" algn="l" rtl="0">
               <a:spcBef>
                 <a:spcPts val="0"/>
               </a:spcBef>
@@ -1728,7 +1884,23 @@
             </a:pPr>
             <a:r>
               <a:rPr lang="en"/>
-              <a:t>Private caches raise new challenge: If a cache line is stored on one of the private caches and the other processing element requests it, that PE’s cache won’t have the newest value and neither will the memory</a:t>
+              <a:t>With multiple processors (or cores), caches can be shared or private.  (In practice, a system can have multiple layers of caching so it may have both…)</a:t>
+            </a:r>
+            <a:endParaRPr/>
+          </a:p>
+          <a:p>
+            <a:pPr marL="0" lvl="0" indent="0" algn="l" rtl="0">
+              <a:spcBef>
+                <a:spcPts val="0"/>
+              </a:spcBef>
+              <a:spcAft>
+                <a:spcPts val="0"/>
+              </a:spcAft>
+              <a:buNone/>
+            </a:pPr>
+            <a:r>
+              <a:rPr lang="en"/>
+              <a:t>We’re going to focus on private ones</a:t>
             </a:r>
             <a:endParaRPr/>
           </a:p>
@@ -1743,11 +1915,11 @@
 </file>
 
 <file path=ppt/notesSlides/notesSlide9.xml><?xml version="1.0" encoding="utf-8"?>
-<p:notes xmlns:a="http://schemas.openxmlformats.org/drawingml/2006/main" xmlns:r="http://schemas.openxmlformats.org/officeDocument/2006/relationships" xmlns:mc="http://schemas.openxmlformats.org/markup-compatibility/2006" xmlns:mv="urn:schemas-microsoft-com:mac:vml" xmlns:p="http://schemas.openxmlformats.org/presentationml/2006/main" xmlns:c="http://schemas.openxmlformats.org/drawingml/2006/chart" xmlns:dgm="http://schemas.openxmlformats.org/drawingml/2006/diagram" xmlns:o="urn:schemas-microsoft-com:office:office" xmlns:v="urn:schemas-microsoft-com:vml" xmlns:pvml="urn:schemas-microsoft-com:office:powerpoint" xmlns:com="http://schemas.openxmlformats.org/drawingml/2006/compatibility" xmlns:p14="http://schemas.microsoft.com/office/powerpoint/2010/main" xmlns:p15="http://schemas.microsoft.com/office/powerpoint/2012/main" xmlns:ahyp="http://schemas.microsoft.com/office/drawing/2018/hyperlinkcolor" showMasterPhAnim="0" showMasterSp="0">
+<p:notes xmlns:a="http://schemas.openxmlformats.org/drawingml/2006/main" xmlns:r="http://schemas.openxmlformats.org/officeDocument/2006/relationships" xmlns:p="http://schemas.openxmlformats.org/presentationml/2006/main" showMasterSp="0" showMasterPhAnim="0">
   <p:cSld>
     <p:spTree>
       <p:nvGrpSpPr>
-        <p:cNvPr id="128" name="Shape 128"/>
+        <p:cNvPr id="1" name="Shape 117"/>
         <p:cNvGrpSpPr/>
         <p:nvPr/>
       </p:nvGrpSpPr>
@@ -1761,10 +1933,12 @@
       </p:grpSpPr>
       <p:sp>
         <p:nvSpPr>
-          <p:cNvPr id="129" name="Google Shape;129;g8e4ae8489e_0_92:notes"/>
-          <p:cNvSpPr/>
+          <p:cNvPr id="118" name="Google Shape;118;g8e4ae8489e_0_80:notes"/>
+          <p:cNvSpPr>
+            <a:spLocks noGrp="1" noRot="1" noChangeAspect="1"/>
+          </p:cNvSpPr>
           <p:nvPr>
-            <p:ph idx="2" type="sldImg"/>
+            <p:ph type="sldImg" idx="2"/>
           </p:nvPr>
         </p:nvSpPr>
         <p:spPr>
@@ -1773,9 +1947,13 @@
             <a:ext cx="6096000" cy="3429000"/>
           </a:xfrm>
           <a:custGeom>
-            <a:rect b="b" l="l" r="r" t="t"/>
+            <a:avLst/>
+            <a:gdLst/>
+            <a:ahLst/>
+            <a:cxnLst/>
+            <a:rect l="l" t="t" r="r" b="b"/>
             <a:pathLst>
-              <a:path extrusionOk="0" h="120000" w="120000">
+              <a:path w="120000" h="120000" extrusionOk="0">
                 <a:moveTo>
                   <a:pt x="0" y="0"/>
                 </a:moveTo>
@@ -1796,10 +1974,12 @@
       </p:sp>
       <p:sp>
         <p:nvSpPr>
-          <p:cNvPr id="130" name="Google Shape;130;g8e4ae8489e_0_92:notes"/>
-          <p:cNvSpPr txBox="1"/>
+          <p:cNvPr id="119" name="Google Shape;119;g8e4ae8489e_0_80:notes"/>
+          <p:cNvSpPr txBox="1">
+            <a:spLocks noGrp="1"/>
+          </p:cNvSpPr>
           <p:nvPr>
-            <p:ph idx="1" type="body"/>
+            <p:ph type="body" idx="1"/>
           </p:nvPr>
         </p:nvSpPr>
         <p:spPr>
@@ -1812,12 +1992,12 @@
           </a:prstGeom>
         </p:spPr>
         <p:txBody>
-          <a:bodyPr anchorCtr="0" anchor="t" bIns="91425" lIns="91425" spcFirstLastPara="1" rIns="91425" wrap="square" tIns="91425">
+          <a:bodyPr spcFirstLastPara="1" wrap="square" lIns="91425" tIns="91425" rIns="91425" bIns="91425" anchor="t" anchorCtr="0">
             <a:noAutofit/>
           </a:bodyPr>
           <a:lstStyle/>
           <a:p>
-            <a:pPr indent="0" lvl="0" marL="0" rtl="0" algn="l">
+            <a:pPr marL="0" lvl="0" indent="0" algn="l" rtl="0">
               <a:spcBef>
                 <a:spcPts val="0"/>
               </a:spcBef>
@@ -1827,7 +2007,8 @@
               <a:buNone/>
             </a:pPr>
             <a:r>
-              <a:t/>
+              <a:rPr lang="en"/>
+              <a:t>Private caches raise new challenge: If a cache line is stored on one of the private caches and the other processing element requests it, that PE’s cache won’t have the newest value and neither will the memory</a:t>
             </a:r>
             <a:endParaRPr/>
           </a:p>
@@ -1842,11 +2023,11 @@
 </file>
 
 <file path=ppt/slideLayouts/slideLayout1.xml><?xml version="1.0" encoding="utf-8"?>
-<p:sldLayout xmlns:a="http://schemas.openxmlformats.org/drawingml/2006/main" xmlns:r="http://schemas.openxmlformats.org/officeDocument/2006/relationships" xmlns:mc="http://schemas.openxmlformats.org/markup-compatibility/2006" xmlns:mv="urn:schemas-microsoft-com:mac:vml" xmlns:p="http://schemas.openxmlformats.org/presentationml/2006/main" xmlns:c="http://schemas.openxmlformats.org/drawingml/2006/chart" xmlns:dgm="http://schemas.openxmlformats.org/drawingml/2006/diagram" xmlns:o="urn:schemas-microsoft-com:office:office" xmlns:v="urn:schemas-microsoft-com:vml" xmlns:pvml="urn:schemas-microsoft-com:office:powerpoint" xmlns:com="http://schemas.openxmlformats.org/drawingml/2006/compatibility" xmlns:p14="http://schemas.microsoft.com/office/powerpoint/2010/main" xmlns:p15="http://schemas.microsoft.com/office/powerpoint/2012/main" xmlns:ahyp="http://schemas.microsoft.com/office/drawing/2018/hyperlinkcolor" matchingName="Title slide" type="title">
+<p:sldLayout xmlns:a="http://schemas.openxmlformats.org/drawingml/2006/main" xmlns:r="http://schemas.openxmlformats.org/officeDocument/2006/relationships" xmlns:p="http://schemas.openxmlformats.org/presentationml/2006/main" matchingName="Title slide" type="title">
   <p:cSld name="TITLE">
     <p:spTree>
       <p:nvGrpSpPr>
-        <p:cNvPr id="9" name="Shape 9"/>
+        <p:cNvPr id="1" name="Shape 9"/>
         <p:cNvGrpSpPr/>
         <p:nvPr/>
       </p:nvGrpSpPr>
@@ -1861,7 +2042,9 @@
       <p:sp>
         <p:nvSpPr>
           <p:cNvPr id="10" name="Google Shape;10;p2"/>
-          <p:cNvSpPr txBox="1"/>
+          <p:cNvSpPr txBox="1">
+            <a:spLocks noGrp="1"/>
+          </p:cNvSpPr>
           <p:nvPr>
             <p:ph type="ctrTitle"/>
           </p:nvPr>
@@ -1876,7 +2059,7 @@
           </a:prstGeom>
         </p:spPr>
         <p:txBody>
-          <a:bodyPr anchorCtr="0" anchor="b" bIns="91425" lIns="91425" spcFirstLastPara="1" rIns="91425" wrap="square" tIns="91425">
+          <a:bodyPr spcFirstLastPara="1" wrap="square" lIns="91425" tIns="91425" rIns="91425" bIns="91425" anchor="b" anchorCtr="0">
             <a:noAutofit/>
           </a:bodyPr>
           <a:lstStyle>
@@ -1980,15 +2163,19 @@
               <a:defRPr sz="5200"/>
             </a:lvl9pPr>
           </a:lstStyle>
-          <a:p/>
+          <a:p>
+            <a:endParaRPr/>
+          </a:p>
         </p:txBody>
       </p:sp>
       <p:sp>
         <p:nvSpPr>
           <p:cNvPr id="11" name="Google Shape;11;p2"/>
-          <p:cNvSpPr txBox="1"/>
+          <p:cNvSpPr txBox="1">
+            <a:spLocks noGrp="1"/>
+          </p:cNvSpPr>
           <p:nvPr>
-            <p:ph idx="1" type="subTitle"/>
+            <p:ph type="subTitle" idx="1"/>
           </p:nvPr>
         </p:nvSpPr>
         <p:spPr>
@@ -2001,7 +2188,7 @@
           </a:prstGeom>
         </p:spPr>
         <p:txBody>
-          <a:bodyPr anchorCtr="0" anchor="t" bIns="91425" lIns="91425" spcFirstLastPara="1" rIns="91425" wrap="square" tIns="91425">
+          <a:bodyPr spcFirstLastPara="1" wrap="square" lIns="91425" tIns="91425" rIns="91425" bIns="91425" anchor="t" anchorCtr="0">
             <a:noAutofit/>
           </a:bodyPr>
           <a:lstStyle>
@@ -2132,15 +2319,19 @@
               <a:defRPr sz="2800"/>
             </a:lvl9pPr>
           </a:lstStyle>
-          <a:p/>
+          <a:p>
+            <a:endParaRPr/>
+          </a:p>
         </p:txBody>
       </p:sp>
       <p:sp>
         <p:nvSpPr>
           <p:cNvPr id="12" name="Google Shape;12;p2"/>
-          <p:cNvSpPr txBox="1"/>
+          <p:cNvSpPr txBox="1">
+            <a:spLocks noGrp="1"/>
+          </p:cNvSpPr>
           <p:nvPr>
-            <p:ph idx="12" type="sldNum"/>
+            <p:ph type="sldNum" idx="12"/>
           </p:nvPr>
         </p:nvSpPr>
         <p:spPr>
@@ -2153,7 +2344,7 @@
           </a:prstGeom>
         </p:spPr>
         <p:txBody>
-          <a:bodyPr anchorCtr="0" anchor="ctr" bIns="91425" lIns="91425" spcFirstLastPara="1" rIns="91425" wrap="square" tIns="91425">
+          <a:bodyPr spcFirstLastPara="1" wrap="square" lIns="91425" tIns="91425" rIns="91425" bIns="91425" anchor="ctr" anchorCtr="0">
             <a:noAutofit/>
           </a:bodyPr>
           <a:lstStyle>
@@ -2195,7 +2386,7 @@
             </a:lvl9pPr>
           </a:lstStyle>
           <a:p>
-            <a:pPr indent="0" lvl="0" marL="0" rtl="0" algn="r">
+            <a:pPr marL="0" lvl="0" indent="0" algn="r" rtl="0">
               <a:spcBef>
                 <a:spcPts val="0"/>
               </a:spcBef>
@@ -2221,11 +2412,11 @@
 </file>
 
 <file path=ppt/slideLayouts/slideLayout10.xml><?xml version="1.0" encoding="utf-8"?>
-<p:sldLayout xmlns:a="http://schemas.openxmlformats.org/drawingml/2006/main" xmlns:r="http://schemas.openxmlformats.org/officeDocument/2006/relationships" xmlns:mc="http://schemas.openxmlformats.org/markup-compatibility/2006" xmlns:mv="urn:schemas-microsoft-com:mac:vml" xmlns:p="http://schemas.openxmlformats.org/presentationml/2006/main" xmlns:c="http://schemas.openxmlformats.org/drawingml/2006/chart" xmlns:dgm="http://schemas.openxmlformats.org/drawingml/2006/diagram" xmlns:o="urn:schemas-microsoft-com:office:office" xmlns:v="urn:schemas-microsoft-com:vml" xmlns:pvml="urn:schemas-microsoft-com:office:powerpoint" xmlns:com="http://schemas.openxmlformats.org/drawingml/2006/compatibility" xmlns:p14="http://schemas.microsoft.com/office/powerpoint/2010/main" xmlns:p15="http://schemas.microsoft.com/office/powerpoint/2012/main" xmlns:ahyp="http://schemas.microsoft.com/office/drawing/2018/hyperlinkcolor" matchingName="Big number">
+<p:sldLayout xmlns:a="http://schemas.openxmlformats.org/drawingml/2006/main" xmlns:r="http://schemas.openxmlformats.org/officeDocument/2006/relationships" xmlns:p="http://schemas.openxmlformats.org/presentationml/2006/main" matchingName="Big number">
   <p:cSld name="BIG_NUMBER">
     <p:spTree>
       <p:nvGrpSpPr>
-        <p:cNvPr id="44" name="Shape 44"/>
+        <p:cNvPr id="1" name="Shape 44"/>
         <p:cNvGrpSpPr/>
         <p:nvPr/>
       </p:nvGrpSpPr>
@@ -2240,9 +2431,11 @@
       <p:sp>
         <p:nvSpPr>
           <p:cNvPr id="45" name="Google Shape;45;p11"/>
-          <p:cNvSpPr txBox="1"/>
+          <p:cNvSpPr txBox="1">
+            <a:spLocks noGrp="1"/>
+          </p:cNvSpPr>
           <p:nvPr>
-            <p:ph hasCustomPrompt="1" type="title"/>
+            <p:ph type="title" hasCustomPrompt="1"/>
           </p:nvPr>
         </p:nvSpPr>
         <p:spPr>
@@ -2255,7 +2448,7 @@
           </a:prstGeom>
         </p:spPr>
         <p:txBody>
-          <a:bodyPr anchorCtr="0" anchor="b" bIns="91425" lIns="91425" spcFirstLastPara="1" rIns="91425" wrap="square" tIns="91425">
+          <a:bodyPr spcFirstLastPara="1" wrap="square" lIns="91425" tIns="91425" rIns="91425" bIns="91425" anchor="b" anchorCtr="0">
             <a:noAutofit/>
           </a:bodyPr>
           <a:lstStyle>
@@ -2369,9 +2562,11 @@
       <p:sp>
         <p:nvSpPr>
           <p:cNvPr id="46" name="Google Shape;46;p11"/>
-          <p:cNvSpPr txBox="1"/>
+          <p:cNvSpPr txBox="1">
+            <a:spLocks noGrp="1"/>
+          </p:cNvSpPr>
           <p:nvPr>
-            <p:ph idx="1" type="body"/>
+            <p:ph type="body" idx="1"/>
           </p:nvPr>
         </p:nvSpPr>
         <p:spPr>
@@ -2384,11 +2579,11 @@
           </a:prstGeom>
         </p:spPr>
         <p:txBody>
-          <a:bodyPr anchorCtr="0" anchor="t" bIns="91425" lIns="91425" spcFirstLastPara="1" rIns="91425" wrap="square" tIns="91425">
+          <a:bodyPr spcFirstLastPara="1" wrap="square" lIns="91425" tIns="91425" rIns="91425" bIns="91425" anchor="t" anchorCtr="0">
             <a:noAutofit/>
           </a:bodyPr>
           <a:lstStyle>
-            <a:lvl1pPr indent="-342900" lvl="0" marL="457200" algn="ctr">
+            <a:lvl1pPr marL="457200" lvl="0" indent="-342900" algn="ctr">
               <a:spcBef>
                 <a:spcPts val="0"/>
               </a:spcBef>
@@ -2399,7 +2594,7 @@
               <a:buChar char="●"/>
               <a:defRPr/>
             </a:lvl1pPr>
-            <a:lvl2pPr indent="-317500" lvl="1" marL="914400" algn="ctr">
+            <a:lvl2pPr marL="914400" lvl="1" indent="-317500" algn="ctr">
               <a:spcBef>
                 <a:spcPts val="1600"/>
               </a:spcBef>
@@ -2410,7 +2605,7 @@
               <a:buChar char="○"/>
               <a:defRPr/>
             </a:lvl2pPr>
-            <a:lvl3pPr indent="-317500" lvl="2" marL="1371600" algn="ctr">
+            <a:lvl3pPr marL="1371600" lvl="2" indent="-317500" algn="ctr">
               <a:spcBef>
                 <a:spcPts val="1600"/>
               </a:spcBef>
@@ -2421,7 +2616,7 @@
               <a:buChar char="■"/>
               <a:defRPr/>
             </a:lvl3pPr>
-            <a:lvl4pPr indent="-317500" lvl="3" marL="1828800" algn="ctr">
+            <a:lvl4pPr marL="1828800" lvl="3" indent="-317500" algn="ctr">
               <a:spcBef>
                 <a:spcPts val="1600"/>
               </a:spcBef>
@@ -2432,7 +2627,7 @@
               <a:buChar char="●"/>
               <a:defRPr/>
             </a:lvl4pPr>
-            <a:lvl5pPr indent="-317500" lvl="4" marL="2286000" algn="ctr">
+            <a:lvl5pPr marL="2286000" lvl="4" indent="-317500" algn="ctr">
               <a:spcBef>
                 <a:spcPts val="1600"/>
               </a:spcBef>
@@ -2443,7 +2638,7 @@
               <a:buChar char="○"/>
               <a:defRPr/>
             </a:lvl5pPr>
-            <a:lvl6pPr indent="-317500" lvl="5" marL="2743200" algn="ctr">
+            <a:lvl6pPr marL="2743200" lvl="5" indent="-317500" algn="ctr">
               <a:spcBef>
                 <a:spcPts val="1600"/>
               </a:spcBef>
@@ -2454,7 +2649,7 @@
               <a:buChar char="■"/>
               <a:defRPr/>
             </a:lvl6pPr>
-            <a:lvl7pPr indent="-317500" lvl="6" marL="3200400" algn="ctr">
+            <a:lvl7pPr marL="3200400" lvl="6" indent="-317500" algn="ctr">
               <a:spcBef>
                 <a:spcPts val="1600"/>
               </a:spcBef>
@@ -2465,7 +2660,7 @@
               <a:buChar char="●"/>
               <a:defRPr/>
             </a:lvl7pPr>
-            <a:lvl8pPr indent="-317500" lvl="7" marL="3657600" algn="ctr">
+            <a:lvl8pPr marL="3657600" lvl="7" indent="-317500" algn="ctr">
               <a:spcBef>
                 <a:spcPts val="1600"/>
               </a:spcBef>
@@ -2476,7 +2671,7 @@
               <a:buChar char="○"/>
               <a:defRPr/>
             </a:lvl8pPr>
-            <a:lvl9pPr indent="-317500" lvl="8" marL="4114800" algn="ctr">
+            <a:lvl9pPr marL="4114800" lvl="8" indent="-317500" algn="ctr">
               <a:spcBef>
                 <a:spcPts val="1600"/>
               </a:spcBef>
@@ -2488,15 +2683,19 @@
               <a:defRPr/>
             </a:lvl9pPr>
           </a:lstStyle>
-          <a:p/>
+          <a:p>
+            <a:endParaRPr/>
+          </a:p>
         </p:txBody>
       </p:sp>
       <p:sp>
         <p:nvSpPr>
           <p:cNvPr id="47" name="Google Shape;47;p11"/>
-          <p:cNvSpPr txBox="1"/>
+          <p:cNvSpPr txBox="1">
+            <a:spLocks noGrp="1"/>
+          </p:cNvSpPr>
           <p:nvPr>
-            <p:ph idx="12" type="sldNum"/>
+            <p:ph type="sldNum" idx="12"/>
           </p:nvPr>
         </p:nvSpPr>
         <p:spPr>
@@ -2509,7 +2708,7 @@
           </a:prstGeom>
         </p:spPr>
         <p:txBody>
-          <a:bodyPr anchorCtr="0" anchor="ctr" bIns="91425" lIns="91425" spcFirstLastPara="1" rIns="91425" wrap="square" tIns="91425">
+          <a:bodyPr spcFirstLastPara="1" wrap="square" lIns="91425" tIns="91425" rIns="91425" bIns="91425" anchor="ctr" anchorCtr="0">
             <a:noAutofit/>
           </a:bodyPr>
           <a:lstStyle>
@@ -2551,7 +2750,7 @@
             </a:lvl9pPr>
           </a:lstStyle>
           <a:p>
-            <a:pPr indent="0" lvl="0" marL="0" rtl="0" algn="r">
+            <a:pPr marL="0" lvl="0" indent="0" algn="r" rtl="0">
               <a:spcBef>
                 <a:spcPts val="0"/>
               </a:spcBef>
@@ -2577,11 +2776,11 @@
 </file>
 
 <file path=ppt/slideLayouts/slideLayout11.xml><?xml version="1.0" encoding="utf-8"?>
-<p:sldLayout xmlns:a="http://schemas.openxmlformats.org/drawingml/2006/main" xmlns:r="http://schemas.openxmlformats.org/officeDocument/2006/relationships" xmlns:mc="http://schemas.openxmlformats.org/markup-compatibility/2006" xmlns:mv="urn:schemas-microsoft-com:mac:vml" xmlns:p="http://schemas.openxmlformats.org/presentationml/2006/main" xmlns:c="http://schemas.openxmlformats.org/drawingml/2006/chart" xmlns:dgm="http://schemas.openxmlformats.org/drawingml/2006/diagram" xmlns:o="urn:schemas-microsoft-com:office:office" xmlns:v="urn:schemas-microsoft-com:vml" xmlns:pvml="urn:schemas-microsoft-com:office:powerpoint" xmlns:com="http://schemas.openxmlformats.org/drawingml/2006/compatibility" xmlns:p14="http://schemas.microsoft.com/office/powerpoint/2010/main" xmlns:p15="http://schemas.microsoft.com/office/powerpoint/2012/main" xmlns:ahyp="http://schemas.microsoft.com/office/drawing/2018/hyperlinkcolor" matchingName="Blank" type="blank">
+<p:sldLayout xmlns:a="http://schemas.openxmlformats.org/drawingml/2006/main" xmlns:r="http://schemas.openxmlformats.org/officeDocument/2006/relationships" xmlns:p="http://schemas.openxmlformats.org/presentationml/2006/main" matchingName="Blank" type="blank">
   <p:cSld name="BLANK">
     <p:spTree>
       <p:nvGrpSpPr>
-        <p:cNvPr id="48" name="Shape 48"/>
+        <p:cNvPr id="1" name="Shape 48"/>
         <p:cNvGrpSpPr/>
         <p:nvPr/>
       </p:nvGrpSpPr>
@@ -2596,9 +2795,11 @@
       <p:sp>
         <p:nvSpPr>
           <p:cNvPr id="49" name="Google Shape;49;p12"/>
-          <p:cNvSpPr txBox="1"/>
+          <p:cNvSpPr txBox="1">
+            <a:spLocks noGrp="1"/>
+          </p:cNvSpPr>
           <p:nvPr>
-            <p:ph idx="12" type="sldNum"/>
+            <p:ph type="sldNum" idx="12"/>
           </p:nvPr>
         </p:nvSpPr>
         <p:spPr>
@@ -2611,7 +2812,7 @@
           </a:prstGeom>
         </p:spPr>
         <p:txBody>
-          <a:bodyPr anchorCtr="0" anchor="ctr" bIns="91425" lIns="91425" spcFirstLastPara="1" rIns="91425" wrap="square" tIns="91425">
+          <a:bodyPr spcFirstLastPara="1" wrap="square" lIns="91425" tIns="91425" rIns="91425" bIns="91425" anchor="ctr" anchorCtr="0">
             <a:noAutofit/>
           </a:bodyPr>
           <a:lstStyle>
@@ -2653,7 +2854,7 @@
             </a:lvl9pPr>
           </a:lstStyle>
           <a:p>
-            <a:pPr indent="0" lvl="0" marL="0" rtl="0" algn="r">
+            <a:pPr marL="0" lvl="0" indent="0" algn="r" rtl="0">
               <a:spcBef>
                 <a:spcPts val="0"/>
               </a:spcBef>
@@ -2679,11 +2880,11 @@
 </file>
 
 <file path=ppt/slideLayouts/slideLayout2.xml><?xml version="1.0" encoding="utf-8"?>
-<p:sldLayout xmlns:a="http://schemas.openxmlformats.org/drawingml/2006/main" xmlns:r="http://schemas.openxmlformats.org/officeDocument/2006/relationships" xmlns:mc="http://schemas.openxmlformats.org/markup-compatibility/2006" xmlns:mv="urn:schemas-microsoft-com:mac:vml" xmlns:p="http://schemas.openxmlformats.org/presentationml/2006/main" xmlns:c="http://schemas.openxmlformats.org/drawingml/2006/chart" xmlns:dgm="http://schemas.openxmlformats.org/drawingml/2006/diagram" xmlns:o="urn:schemas-microsoft-com:office:office" xmlns:v="urn:schemas-microsoft-com:vml" xmlns:pvml="urn:schemas-microsoft-com:office:powerpoint" xmlns:com="http://schemas.openxmlformats.org/drawingml/2006/compatibility" xmlns:p14="http://schemas.microsoft.com/office/powerpoint/2010/main" xmlns:p15="http://schemas.microsoft.com/office/powerpoint/2012/main" xmlns:ahyp="http://schemas.microsoft.com/office/drawing/2018/hyperlinkcolor" matchingName="Section header" type="secHead">
+<p:sldLayout xmlns:a="http://schemas.openxmlformats.org/drawingml/2006/main" xmlns:r="http://schemas.openxmlformats.org/officeDocument/2006/relationships" xmlns:p="http://schemas.openxmlformats.org/presentationml/2006/main" matchingName="Section header" type="secHead">
   <p:cSld name="SECTION_HEADER">
     <p:spTree>
       <p:nvGrpSpPr>
-        <p:cNvPr id="13" name="Shape 13"/>
+        <p:cNvPr id="1" name="Shape 13"/>
         <p:cNvGrpSpPr/>
         <p:nvPr/>
       </p:nvGrpSpPr>
@@ -2698,7 +2899,9 @@
       <p:sp>
         <p:nvSpPr>
           <p:cNvPr id="14" name="Google Shape;14;p3"/>
-          <p:cNvSpPr txBox="1"/>
+          <p:cNvSpPr txBox="1">
+            <a:spLocks noGrp="1"/>
+          </p:cNvSpPr>
           <p:nvPr>
             <p:ph type="title"/>
           </p:nvPr>
@@ -2713,7 +2916,7 @@
           </a:prstGeom>
         </p:spPr>
         <p:txBody>
-          <a:bodyPr anchorCtr="0" anchor="ctr" bIns="91425" lIns="91425" spcFirstLastPara="1" rIns="91425" wrap="square" tIns="91425">
+          <a:bodyPr spcFirstLastPara="1" wrap="square" lIns="91425" tIns="91425" rIns="91425" bIns="91425" anchor="ctr" anchorCtr="0">
             <a:noAutofit/>
           </a:bodyPr>
           <a:lstStyle>
@@ -2817,15 +3020,19 @@
               <a:defRPr sz="3600"/>
             </a:lvl9pPr>
           </a:lstStyle>
-          <a:p/>
+          <a:p>
+            <a:endParaRPr/>
+          </a:p>
         </p:txBody>
       </p:sp>
       <p:sp>
         <p:nvSpPr>
           <p:cNvPr id="15" name="Google Shape;15;p3"/>
-          <p:cNvSpPr txBox="1"/>
+          <p:cNvSpPr txBox="1">
+            <a:spLocks noGrp="1"/>
+          </p:cNvSpPr>
           <p:nvPr>
-            <p:ph idx="12" type="sldNum"/>
+            <p:ph type="sldNum" idx="12"/>
           </p:nvPr>
         </p:nvSpPr>
         <p:spPr>
@@ -2838,7 +3045,7 @@
           </a:prstGeom>
         </p:spPr>
         <p:txBody>
-          <a:bodyPr anchorCtr="0" anchor="ctr" bIns="91425" lIns="91425" spcFirstLastPara="1" rIns="91425" wrap="square" tIns="91425">
+          <a:bodyPr spcFirstLastPara="1" wrap="square" lIns="91425" tIns="91425" rIns="91425" bIns="91425" anchor="ctr" anchorCtr="0">
             <a:noAutofit/>
           </a:bodyPr>
           <a:lstStyle>
@@ -2880,7 +3087,7 @@
             </a:lvl9pPr>
           </a:lstStyle>
           <a:p>
-            <a:pPr indent="0" lvl="0" marL="0" rtl="0" algn="r">
+            <a:pPr marL="0" lvl="0" indent="0" algn="r" rtl="0">
               <a:spcBef>
                 <a:spcPts val="0"/>
               </a:spcBef>
@@ -2906,11 +3113,11 @@
 </file>
 
 <file path=ppt/slideLayouts/slideLayout3.xml><?xml version="1.0" encoding="utf-8"?>
-<p:sldLayout xmlns:a="http://schemas.openxmlformats.org/drawingml/2006/main" xmlns:r="http://schemas.openxmlformats.org/officeDocument/2006/relationships" xmlns:mc="http://schemas.openxmlformats.org/markup-compatibility/2006" xmlns:mv="urn:schemas-microsoft-com:mac:vml" xmlns:p="http://schemas.openxmlformats.org/presentationml/2006/main" xmlns:c="http://schemas.openxmlformats.org/drawingml/2006/chart" xmlns:dgm="http://schemas.openxmlformats.org/drawingml/2006/diagram" xmlns:o="urn:schemas-microsoft-com:office:office" xmlns:v="urn:schemas-microsoft-com:vml" xmlns:pvml="urn:schemas-microsoft-com:office:powerpoint" xmlns:com="http://schemas.openxmlformats.org/drawingml/2006/compatibility" xmlns:p14="http://schemas.microsoft.com/office/powerpoint/2010/main" xmlns:p15="http://schemas.microsoft.com/office/powerpoint/2012/main" xmlns:ahyp="http://schemas.microsoft.com/office/drawing/2018/hyperlinkcolor" matchingName="Title and body" type="tx">
+<p:sldLayout xmlns:a="http://schemas.openxmlformats.org/drawingml/2006/main" xmlns:r="http://schemas.openxmlformats.org/officeDocument/2006/relationships" xmlns:p="http://schemas.openxmlformats.org/presentationml/2006/main" matchingName="Title and body" type="tx">
   <p:cSld name="TITLE_AND_BODY">
     <p:spTree>
       <p:nvGrpSpPr>
-        <p:cNvPr id="16" name="Shape 16"/>
+        <p:cNvPr id="1" name="Shape 16"/>
         <p:cNvGrpSpPr/>
         <p:nvPr/>
       </p:nvGrpSpPr>
@@ -2925,7 +3132,9 @@
       <p:sp>
         <p:nvSpPr>
           <p:cNvPr id="17" name="Google Shape;17;p4"/>
-          <p:cNvSpPr txBox="1"/>
+          <p:cNvSpPr txBox="1">
+            <a:spLocks noGrp="1"/>
+          </p:cNvSpPr>
           <p:nvPr>
             <p:ph type="title"/>
           </p:nvPr>
@@ -2940,7 +3149,7 @@
           </a:prstGeom>
         </p:spPr>
         <p:txBody>
-          <a:bodyPr anchorCtr="0" anchor="t" bIns="91425" lIns="91425" spcFirstLastPara="1" rIns="91425" wrap="square" tIns="91425">
+          <a:bodyPr spcFirstLastPara="1" wrap="square" lIns="91425" tIns="91425" rIns="91425" bIns="91425" anchor="t" anchorCtr="0">
             <a:noAutofit/>
           </a:bodyPr>
           <a:lstStyle>
@@ -3044,15 +3253,19 @@
               <a:defRPr/>
             </a:lvl9pPr>
           </a:lstStyle>
-          <a:p/>
+          <a:p>
+            <a:endParaRPr/>
+          </a:p>
         </p:txBody>
       </p:sp>
       <p:sp>
         <p:nvSpPr>
           <p:cNvPr id="18" name="Google Shape;18;p4"/>
-          <p:cNvSpPr txBox="1"/>
+          <p:cNvSpPr txBox="1">
+            <a:spLocks noGrp="1"/>
+          </p:cNvSpPr>
           <p:nvPr>
-            <p:ph idx="1" type="body"/>
+            <p:ph type="body" idx="1"/>
           </p:nvPr>
         </p:nvSpPr>
         <p:spPr>
@@ -3065,11 +3278,11 @@
           </a:prstGeom>
         </p:spPr>
         <p:txBody>
-          <a:bodyPr anchorCtr="0" anchor="t" bIns="91425" lIns="91425" spcFirstLastPara="1" rIns="91425" wrap="square" tIns="91425">
+          <a:bodyPr spcFirstLastPara="1" wrap="square" lIns="91425" tIns="91425" rIns="91425" bIns="91425" anchor="t" anchorCtr="0">
             <a:noAutofit/>
           </a:bodyPr>
           <a:lstStyle>
-            <a:lvl1pPr indent="-342900" lvl="0" marL="457200">
+            <a:lvl1pPr marL="457200" lvl="0" indent="-342900">
               <a:spcBef>
                 <a:spcPts val="0"/>
               </a:spcBef>
@@ -3080,7 +3293,7 @@
               <a:buChar char="●"/>
               <a:defRPr/>
             </a:lvl1pPr>
-            <a:lvl2pPr indent="-317500" lvl="1" marL="914400">
+            <a:lvl2pPr marL="914400" lvl="1" indent="-317500">
               <a:spcBef>
                 <a:spcPts val="1600"/>
               </a:spcBef>
@@ -3091,7 +3304,7 @@
               <a:buChar char="○"/>
               <a:defRPr/>
             </a:lvl2pPr>
-            <a:lvl3pPr indent="-317500" lvl="2" marL="1371600">
+            <a:lvl3pPr marL="1371600" lvl="2" indent="-317500">
               <a:spcBef>
                 <a:spcPts val="1600"/>
               </a:spcBef>
@@ -3102,7 +3315,7 @@
               <a:buChar char="■"/>
               <a:defRPr/>
             </a:lvl3pPr>
-            <a:lvl4pPr indent="-317500" lvl="3" marL="1828800">
+            <a:lvl4pPr marL="1828800" lvl="3" indent="-317500">
               <a:spcBef>
                 <a:spcPts val="1600"/>
               </a:spcBef>
@@ -3113,7 +3326,7 @@
               <a:buChar char="●"/>
               <a:defRPr/>
             </a:lvl4pPr>
-            <a:lvl5pPr indent="-317500" lvl="4" marL="2286000">
+            <a:lvl5pPr marL="2286000" lvl="4" indent="-317500">
               <a:spcBef>
                 <a:spcPts val="1600"/>
               </a:spcBef>
@@ -3124,7 +3337,7 @@
               <a:buChar char="○"/>
               <a:defRPr/>
             </a:lvl5pPr>
-            <a:lvl6pPr indent="-317500" lvl="5" marL="2743200">
+            <a:lvl6pPr marL="2743200" lvl="5" indent="-317500">
               <a:spcBef>
                 <a:spcPts val="1600"/>
               </a:spcBef>
@@ -3135,7 +3348,7 @@
               <a:buChar char="■"/>
               <a:defRPr/>
             </a:lvl6pPr>
-            <a:lvl7pPr indent="-317500" lvl="6" marL="3200400">
+            <a:lvl7pPr marL="3200400" lvl="6" indent="-317500">
               <a:spcBef>
                 <a:spcPts val="1600"/>
               </a:spcBef>
@@ -3146,7 +3359,7 @@
               <a:buChar char="●"/>
               <a:defRPr/>
             </a:lvl7pPr>
-            <a:lvl8pPr indent="-317500" lvl="7" marL="3657600">
+            <a:lvl8pPr marL="3657600" lvl="7" indent="-317500">
               <a:spcBef>
                 <a:spcPts val="1600"/>
               </a:spcBef>
@@ -3157,7 +3370,7 @@
               <a:buChar char="○"/>
               <a:defRPr/>
             </a:lvl8pPr>
-            <a:lvl9pPr indent="-317500" lvl="8" marL="4114800">
+            <a:lvl9pPr marL="4114800" lvl="8" indent="-317500">
               <a:spcBef>
                 <a:spcPts val="1600"/>
               </a:spcBef>
@@ -3169,15 +3382,19 @@
               <a:defRPr/>
             </a:lvl9pPr>
           </a:lstStyle>
-          <a:p/>
+          <a:p>
+            <a:endParaRPr/>
+          </a:p>
         </p:txBody>
       </p:sp>
       <p:sp>
         <p:nvSpPr>
           <p:cNvPr id="19" name="Google Shape;19;p4"/>
-          <p:cNvSpPr txBox="1"/>
+          <p:cNvSpPr txBox="1">
+            <a:spLocks noGrp="1"/>
+          </p:cNvSpPr>
           <p:nvPr>
-            <p:ph idx="12" type="sldNum"/>
+            <p:ph type="sldNum" idx="12"/>
           </p:nvPr>
         </p:nvSpPr>
         <p:spPr>
@@ -3190,7 +3407,7 @@
           </a:prstGeom>
         </p:spPr>
         <p:txBody>
-          <a:bodyPr anchorCtr="0" anchor="ctr" bIns="91425" lIns="91425" spcFirstLastPara="1" rIns="91425" wrap="square" tIns="91425">
+          <a:bodyPr spcFirstLastPara="1" wrap="square" lIns="91425" tIns="91425" rIns="91425" bIns="91425" anchor="ctr" anchorCtr="0">
             <a:noAutofit/>
           </a:bodyPr>
           <a:lstStyle>
@@ -3232,7 +3449,7 @@
             </a:lvl9pPr>
           </a:lstStyle>
           <a:p>
-            <a:pPr indent="0" lvl="0" marL="0" rtl="0" algn="r">
+            <a:pPr marL="0" lvl="0" indent="0" algn="r" rtl="0">
               <a:spcBef>
                 <a:spcPts val="0"/>
               </a:spcBef>
@@ -3258,11 +3475,11 @@
 </file>
 
 <file path=ppt/slideLayouts/slideLayout4.xml><?xml version="1.0" encoding="utf-8"?>
-<p:sldLayout xmlns:a="http://schemas.openxmlformats.org/drawingml/2006/main" xmlns:r="http://schemas.openxmlformats.org/officeDocument/2006/relationships" xmlns:mc="http://schemas.openxmlformats.org/markup-compatibility/2006" xmlns:mv="urn:schemas-microsoft-com:mac:vml" xmlns:p="http://schemas.openxmlformats.org/presentationml/2006/main" xmlns:c="http://schemas.openxmlformats.org/drawingml/2006/chart" xmlns:dgm="http://schemas.openxmlformats.org/drawingml/2006/diagram" xmlns:o="urn:schemas-microsoft-com:office:office" xmlns:v="urn:schemas-microsoft-com:vml" xmlns:pvml="urn:schemas-microsoft-com:office:powerpoint" xmlns:com="http://schemas.openxmlformats.org/drawingml/2006/compatibility" xmlns:p14="http://schemas.microsoft.com/office/powerpoint/2010/main" xmlns:p15="http://schemas.microsoft.com/office/powerpoint/2012/main" xmlns:ahyp="http://schemas.microsoft.com/office/drawing/2018/hyperlinkcolor" matchingName="Title and two columns" type="twoColTx">
+<p:sldLayout xmlns:a="http://schemas.openxmlformats.org/drawingml/2006/main" xmlns:r="http://schemas.openxmlformats.org/officeDocument/2006/relationships" xmlns:p="http://schemas.openxmlformats.org/presentationml/2006/main" matchingName="Title and two columns" type="twoColTx">
   <p:cSld name="TITLE_AND_TWO_COLUMNS">
     <p:spTree>
       <p:nvGrpSpPr>
-        <p:cNvPr id="20" name="Shape 20"/>
+        <p:cNvPr id="1" name="Shape 20"/>
         <p:cNvGrpSpPr/>
         <p:nvPr/>
       </p:nvGrpSpPr>
@@ -3277,7 +3494,9 @@
       <p:sp>
         <p:nvSpPr>
           <p:cNvPr id="21" name="Google Shape;21;p5"/>
-          <p:cNvSpPr txBox="1"/>
+          <p:cNvSpPr txBox="1">
+            <a:spLocks noGrp="1"/>
+          </p:cNvSpPr>
           <p:nvPr>
             <p:ph type="title"/>
           </p:nvPr>
@@ -3292,7 +3511,7 @@
           </a:prstGeom>
         </p:spPr>
         <p:txBody>
-          <a:bodyPr anchorCtr="0" anchor="t" bIns="91425" lIns="91425" spcFirstLastPara="1" rIns="91425" wrap="square" tIns="91425">
+          <a:bodyPr spcFirstLastPara="1" wrap="square" lIns="91425" tIns="91425" rIns="91425" bIns="91425" anchor="t" anchorCtr="0">
             <a:noAutofit/>
           </a:bodyPr>
           <a:lstStyle>
@@ -3396,15 +3615,19 @@
               <a:defRPr/>
             </a:lvl9pPr>
           </a:lstStyle>
-          <a:p/>
+          <a:p>
+            <a:endParaRPr/>
+          </a:p>
         </p:txBody>
       </p:sp>
       <p:sp>
         <p:nvSpPr>
           <p:cNvPr id="22" name="Google Shape;22;p5"/>
-          <p:cNvSpPr txBox="1"/>
+          <p:cNvSpPr txBox="1">
+            <a:spLocks noGrp="1"/>
+          </p:cNvSpPr>
           <p:nvPr>
-            <p:ph idx="1" type="body"/>
+            <p:ph type="body" idx="1"/>
           </p:nvPr>
         </p:nvSpPr>
         <p:spPr>
@@ -3417,11 +3640,11 @@
           </a:prstGeom>
         </p:spPr>
         <p:txBody>
-          <a:bodyPr anchorCtr="0" anchor="t" bIns="91425" lIns="91425" spcFirstLastPara="1" rIns="91425" wrap="square" tIns="91425">
+          <a:bodyPr spcFirstLastPara="1" wrap="square" lIns="91425" tIns="91425" rIns="91425" bIns="91425" anchor="t" anchorCtr="0">
             <a:noAutofit/>
           </a:bodyPr>
           <a:lstStyle>
-            <a:lvl1pPr indent="-317500" lvl="0" marL="457200">
+            <a:lvl1pPr marL="457200" lvl="0" indent="-317500">
               <a:spcBef>
                 <a:spcPts val="0"/>
               </a:spcBef>
@@ -3432,7 +3655,7 @@
               <a:buChar char="●"/>
               <a:defRPr sz="1400"/>
             </a:lvl1pPr>
-            <a:lvl2pPr indent="-304800" lvl="1" marL="914400">
+            <a:lvl2pPr marL="914400" lvl="1" indent="-304800">
               <a:spcBef>
                 <a:spcPts val="1600"/>
               </a:spcBef>
@@ -3443,7 +3666,7 @@
               <a:buChar char="○"/>
               <a:defRPr sz="1200"/>
             </a:lvl2pPr>
-            <a:lvl3pPr indent="-304800" lvl="2" marL="1371600">
+            <a:lvl3pPr marL="1371600" lvl="2" indent="-304800">
               <a:spcBef>
                 <a:spcPts val="1600"/>
               </a:spcBef>
@@ -3454,7 +3677,7 @@
               <a:buChar char="■"/>
               <a:defRPr sz="1200"/>
             </a:lvl3pPr>
-            <a:lvl4pPr indent="-304800" lvl="3" marL="1828800">
+            <a:lvl4pPr marL="1828800" lvl="3" indent="-304800">
               <a:spcBef>
                 <a:spcPts val="1600"/>
               </a:spcBef>
@@ -3465,7 +3688,7 @@
               <a:buChar char="●"/>
               <a:defRPr sz="1200"/>
             </a:lvl4pPr>
-            <a:lvl5pPr indent="-304800" lvl="4" marL="2286000">
+            <a:lvl5pPr marL="2286000" lvl="4" indent="-304800">
               <a:spcBef>
                 <a:spcPts val="1600"/>
               </a:spcBef>
@@ -3476,7 +3699,7 @@
               <a:buChar char="○"/>
               <a:defRPr sz="1200"/>
             </a:lvl5pPr>
-            <a:lvl6pPr indent="-304800" lvl="5" marL="2743200">
+            <a:lvl6pPr marL="2743200" lvl="5" indent="-304800">
               <a:spcBef>
                 <a:spcPts val="1600"/>
               </a:spcBef>
@@ -3487,7 +3710,7 @@
               <a:buChar char="■"/>
               <a:defRPr sz="1200"/>
             </a:lvl6pPr>
-            <a:lvl7pPr indent="-304800" lvl="6" marL="3200400">
+            <a:lvl7pPr marL="3200400" lvl="6" indent="-304800">
               <a:spcBef>
                 <a:spcPts val="1600"/>
               </a:spcBef>
@@ -3498,7 +3721,7 @@
               <a:buChar char="●"/>
               <a:defRPr sz="1200"/>
             </a:lvl7pPr>
-            <a:lvl8pPr indent="-304800" lvl="7" marL="3657600">
+            <a:lvl8pPr marL="3657600" lvl="7" indent="-304800">
               <a:spcBef>
                 <a:spcPts val="1600"/>
               </a:spcBef>
@@ -3509,7 +3732,7 @@
               <a:buChar char="○"/>
               <a:defRPr sz="1200"/>
             </a:lvl8pPr>
-            <a:lvl9pPr indent="-304800" lvl="8" marL="4114800">
+            <a:lvl9pPr marL="4114800" lvl="8" indent="-304800">
               <a:spcBef>
                 <a:spcPts val="1600"/>
               </a:spcBef>
@@ -3521,15 +3744,19 @@
               <a:defRPr sz="1200"/>
             </a:lvl9pPr>
           </a:lstStyle>
-          <a:p/>
+          <a:p>
+            <a:endParaRPr/>
+          </a:p>
         </p:txBody>
       </p:sp>
       <p:sp>
         <p:nvSpPr>
           <p:cNvPr id="23" name="Google Shape;23;p5"/>
-          <p:cNvSpPr txBox="1"/>
+          <p:cNvSpPr txBox="1">
+            <a:spLocks noGrp="1"/>
+          </p:cNvSpPr>
           <p:nvPr>
-            <p:ph idx="2" type="body"/>
+            <p:ph type="body" idx="2"/>
           </p:nvPr>
         </p:nvSpPr>
         <p:spPr>
@@ -3542,11 +3769,11 @@
           </a:prstGeom>
         </p:spPr>
         <p:txBody>
-          <a:bodyPr anchorCtr="0" anchor="t" bIns="91425" lIns="91425" spcFirstLastPara="1" rIns="91425" wrap="square" tIns="91425">
+          <a:bodyPr spcFirstLastPara="1" wrap="square" lIns="91425" tIns="91425" rIns="91425" bIns="91425" anchor="t" anchorCtr="0">
             <a:noAutofit/>
           </a:bodyPr>
           <a:lstStyle>
-            <a:lvl1pPr indent="-317500" lvl="0" marL="457200">
+            <a:lvl1pPr marL="457200" lvl="0" indent="-317500">
               <a:spcBef>
                 <a:spcPts val="0"/>
               </a:spcBef>
@@ -3557,7 +3784,7 @@
               <a:buChar char="●"/>
               <a:defRPr sz="1400"/>
             </a:lvl1pPr>
-            <a:lvl2pPr indent="-304800" lvl="1" marL="914400">
+            <a:lvl2pPr marL="914400" lvl="1" indent="-304800">
               <a:spcBef>
                 <a:spcPts val="1600"/>
               </a:spcBef>
@@ -3568,7 +3795,7 @@
               <a:buChar char="○"/>
               <a:defRPr sz="1200"/>
             </a:lvl2pPr>
-            <a:lvl3pPr indent="-304800" lvl="2" marL="1371600">
+            <a:lvl3pPr marL="1371600" lvl="2" indent="-304800">
               <a:spcBef>
                 <a:spcPts val="1600"/>
               </a:spcBef>
@@ -3579,7 +3806,7 @@
               <a:buChar char="■"/>
               <a:defRPr sz="1200"/>
             </a:lvl3pPr>
-            <a:lvl4pPr indent="-304800" lvl="3" marL="1828800">
+            <a:lvl4pPr marL="1828800" lvl="3" indent="-304800">
               <a:spcBef>
                 <a:spcPts val="1600"/>
               </a:spcBef>
@@ -3590,7 +3817,7 @@
               <a:buChar char="●"/>
               <a:defRPr sz="1200"/>
             </a:lvl4pPr>
-            <a:lvl5pPr indent="-304800" lvl="4" marL="2286000">
+            <a:lvl5pPr marL="2286000" lvl="4" indent="-304800">
               <a:spcBef>
                 <a:spcPts val="1600"/>
               </a:spcBef>
@@ -3601,7 +3828,7 @@
               <a:buChar char="○"/>
               <a:defRPr sz="1200"/>
             </a:lvl5pPr>
-            <a:lvl6pPr indent="-304800" lvl="5" marL="2743200">
+            <a:lvl6pPr marL="2743200" lvl="5" indent="-304800">
               <a:spcBef>
                 <a:spcPts val="1600"/>
               </a:spcBef>
@@ -3612,7 +3839,7 @@
               <a:buChar char="■"/>
               <a:defRPr sz="1200"/>
             </a:lvl6pPr>
-            <a:lvl7pPr indent="-304800" lvl="6" marL="3200400">
+            <a:lvl7pPr marL="3200400" lvl="6" indent="-304800">
               <a:spcBef>
                 <a:spcPts val="1600"/>
               </a:spcBef>
@@ -3623,7 +3850,7 @@
               <a:buChar char="●"/>
               <a:defRPr sz="1200"/>
             </a:lvl7pPr>
-            <a:lvl8pPr indent="-304800" lvl="7" marL="3657600">
+            <a:lvl8pPr marL="3657600" lvl="7" indent="-304800">
               <a:spcBef>
                 <a:spcPts val="1600"/>
               </a:spcBef>
@@ -3634,7 +3861,7 @@
               <a:buChar char="○"/>
               <a:defRPr sz="1200"/>
             </a:lvl8pPr>
-            <a:lvl9pPr indent="-304800" lvl="8" marL="4114800">
+            <a:lvl9pPr marL="4114800" lvl="8" indent="-304800">
               <a:spcBef>
                 <a:spcPts val="1600"/>
               </a:spcBef>
@@ -3646,15 +3873,19 @@
               <a:defRPr sz="1200"/>
             </a:lvl9pPr>
           </a:lstStyle>
-          <a:p/>
+          <a:p>
+            <a:endParaRPr/>
+          </a:p>
         </p:txBody>
       </p:sp>
       <p:sp>
         <p:nvSpPr>
           <p:cNvPr id="24" name="Google Shape;24;p5"/>
-          <p:cNvSpPr txBox="1"/>
+          <p:cNvSpPr txBox="1">
+            <a:spLocks noGrp="1"/>
+          </p:cNvSpPr>
           <p:nvPr>
-            <p:ph idx="12" type="sldNum"/>
+            <p:ph type="sldNum" idx="12"/>
           </p:nvPr>
         </p:nvSpPr>
         <p:spPr>
@@ -3667,7 +3898,7 @@
           </a:prstGeom>
         </p:spPr>
         <p:txBody>
-          <a:bodyPr anchorCtr="0" anchor="ctr" bIns="91425" lIns="91425" spcFirstLastPara="1" rIns="91425" wrap="square" tIns="91425">
+          <a:bodyPr spcFirstLastPara="1" wrap="square" lIns="91425" tIns="91425" rIns="91425" bIns="91425" anchor="ctr" anchorCtr="0">
             <a:noAutofit/>
           </a:bodyPr>
           <a:lstStyle>
@@ -3709,7 +3940,7 @@
             </a:lvl9pPr>
           </a:lstStyle>
           <a:p>
-            <a:pPr indent="0" lvl="0" marL="0" rtl="0" algn="r">
+            <a:pPr marL="0" lvl="0" indent="0" algn="r" rtl="0">
               <a:spcBef>
                 <a:spcPts val="0"/>
               </a:spcBef>
@@ -3735,11 +3966,11 @@
 </file>
 
 <file path=ppt/slideLayouts/slideLayout5.xml><?xml version="1.0" encoding="utf-8"?>
-<p:sldLayout xmlns:a="http://schemas.openxmlformats.org/drawingml/2006/main" xmlns:r="http://schemas.openxmlformats.org/officeDocument/2006/relationships" xmlns:mc="http://schemas.openxmlformats.org/markup-compatibility/2006" xmlns:mv="urn:schemas-microsoft-com:mac:vml" xmlns:p="http://schemas.openxmlformats.org/presentationml/2006/main" xmlns:c="http://schemas.openxmlformats.org/drawingml/2006/chart" xmlns:dgm="http://schemas.openxmlformats.org/drawingml/2006/diagram" xmlns:o="urn:schemas-microsoft-com:office:office" xmlns:v="urn:schemas-microsoft-com:vml" xmlns:pvml="urn:schemas-microsoft-com:office:powerpoint" xmlns:com="http://schemas.openxmlformats.org/drawingml/2006/compatibility" xmlns:p14="http://schemas.microsoft.com/office/powerpoint/2010/main" xmlns:p15="http://schemas.microsoft.com/office/powerpoint/2012/main" xmlns:ahyp="http://schemas.microsoft.com/office/drawing/2018/hyperlinkcolor" matchingName="Title only" type="titleOnly">
+<p:sldLayout xmlns:a="http://schemas.openxmlformats.org/drawingml/2006/main" xmlns:r="http://schemas.openxmlformats.org/officeDocument/2006/relationships" xmlns:p="http://schemas.openxmlformats.org/presentationml/2006/main" matchingName="Title only" type="titleOnly">
   <p:cSld name="TITLE_ONLY">
     <p:spTree>
       <p:nvGrpSpPr>
-        <p:cNvPr id="25" name="Shape 25"/>
+        <p:cNvPr id="1" name="Shape 25"/>
         <p:cNvGrpSpPr/>
         <p:nvPr/>
       </p:nvGrpSpPr>
@@ -3754,7 +3985,9 @@
       <p:sp>
         <p:nvSpPr>
           <p:cNvPr id="26" name="Google Shape;26;p6"/>
-          <p:cNvSpPr txBox="1"/>
+          <p:cNvSpPr txBox="1">
+            <a:spLocks noGrp="1"/>
+          </p:cNvSpPr>
           <p:nvPr>
             <p:ph type="title"/>
           </p:nvPr>
@@ -3769,7 +4002,7 @@
           </a:prstGeom>
         </p:spPr>
         <p:txBody>
-          <a:bodyPr anchorCtr="0" anchor="t" bIns="91425" lIns="91425" spcFirstLastPara="1" rIns="91425" wrap="square" tIns="91425">
+          <a:bodyPr spcFirstLastPara="1" wrap="square" lIns="91425" tIns="91425" rIns="91425" bIns="91425" anchor="t" anchorCtr="0">
             <a:noAutofit/>
           </a:bodyPr>
           <a:lstStyle>
@@ -3873,15 +4106,19 @@
               <a:defRPr/>
             </a:lvl9pPr>
           </a:lstStyle>
-          <a:p/>
+          <a:p>
+            <a:endParaRPr/>
+          </a:p>
         </p:txBody>
       </p:sp>
       <p:sp>
         <p:nvSpPr>
           <p:cNvPr id="27" name="Google Shape;27;p6"/>
-          <p:cNvSpPr txBox="1"/>
+          <p:cNvSpPr txBox="1">
+            <a:spLocks noGrp="1"/>
+          </p:cNvSpPr>
           <p:nvPr>
-            <p:ph idx="12" type="sldNum"/>
+            <p:ph type="sldNum" idx="12"/>
           </p:nvPr>
         </p:nvSpPr>
         <p:spPr>
@@ -3894,7 +4131,7 @@
           </a:prstGeom>
         </p:spPr>
         <p:txBody>
-          <a:bodyPr anchorCtr="0" anchor="ctr" bIns="91425" lIns="91425" spcFirstLastPara="1" rIns="91425" wrap="square" tIns="91425">
+          <a:bodyPr spcFirstLastPara="1" wrap="square" lIns="91425" tIns="91425" rIns="91425" bIns="91425" anchor="ctr" anchorCtr="0">
             <a:noAutofit/>
           </a:bodyPr>
           <a:lstStyle>
@@ -3936,7 +4173,7 @@
             </a:lvl9pPr>
           </a:lstStyle>
           <a:p>
-            <a:pPr indent="0" lvl="0" marL="0" rtl="0" algn="r">
+            <a:pPr marL="0" lvl="0" indent="0" algn="r" rtl="0">
               <a:spcBef>
                 <a:spcPts val="0"/>
               </a:spcBef>
@@ -3962,11 +4199,11 @@
 </file>
 
 <file path=ppt/slideLayouts/slideLayout6.xml><?xml version="1.0" encoding="utf-8"?>
-<p:sldLayout xmlns:a="http://schemas.openxmlformats.org/drawingml/2006/main" xmlns:r="http://schemas.openxmlformats.org/officeDocument/2006/relationships" xmlns:mc="http://schemas.openxmlformats.org/markup-compatibility/2006" xmlns:mv="urn:schemas-microsoft-com:mac:vml" xmlns:p="http://schemas.openxmlformats.org/presentationml/2006/main" xmlns:c="http://schemas.openxmlformats.org/drawingml/2006/chart" xmlns:dgm="http://schemas.openxmlformats.org/drawingml/2006/diagram" xmlns:o="urn:schemas-microsoft-com:office:office" xmlns:v="urn:schemas-microsoft-com:vml" xmlns:pvml="urn:schemas-microsoft-com:office:powerpoint" xmlns:com="http://schemas.openxmlformats.org/drawingml/2006/compatibility" xmlns:p14="http://schemas.microsoft.com/office/powerpoint/2010/main" xmlns:p15="http://schemas.microsoft.com/office/powerpoint/2012/main" xmlns:ahyp="http://schemas.microsoft.com/office/drawing/2018/hyperlinkcolor" matchingName="One column text">
+<p:sldLayout xmlns:a="http://schemas.openxmlformats.org/drawingml/2006/main" xmlns:r="http://schemas.openxmlformats.org/officeDocument/2006/relationships" xmlns:p="http://schemas.openxmlformats.org/presentationml/2006/main" matchingName="One column text">
   <p:cSld name="ONE_COLUMN_TEXT">
     <p:spTree>
       <p:nvGrpSpPr>
-        <p:cNvPr id="28" name="Shape 28"/>
+        <p:cNvPr id="1" name="Shape 28"/>
         <p:cNvGrpSpPr/>
         <p:nvPr/>
       </p:nvGrpSpPr>
@@ -3981,7 +4218,9 @@
       <p:sp>
         <p:nvSpPr>
           <p:cNvPr id="29" name="Google Shape;29;p7"/>
-          <p:cNvSpPr txBox="1"/>
+          <p:cNvSpPr txBox="1">
+            <a:spLocks noGrp="1"/>
+          </p:cNvSpPr>
           <p:nvPr>
             <p:ph type="title"/>
           </p:nvPr>
@@ -3996,7 +4235,7 @@
           </a:prstGeom>
         </p:spPr>
         <p:txBody>
-          <a:bodyPr anchorCtr="0" anchor="b" bIns="91425" lIns="91425" spcFirstLastPara="1" rIns="91425" wrap="square" tIns="91425">
+          <a:bodyPr spcFirstLastPara="1" wrap="square" lIns="91425" tIns="91425" rIns="91425" bIns="91425" anchor="b" anchorCtr="0">
             <a:noAutofit/>
           </a:bodyPr>
           <a:lstStyle>
@@ -4100,15 +4339,19 @@
               <a:defRPr sz="2400"/>
             </a:lvl9pPr>
           </a:lstStyle>
-          <a:p/>
+          <a:p>
+            <a:endParaRPr/>
+          </a:p>
         </p:txBody>
       </p:sp>
       <p:sp>
         <p:nvSpPr>
           <p:cNvPr id="30" name="Google Shape;30;p7"/>
-          <p:cNvSpPr txBox="1"/>
+          <p:cNvSpPr txBox="1">
+            <a:spLocks noGrp="1"/>
+          </p:cNvSpPr>
           <p:nvPr>
-            <p:ph idx="1" type="body"/>
+            <p:ph type="body" idx="1"/>
           </p:nvPr>
         </p:nvSpPr>
         <p:spPr>
@@ -4121,11 +4364,11 @@
           </a:prstGeom>
         </p:spPr>
         <p:txBody>
-          <a:bodyPr anchorCtr="0" anchor="t" bIns="91425" lIns="91425" spcFirstLastPara="1" rIns="91425" wrap="square" tIns="91425">
+          <a:bodyPr spcFirstLastPara="1" wrap="square" lIns="91425" tIns="91425" rIns="91425" bIns="91425" anchor="t" anchorCtr="0">
             <a:noAutofit/>
           </a:bodyPr>
           <a:lstStyle>
-            <a:lvl1pPr indent="-304800" lvl="0" marL="457200">
+            <a:lvl1pPr marL="457200" lvl="0" indent="-304800">
               <a:spcBef>
                 <a:spcPts val="0"/>
               </a:spcBef>
@@ -4136,7 +4379,7 @@
               <a:buChar char="●"/>
               <a:defRPr sz="1200"/>
             </a:lvl1pPr>
-            <a:lvl2pPr indent="-304800" lvl="1" marL="914400">
+            <a:lvl2pPr marL="914400" lvl="1" indent="-304800">
               <a:spcBef>
                 <a:spcPts val="1600"/>
               </a:spcBef>
@@ -4147,7 +4390,7 @@
               <a:buChar char="○"/>
               <a:defRPr sz="1200"/>
             </a:lvl2pPr>
-            <a:lvl3pPr indent="-304800" lvl="2" marL="1371600">
+            <a:lvl3pPr marL="1371600" lvl="2" indent="-304800">
               <a:spcBef>
                 <a:spcPts val="1600"/>
               </a:spcBef>
@@ -4158,7 +4401,7 @@
               <a:buChar char="■"/>
               <a:defRPr sz="1200"/>
             </a:lvl3pPr>
-            <a:lvl4pPr indent="-304800" lvl="3" marL="1828800">
+            <a:lvl4pPr marL="1828800" lvl="3" indent="-304800">
               <a:spcBef>
                 <a:spcPts val="1600"/>
               </a:spcBef>
@@ -4169,7 +4412,7 @@
               <a:buChar char="●"/>
               <a:defRPr sz="1200"/>
             </a:lvl4pPr>
-            <a:lvl5pPr indent="-304800" lvl="4" marL="2286000">
+            <a:lvl5pPr marL="2286000" lvl="4" indent="-304800">
               <a:spcBef>
                 <a:spcPts val="1600"/>
               </a:spcBef>
@@ -4180,7 +4423,7 @@
               <a:buChar char="○"/>
               <a:defRPr sz="1200"/>
             </a:lvl5pPr>
-            <a:lvl6pPr indent="-304800" lvl="5" marL="2743200">
+            <a:lvl6pPr marL="2743200" lvl="5" indent="-304800">
               <a:spcBef>
                 <a:spcPts val="1600"/>
               </a:spcBef>
@@ -4191,7 +4434,7 @@
               <a:buChar char="■"/>
               <a:defRPr sz="1200"/>
             </a:lvl6pPr>
-            <a:lvl7pPr indent="-304800" lvl="6" marL="3200400">
+            <a:lvl7pPr marL="3200400" lvl="6" indent="-304800">
               <a:spcBef>
                 <a:spcPts val="1600"/>
               </a:spcBef>
@@ -4202,7 +4445,7 @@
               <a:buChar char="●"/>
               <a:defRPr sz="1200"/>
             </a:lvl7pPr>
-            <a:lvl8pPr indent="-304800" lvl="7" marL="3657600">
+            <a:lvl8pPr marL="3657600" lvl="7" indent="-304800">
               <a:spcBef>
                 <a:spcPts val="1600"/>
               </a:spcBef>
@@ -4213,7 +4456,7 @@
               <a:buChar char="○"/>
               <a:defRPr sz="1200"/>
             </a:lvl8pPr>
-            <a:lvl9pPr indent="-304800" lvl="8" marL="4114800">
+            <a:lvl9pPr marL="4114800" lvl="8" indent="-304800">
               <a:spcBef>
                 <a:spcPts val="1600"/>
               </a:spcBef>
@@ -4225,15 +4468,19 @@
               <a:defRPr sz="1200"/>
             </a:lvl9pPr>
           </a:lstStyle>
-          <a:p/>
+          <a:p>
+            <a:endParaRPr/>
+          </a:p>
         </p:txBody>
       </p:sp>
       <p:sp>
         <p:nvSpPr>
           <p:cNvPr id="31" name="Google Shape;31;p7"/>
-          <p:cNvSpPr txBox="1"/>
+          <p:cNvSpPr txBox="1">
+            <a:spLocks noGrp="1"/>
+          </p:cNvSpPr>
           <p:nvPr>
-            <p:ph idx="12" type="sldNum"/>
+            <p:ph type="sldNum" idx="12"/>
           </p:nvPr>
         </p:nvSpPr>
         <p:spPr>
@@ -4246,7 +4493,7 @@
           </a:prstGeom>
         </p:spPr>
         <p:txBody>
-          <a:bodyPr anchorCtr="0" anchor="ctr" bIns="91425" lIns="91425" spcFirstLastPara="1" rIns="91425" wrap="square" tIns="91425">
+          <a:bodyPr spcFirstLastPara="1" wrap="square" lIns="91425" tIns="91425" rIns="91425" bIns="91425" anchor="ctr" anchorCtr="0">
             <a:noAutofit/>
           </a:bodyPr>
           <a:lstStyle>
@@ -4288,7 +4535,7 @@
             </a:lvl9pPr>
           </a:lstStyle>
           <a:p>
-            <a:pPr indent="0" lvl="0" marL="0" rtl="0" algn="r">
+            <a:pPr marL="0" lvl="0" indent="0" algn="r" rtl="0">
               <a:spcBef>
                 <a:spcPts val="0"/>
               </a:spcBef>
@@ -4314,11 +4561,11 @@
 </file>
 
 <file path=ppt/slideLayouts/slideLayout7.xml><?xml version="1.0" encoding="utf-8"?>
-<p:sldLayout xmlns:a="http://schemas.openxmlformats.org/drawingml/2006/main" xmlns:r="http://schemas.openxmlformats.org/officeDocument/2006/relationships" xmlns:mc="http://schemas.openxmlformats.org/markup-compatibility/2006" xmlns:mv="urn:schemas-microsoft-com:mac:vml" xmlns:p="http://schemas.openxmlformats.org/presentationml/2006/main" xmlns:c="http://schemas.openxmlformats.org/drawingml/2006/chart" xmlns:dgm="http://schemas.openxmlformats.org/drawingml/2006/diagram" xmlns:o="urn:schemas-microsoft-com:office:office" xmlns:v="urn:schemas-microsoft-com:vml" xmlns:pvml="urn:schemas-microsoft-com:office:powerpoint" xmlns:com="http://schemas.openxmlformats.org/drawingml/2006/compatibility" xmlns:p14="http://schemas.microsoft.com/office/powerpoint/2010/main" xmlns:p15="http://schemas.microsoft.com/office/powerpoint/2012/main" xmlns:ahyp="http://schemas.microsoft.com/office/drawing/2018/hyperlinkcolor" matchingName="Main point">
+<p:sldLayout xmlns:a="http://schemas.openxmlformats.org/drawingml/2006/main" xmlns:r="http://schemas.openxmlformats.org/officeDocument/2006/relationships" xmlns:p="http://schemas.openxmlformats.org/presentationml/2006/main" matchingName="Main point">
   <p:cSld name="MAIN_POINT">
     <p:spTree>
       <p:nvGrpSpPr>
-        <p:cNvPr id="32" name="Shape 32"/>
+        <p:cNvPr id="1" name="Shape 32"/>
         <p:cNvGrpSpPr/>
         <p:nvPr/>
       </p:nvGrpSpPr>
@@ -4333,7 +4580,9 @@
       <p:sp>
         <p:nvSpPr>
           <p:cNvPr id="33" name="Google Shape;33;p8"/>
-          <p:cNvSpPr txBox="1"/>
+          <p:cNvSpPr txBox="1">
+            <a:spLocks noGrp="1"/>
+          </p:cNvSpPr>
           <p:nvPr>
             <p:ph type="title"/>
           </p:nvPr>
@@ -4348,7 +4597,7 @@
           </a:prstGeom>
         </p:spPr>
         <p:txBody>
-          <a:bodyPr anchorCtr="0" anchor="ctr" bIns="91425" lIns="91425" spcFirstLastPara="1" rIns="91425" wrap="square" tIns="91425">
+          <a:bodyPr spcFirstLastPara="1" wrap="square" lIns="91425" tIns="91425" rIns="91425" bIns="91425" anchor="ctr" anchorCtr="0">
             <a:noAutofit/>
           </a:bodyPr>
           <a:lstStyle>
@@ -4452,15 +4701,19 @@
               <a:defRPr sz="4800"/>
             </a:lvl9pPr>
           </a:lstStyle>
-          <a:p/>
+          <a:p>
+            <a:endParaRPr/>
+          </a:p>
         </p:txBody>
       </p:sp>
       <p:sp>
         <p:nvSpPr>
           <p:cNvPr id="34" name="Google Shape;34;p8"/>
-          <p:cNvSpPr txBox="1"/>
+          <p:cNvSpPr txBox="1">
+            <a:spLocks noGrp="1"/>
+          </p:cNvSpPr>
           <p:nvPr>
-            <p:ph idx="12" type="sldNum"/>
+            <p:ph type="sldNum" idx="12"/>
           </p:nvPr>
         </p:nvSpPr>
         <p:spPr>
@@ -4473,7 +4726,7 @@
           </a:prstGeom>
         </p:spPr>
         <p:txBody>
-          <a:bodyPr anchorCtr="0" anchor="ctr" bIns="91425" lIns="91425" spcFirstLastPara="1" rIns="91425" wrap="square" tIns="91425">
+          <a:bodyPr spcFirstLastPara="1" wrap="square" lIns="91425" tIns="91425" rIns="91425" bIns="91425" anchor="ctr" anchorCtr="0">
             <a:noAutofit/>
           </a:bodyPr>
           <a:lstStyle>
@@ -4515,7 +4768,7 @@
             </a:lvl9pPr>
           </a:lstStyle>
           <a:p>
-            <a:pPr indent="0" lvl="0" marL="0" rtl="0" algn="r">
+            <a:pPr marL="0" lvl="0" indent="0" algn="r" rtl="0">
               <a:spcBef>
                 <a:spcPts val="0"/>
               </a:spcBef>
@@ -4541,11 +4794,11 @@
 </file>
 
 <file path=ppt/slideLayouts/slideLayout8.xml><?xml version="1.0" encoding="utf-8"?>
-<p:sldLayout xmlns:a="http://schemas.openxmlformats.org/drawingml/2006/main" xmlns:r="http://schemas.openxmlformats.org/officeDocument/2006/relationships" xmlns:mc="http://schemas.openxmlformats.org/markup-compatibility/2006" xmlns:mv="urn:schemas-microsoft-com:mac:vml" xmlns:p="http://schemas.openxmlformats.org/presentationml/2006/main" xmlns:c="http://schemas.openxmlformats.org/drawingml/2006/chart" xmlns:dgm="http://schemas.openxmlformats.org/drawingml/2006/diagram" xmlns:o="urn:schemas-microsoft-com:office:office" xmlns:v="urn:schemas-microsoft-com:vml" xmlns:pvml="urn:schemas-microsoft-com:office:powerpoint" xmlns:com="http://schemas.openxmlformats.org/drawingml/2006/compatibility" xmlns:p14="http://schemas.microsoft.com/office/powerpoint/2010/main" xmlns:p15="http://schemas.microsoft.com/office/powerpoint/2012/main" xmlns:ahyp="http://schemas.microsoft.com/office/drawing/2018/hyperlinkcolor" matchingName="Section title and description">
+<p:sldLayout xmlns:a="http://schemas.openxmlformats.org/drawingml/2006/main" xmlns:r="http://schemas.openxmlformats.org/officeDocument/2006/relationships" xmlns:p="http://schemas.openxmlformats.org/presentationml/2006/main" matchingName="Section title and description">
   <p:cSld name="SECTION_TITLE_AND_DESCRIPTION">
     <p:spTree>
       <p:nvGrpSpPr>
-        <p:cNvPr id="35" name="Shape 35"/>
+        <p:cNvPr id="1" name="Shape 35"/>
         <p:cNvGrpSpPr/>
         <p:nvPr/>
       </p:nvGrpSpPr>
@@ -4579,23 +4832,20 @@
           </a:ln>
         </p:spPr>
         <p:txBody>
-          <a:bodyPr anchorCtr="0" anchor="ctr" bIns="91425" lIns="91425" spcFirstLastPara="1" rIns="91425" wrap="square" tIns="91425">
+          <a:bodyPr spcFirstLastPara="1" wrap="square" lIns="91425" tIns="91425" rIns="91425" bIns="91425" anchor="ctr" anchorCtr="0">
             <a:noAutofit/>
           </a:bodyPr>
           <a:lstStyle/>
           <a:p>
-            <a:pPr indent="0" lvl="0" marL="0" rtl="0" algn="l">
-              <a:spcBef>
-                <a:spcPts val="0"/>
-              </a:spcBef>
-              <a:spcAft>
-                <a:spcPts val="0"/>
-              </a:spcAft>
-              <a:buNone/>
-            </a:pPr>
-            <a:r>
-              <a:t/>
-            </a:r>
+            <a:pPr marL="0" lvl="0" indent="0" algn="l" rtl="0">
+              <a:spcBef>
+                <a:spcPts val="0"/>
+              </a:spcBef>
+              <a:spcAft>
+                <a:spcPts val="0"/>
+              </a:spcAft>
+              <a:buNone/>
+            </a:pPr>
             <a:endParaRPr/>
           </a:p>
         </p:txBody>
@@ -4603,7 +4853,9 @@
       <p:sp>
         <p:nvSpPr>
           <p:cNvPr id="37" name="Google Shape;37;p9"/>
-          <p:cNvSpPr txBox="1"/>
+          <p:cNvSpPr txBox="1">
+            <a:spLocks noGrp="1"/>
+          </p:cNvSpPr>
           <p:nvPr>
             <p:ph type="title"/>
           </p:nvPr>
@@ -4618,7 +4870,7 @@
           </a:prstGeom>
         </p:spPr>
         <p:txBody>
-          <a:bodyPr anchorCtr="0" anchor="b" bIns="91425" lIns="91425" spcFirstLastPara="1" rIns="91425" wrap="square" tIns="91425">
+          <a:bodyPr spcFirstLastPara="1" wrap="square" lIns="91425" tIns="91425" rIns="91425" bIns="91425" anchor="b" anchorCtr="0">
             <a:noAutofit/>
           </a:bodyPr>
           <a:lstStyle>
@@ -4722,15 +4974,19 @@
               <a:defRPr sz="4200"/>
             </a:lvl9pPr>
           </a:lstStyle>
-          <a:p/>
+          <a:p>
+            <a:endParaRPr/>
+          </a:p>
         </p:txBody>
       </p:sp>
       <p:sp>
         <p:nvSpPr>
           <p:cNvPr id="38" name="Google Shape;38;p9"/>
-          <p:cNvSpPr txBox="1"/>
+          <p:cNvSpPr txBox="1">
+            <a:spLocks noGrp="1"/>
+          </p:cNvSpPr>
           <p:nvPr>
-            <p:ph idx="1" type="subTitle"/>
+            <p:ph type="subTitle" idx="1"/>
           </p:nvPr>
         </p:nvSpPr>
         <p:spPr>
@@ -4743,7 +4999,7 @@
           </a:prstGeom>
         </p:spPr>
         <p:txBody>
-          <a:bodyPr anchorCtr="0" anchor="t" bIns="91425" lIns="91425" spcFirstLastPara="1" rIns="91425" wrap="square" tIns="91425">
+          <a:bodyPr spcFirstLastPara="1" wrap="square" lIns="91425" tIns="91425" rIns="91425" bIns="91425" anchor="t" anchorCtr="0">
             <a:noAutofit/>
           </a:bodyPr>
           <a:lstStyle>
@@ -4874,15 +5130,19 @@
               <a:defRPr sz="2100"/>
             </a:lvl9pPr>
           </a:lstStyle>
-          <a:p/>
+          <a:p>
+            <a:endParaRPr/>
+          </a:p>
         </p:txBody>
       </p:sp>
       <p:sp>
         <p:nvSpPr>
           <p:cNvPr id="39" name="Google Shape;39;p9"/>
-          <p:cNvSpPr txBox="1"/>
+          <p:cNvSpPr txBox="1">
+            <a:spLocks noGrp="1"/>
+          </p:cNvSpPr>
           <p:nvPr>
-            <p:ph idx="2" type="body"/>
+            <p:ph type="body" idx="2"/>
           </p:nvPr>
         </p:nvSpPr>
         <p:spPr>
@@ -4895,11 +5155,11 @@
           </a:prstGeom>
         </p:spPr>
         <p:txBody>
-          <a:bodyPr anchorCtr="0" anchor="ctr" bIns="91425" lIns="91425" spcFirstLastPara="1" rIns="91425" wrap="square" tIns="91425">
+          <a:bodyPr spcFirstLastPara="1" wrap="square" lIns="91425" tIns="91425" rIns="91425" bIns="91425" anchor="ctr" anchorCtr="0">
             <a:noAutofit/>
           </a:bodyPr>
           <a:lstStyle>
-            <a:lvl1pPr indent="-342900" lvl="0" marL="457200">
+            <a:lvl1pPr marL="457200" lvl="0" indent="-342900">
               <a:spcBef>
                 <a:spcPts val="0"/>
               </a:spcBef>
@@ -4910,7 +5170,7 @@
               <a:buChar char="●"/>
               <a:defRPr/>
             </a:lvl1pPr>
-            <a:lvl2pPr indent="-317500" lvl="1" marL="914400">
+            <a:lvl2pPr marL="914400" lvl="1" indent="-317500">
               <a:spcBef>
                 <a:spcPts val="1600"/>
               </a:spcBef>
@@ -4921,7 +5181,7 @@
               <a:buChar char="○"/>
               <a:defRPr/>
             </a:lvl2pPr>
-            <a:lvl3pPr indent="-317500" lvl="2" marL="1371600">
+            <a:lvl3pPr marL="1371600" lvl="2" indent="-317500">
               <a:spcBef>
                 <a:spcPts val="1600"/>
               </a:spcBef>
@@ -4932,7 +5192,7 @@
               <a:buChar char="■"/>
               <a:defRPr/>
             </a:lvl3pPr>
-            <a:lvl4pPr indent="-317500" lvl="3" marL="1828800">
+            <a:lvl4pPr marL="1828800" lvl="3" indent="-317500">
               <a:spcBef>
                 <a:spcPts val="1600"/>
               </a:spcBef>
@@ -4943,7 +5203,7 @@
               <a:buChar char="●"/>
               <a:defRPr/>
             </a:lvl4pPr>
-            <a:lvl5pPr indent="-317500" lvl="4" marL="2286000">
+            <a:lvl5pPr marL="2286000" lvl="4" indent="-317500">
               <a:spcBef>
                 <a:spcPts val="1600"/>
               </a:spcBef>
@@ -4954,7 +5214,7 @@
               <a:buChar char="○"/>
               <a:defRPr/>
             </a:lvl5pPr>
-            <a:lvl6pPr indent="-317500" lvl="5" marL="2743200">
+            <a:lvl6pPr marL="2743200" lvl="5" indent="-317500">
               <a:spcBef>
                 <a:spcPts val="1600"/>
               </a:spcBef>
@@ -4965,7 +5225,7 @@
               <a:buChar char="■"/>
               <a:defRPr/>
             </a:lvl6pPr>
-            <a:lvl7pPr indent="-317500" lvl="6" marL="3200400">
+            <a:lvl7pPr marL="3200400" lvl="6" indent="-317500">
               <a:spcBef>
                 <a:spcPts val="1600"/>
               </a:spcBef>
@@ -4976,7 +5236,7 @@
               <a:buChar char="●"/>
               <a:defRPr/>
             </a:lvl7pPr>
-            <a:lvl8pPr indent="-317500" lvl="7" marL="3657600">
+            <a:lvl8pPr marL="3657600" lvl="7" indent="-317500">
               <a:spcBef>
                 <a:spcPts val="1600"/>
               </a:spcBef>
@@ -4987,7 +5247,7 @@
               <a:buChar char="○"/>
               <a:defRPr/>
             </a:lvl8pPr>
-            <a:lvl9pPr indent="-317500" lvl="8" marL="4114800">
+            <a:lvl9pPr marL="4114800" lvl="8" indent="-317500">
               <a:spcBef>
                 <a:spcPts val="1600"/>
               </a:spcBef>
@@ -4999,15 +5259,19 @@
               <a:defRPr/>
             </a:lvl9pPr>
           </a:lstStyle>
-          <a:p/>
+          <a:p>
+            <a:endParaRPr/>
+          </a:p>
         </p:txBody>
       </p:sp>
       <p:sp>
         <p:nvSpPr>
           <p:cNvPr id="40" name="Google Shape;40;p9"/>
-          <p:cNvSpPr txBox="1"/>
+          <p:cNvSpPr txBox="1">
+            <a:spLocks noGrp="1"/>
+          </p:cNvSpPr>
           <p:nvPr>
-            <p:ph idx="12" type="sldNum"/>
+            <p:ph type="sldNum" idx="12"/>
           </p:nvPr>
         </p:nvSpPr>
         <p:spPr>
@@ -5020,7 +5284,7 @@
           </a:prstGeom>
         </p:spPr>
         <p:txBody>
-          <a:bodyPr anchorCtr="0" anchor="ctr" bIns="91425" lIns="91425" spcFirstLastPara="1" rIns="91425" wrap="square" tIns="91425">
+          <a:bodyPr spcFirstLastPara="1" wrap="square" lIns="91425" tIns="91425" rIns="91425" bIns="91425" anchor="ctr" anchorCtr="0">
             <a:noAutofit/>
           </a:bodyPr>
           <a:lstStyle>
@@ -5062,7 +5326,7 @@
             </a:lvl9pPr>
           </a:lstStyle>
           <a:p>
-            <a:pPr indent="0" lvl="0" marL="0" rtl="0" algn="r">
+            <a:pPr marL="0" lvl="0" indent="0" algn="r" rtl="0">
               <a:spcBef>
                 <a:spcPts val="0"/>
               </a:spcBef>
@@ -5088,11 +5352,11 @@
 </file>
 
 <file path=ppt/slideLayouts/slideLayout9.xml><?xml version="1.0" encoding="utf-8"?>
-<p:sldLayout xmlns:a="http://schemas.openxmlformats.org/drawingml/2006/main" xmlns:r="http://schemas.openxmlformats.org/officeDocument/2006/relationships" xmlns:mc="http://schemas.openxmlformats.org/markup-compatibility/2006" xmlns:mv="urn:schemas-microsoft-com:mac:vml" xmlns:p="http://schemas.openxmlformats.org/presentationml/2006/main" xmlns:c="http://schemas.openxmlformats.org/drawingml/2006/chart" xmlns:dgm="http://schemas.openxmlformats.org/drawingml/2006/diagram" xmlns:o="urn:schemas-microsoft-com:office:office" xmlns:v="urn:schemas-microsoft-com:vml" xmlns:pvml="urn:schemas-microsoft-com:office:powerpoint" xmlns:com="http://schemas.openxmlformats.org/drawingml/2006/compatibility" xmlns:p14="http://schemas.microsoft.com/office/powerpoint/2010/main" xmlns:p15="http://schemas.microsoft.com/office/powerpoint/2012/main" xmlns:ahyp="http://schemas.microsoft.com/office/drawing/2018/hyperlinkcolor" matchingName="Caption">
+<p:sldLayout xmlns:a="http://schemas.openxmlformats.org/drawingml/2006/main" xmlns:r="http://schemas.openxmlformats.org/officeDocument/2006/relationships" xmlns:p="http://schemas.openxmlformats.org/presentationml/2006/main" matchingName="Caption">
   <p:cSld name="CAPTION_ONLY">
     <p:spTree>
       <p:nvGrpSpPr>
-        <p:cNvPr id="41" name="Shape 41"/>
+        <p:cNvPr id="1" name="Shape 41"/>
         <p:cNvGrpSpPr/>
         <p:nvPr/>
       </p:nvGrpSpPr>
@@ -5107,9 +5371,11 @@
       <p:sp>
         <p:nvSpPr>
           <p:cNvPr id="42" name="Google Shape;42;p10"/>
-          <p:cNvSpPr txBox="1"/>
+          <p:cNvSpPr txBox="1">
+            <a:spLocks noGrp="1"/>
+          </p:cNvSpPr>
           <p:nvPr>
-            <p:ph idx="1" type="body"/>
+            <p:ph type="body" idx="1"/>
           </p:nvPr>
         </p:nvSpPr>
         <p:spPr>
@@ -5122,11 +5388,11 @@
           </a:prstGeom>
         </p:spPr>
         <p:txBody>
-          <a:bodyPr anchorCtr="0" anchor="ctr" bIns="91425" lIns="91425" spcFirstLastPara="1" rIns="91425" wrap="square" tIns="91425">
+          <a:bodyPr spcFirstLastPara="1" wrap="square" lIns="91425" tIns="91425" rIns="91425" bIns="91425" anchor="ctr" anchorCtr="0">
             <a:noAutofit/>
           </a:bodyPr>
           <a:lstStyle>
-            <a:lvl1pPr indent="-228600" lvl="0" marL="457200">
+            <a:lvl1pPr marL="457200" lvl="0" indent="-228600">
               <a:lnSpc>
                 <a:spcPct val="100000"/>
               </a:lnSpc>
@@ -5141,15 +5407,19 @@
               <a:defRPr/>
             </a:lvl1pPr>
           </a:lstStyle>
-          <a:p/>
+          <a:p>
+            <a:endParaRPr/>
+          </a:p>
         </p:txBody>
       </p:sp>
       <p:sp>
         <p:nvSpPr>
           <p:cNvPr id="43" name="Google Shape;43;p10"/>
-          <p:cNvSpPr txBox="1"/>
+          <p:cNvSpPr txBox="1">
+            <a:spLocks noGrp="1"/>
+          </p:cNvSpPr>
           <p:nvPr>
-            <p:ph idx="12" type="sldNum"/>
+            <p:ph type="sldNum" idx="12"/>
           </p:nvPr>
         </p:nvSpPr>
         <p:spPr>
@@ -5162,7 +5432,7 @@
           </a:prstGeom>
         </p:spPr>
         <p:txBody>
-          <a:bodyPr anchorCtr="0" anchor="ctr" bIns="91425" lIns="91425" spcFirstLastPara="1" rIns="91425" wrap="square" tIns="91425">
+          <a:bodyPr spcFirstLastPara="1" wrap="square" lIns="91425" tIns="91425" rIns="91425" bIns="91425" anchor="ctr" anchorCtr="0">
             <a:noAutofit/>
           </a:bodyPr>
           <a:lstStyle>
@@ -5204,7 +5474,7 @@
             </a:lvl9pPr>
           </a:lstStyle>
           <a:p>
-            <a:pPr indent="0" lvl="0" marL="0" rtl="0" algn="r">
+            <a:pPr marL="0" lvl="0" indent="0" algn="r" rtl="0">
               <a:spcBef>
                 <a:spcPts val="0"/>
               </a:spcBef>
@@ -5230,18 +5500,19 @@
 </file>
 
 <file path=ppt/slideMasters/slideMaster1.xml><?xml version="1.0" encoding="utf-8"?>
-<p:sldMaster xmlns:a="http://schemas.openxmlformats.org/drawingml/2006/main" xmlns:r="http://schemas.openxmlformats.org/officeDocument/2006/relationships" xmlns:mc="http://schemas.openxmlformats.org/markup-compatibility/2006" xmlns:mv="urn:schemas-microsoft-com:mac:vml" xmlns:p="http://schemas.openxmlformats.org/presentationml/2006/main" xmlns:c="http://schemas.openxmlformats.org/drawingml/2006/chart" xmlns:dgm="http://schemas.openxmlformats.org/drawingml/2006/diagram" xmlns:o="urn:schemas-microsoft-com:office:office" xmlns:v="urn:schemas-microsoft-com:vml" xmlns:pvml="urn:schemas-microsoft-com:office:powerpoint" xmlns:com="http://schemas.openxmlformats.org/drawingml/2006/compatibility" xmlns:p14="http://schemas.microsoft.com/office/powerpoint/2010/main" xmlns:p15="http://schemas.microsoft.com/office/powerpoint/2012/main" xmlns:ahyp="http://schemas.microsoft.com/office/drawing/2018/hyperlinkcolor">
+<p:sldMaster xmlns:a="http://schemas.openxmlformats.org/drawingml/2006/main" xmlns:r="http://schemas.openxmlformats.org/officeDocument/2006/relationships" xmlns:p="http://schemas.openxmlformats.org/presentationml/2006/main">
   <p:cSld name="simple-light-2">
     <p:bg>
       <p:bgPr>
         <a:solidFill>
           <a:schemeClr val="lt1"/>
         </a:solidFill>
+        <a:effectLst/>
       </p:bgPr>
     </p:bg>
     <p:spTree>
       <p:nvGrpSpPr>
-        <p:cNvPr id="5" name="Shape 5"/>
+        <p:cNvPr id="1" name="Shape 5"/>
         <p:cNvGrpSpPr/>
         <p:nvPr/>
       </p:nvGrpSpPr>
@@ -5256,7 +5527,9 @@
       <p:sp>
         <p:nvSpPr>
           <p:cNvPr id="6" name="Google Shape;6;p1"/>
-          <p:cNvSpPr txBox="1"/>
+          <p:cNvSpPr txBox="1">
+            <a:spLocks noGrp="1"/>
+          </p:cNvSpPr>
           <p:nvPr>
             <p:ph type="title"/>
           </p:nvPr>
@@ -5275,7 +5548,7 @@
           </a:ln>
         </p:spPr>
         <p:txBody>
-          <a:bodyPr anchorCtr="0" anchor="t" bIns="91425" lIns="91425" spcFirstLastPara="1" rIns="91425" wrap="square" tIns="91425">
+          <a:bodyPr spcFirstLastPara="1" wrap="square" lIns="91425" tIns="91425" rIns="91425" bIns="91425" anchor="t" anchorCtr="0">
             <a:noAutofit/>
           </a:bodyPr>
           <a:lstStyle>
@@ -5442,15 +5715,19 @@
               </a:defRPr>
             </a:lvl9pPr>
           </a:lstStyle>
-          <a:p/>
+          <a:p>
+            <a:endParaRPr/>
+          </a:p>
         </p:txBody>
       </p:sp>
       <p:sp>
         <p:nvSpPr>
           <p:cNvPr id="7" name="Google Shape;7;p1"/>
-          <p:cNvSpPr txBox="1"/>
+          <p:cNvSpPr txBox="1">
+            <a:spLocks noGrp="1"/>
+          </p:cNvSpPr>
           <p:nvPr>
-            <p:ph idx="1" type="body"/>
+            <p:ph type="body" idx="1"/>
           </p:nvPr>
         </p:nvSpPr>
         <p:spPr>
@@ -5467,11 +5744,11 @@
           </a:ln>
         </p:spPr>
         <p:txBody>
-          <a:bodyPr anchorCtr="0" anchor="t" bIns="91425" lIns="91425" spcFirstLastPara="1" rIns="91425" wrap="square" tIns="91425">
+          <a:bodyPr spcFirstLastPara="1" wrap="square" lIns="91425" tIns="91425" rIns="91425" bIns="91425" anchor="t" anchorCtr="0">
             <a:noAutofit/>
           </a:bodyPr>
           <a:lstStyle>
-            <a:lvl1pPr indent="-342900" lvl="0" marL="457200">
+            <a:lvl1pPr marL="457200" lvl="0" indent="-342900">
               <a:lnSpc>
                 <a:spcPct val="115000"/>
               </a:lnSpc>
@@ -5492,7 +5769,7 @@
                 </a:solidFill>
               </a:defRPr>
             </a:lvl1pPr>
-            <a:lvl2pPr indent="-317500" lvl="1" marL="914400">
+            <a:lvl2pPr marL="914400" lvl="1" indent="-317500">
               <a:lnSpc>
                 <a:spcPct val="115000"/>
               </a:lnSpc>
@@ -5513,7 +5790,7 @@
                 </a:solidFill>
               </a:defRPr>
             </a:lvl2pPr>
-            <a:lvl3pPr indent="-317500" lvl="2" marL="1371600">
+            <a:lvl3pPr marL="1371600" lvl="2" indent="-317500">
               <a:lnSpc>
                 <a:spcPct val="115000"/>
               </a:lnSpc>
@@ -5534,7 +5811,7 @@
                 </a:solidFill>
               </a:defRPr>
             </a:lvl3pPr>
-            <a:lvl4pPr indent="-317500" lvl="3" marL="1828800">
+            <a:lvl4pPr marL="1828800" lvl="3" indent="-317500">
               <a:lnSpc>
                 <a:spcPct val="115000"/>
               </a:lnSpc>
@@ -5555,7 +5832,7 @@
                 </a:solidFill>
               </a:defRPr>
             </a:lvl4pPr>
-            <a:lvl5pPr indent="-317500" lvl="4" marL="2286000">
+            <a:lvl5pPr marL="2286000" lvl="4" indent="-317500">
               <a:lnSpc>
                 <a:spcPct val="115000"/>
               </a:lnSpc>
@@ -5576,7 +5853,7 @@
                 </a:solidFill>
               </a:defRPr>
             </a:lvl5pPr>
-            <a:lvl6pPr indent="-317500" lvl="5" marL="2743200">
+            <a:lvl6pPr marL="2743200" lvl="5" indent="-317500">
               <a:lnSpc>
                 <a:spcPct val="115000"/>
               </a:lnSpc>
@@ -5597,7 +5874,7 @@
                 </a:solidFill>
               </a:defRPr>
             </a:lvl6pPr>
-            <a:lvl7pPr indent="-317500" lvl="6" marL="3200400">
+            <a:lvl7pPr marL="3200400" lvl="6" indent="-317500">
               <a:lnSpc>
                 <a:spcPct val="115000"/>
               </a:lnSpc>
@@ -5618,7 +5895,7 @@
                 </a:solidFill>
               </a:defRPr>
             </a:lvl7pPr>
-            <a:lvl8pPr indent="-317500" lvl="7" marL="3657600">
+            <a:lvl8pPr marL="3657600" lvl="7" indent="-317500">
               <a:lnSpc>
                 <a:spcPct val="115000"/>
               </a:lnSpc>
@@ -5639,7 +5916,7 @@
                 </a:solidFill>
               </a:defRPr>
             </a:lvl8pPr>
-            <a:lvl9pPr indent="-317500" lvl="8" marL="4114800">
+            <a:lvl9pPr marL="4114800" lvl="8" indent="-317500">
               <a:lnSpc>
                 <a:spcPct val="115000"/>
               </a:lnSpc>
@@ -5661,15 +5938,19 @@
               </a:defRPr>
             </a:lvl9pPr>
           </a:lstStyle>
-          <a:p/>
+          <a:p>
+            <a:endParaRPr/>
+          </a:p>
         </p:txBody>
       </p:sp>
       <p:sp>
         <p:nvSpPr>
           <p:cNvPr id="8" name="Google Shape;8;p1"/>
-          <p:cNvSpPr txBox="1"/>
+          <p:cNvSpPr txBox="1">
+            <a:spLocks noGrp="1"/>
+          </p:cNvSpPr>
           <p:nvPr>
-            <p:ph idx="12" type="sldNum"/>
+            <p:ph type="sldNum" idx="12"/>
           </p:nvPr>
         </p:nvSpPr>
         <p:spPr>
@@ -5686,7 +5967,7 @@
           </a:ln>
         </p:spPr>
         <p:txBody>
-          <a:bodyPr anchorCtr="0" anchor="ctr" bIns="91425" lIns="91425" spcFirstLastPara="1" rIns="91425" wrap="square" tIns="91425">
+          <a:bodyPr spcFirstLastPara="1" wrap="square" lIns="91425" tIns="91425" rIns="91425" bIns="91425" anchor="ctr" anchorCtr="0">
             <a:noAutofit/>
           </a:bodyPr>
           <a:lstStyle>
@@ -5764,7 +6045,7 @@
             </a:lvl9pPr>
           </a:lstStyle>
           <a:p>
-            <a:pPr indent="0" lvl="0" marL="0" rtl="0" algn="r">
+            <a:pPr marL="0" lvl="0" indent="0" algn="r" rtl="0">
               <a:spcBef>
                 <a:spcPts val="0"/>
               </a:spcBef>
@@ -5783,7 +6064,7 @@
       </p:sp>
     </p:spTree>
   </p:cSld>
-  <p:clrMap accent1="accent1" accent2="accent2" accent3="accent3" accent4="accent4" accent5="accent5" accent6="accent6" bg1="lt1" bg2="dk2" tx1="dk1" tx2="lt2" folHlink="folHlink" hlink="hlink"/>
+  <p:clrMap bg1="lt1" tx1="dk1" bg2="dk2" tx2="lt2" accent1="accent1" accent2="accent2" accent3="accent3" accent4="accent4" accent5="accent5" accent6="accent6" hlink="hlink" folHlink="folHlink"/>
   <p:sldLayoutIdLst>
     <p:sldLayoutId id="2147483648" r:id="rId1"/>
     <p:sldLayoutId id="2147483649" r:id="rId2"/>
@@ -5797,10 +6078,10 @@
     <p:sldLayoutId id="2147483657" r:id="rId10"/>
     <p:sldLayoutId id="2147483658" r:id="rId11"/>
   </p:sldLayoutIdLst>
-  <p:hf dt="0" ftr="0" hdr="0" sldNum="0"/>
+  <p:hf sldNum="0" hdr="0" ftr="0" dt="0"/>
   <p:txStyles>
     <p:titleStyle>
-      <a:defPPr lvl="0" marR="0" rtl="0" algn="l">
+      <a:defPPr marR="0" lvl="0" algn="l" rtl="0">
         <a:lnSpc>
           <a:spcPct val="100000"/>
         </a:lnSpc>
@@ -5811,7 +6092,7 @@
           <a:spcPts val="0"/>
         </a:spcAft>
       </a:defPPr>
-      <a:lvl1pPr lvl="0" marR="0" rtl="0" algn="l">
+      <a:lvl1pPr marR="0" lvl="0" algn="l" rtl="0">
         <a:lnSpc>
           <a:spcPct val="100000"/>
         </a:lnSpc>
@@ -5825,7 +6106,7 @@
           <a:srgbClr val="000000"/>
         </a:buClr>
         <a:buFont typeface="Arial"/>
-        <a:defRPr b="0" i="0" sz="1400" u="none" cap="none" strike="noStrike">
+        <a:defRPr sz="1400" b="0" i="0" u="none" strike="noStrike" cap="none">
           <a:solidFill>
             <a:srgbClr val="000000"/>
           </a:solidFill>
@@ -5835,7 +6116,7 @@
           <a:sym typeface="Arial"/>
         </a:defRPr>
       </a:lvl1pPr>
-      <a:lvl2pPr lvl="1" marR="0" rtl="0" algn="l">
+      <a:lvl2pPr marR="0" lvl="1" algn="l" rtl="0">
         <a:lnSpc>
           <a:spcPct val="100000"/>
         </a:lnSpc>
@@ -5849,7 +6130,7 @@
           <a:srgbClr val="000000"/>
         </a:buClr>
         <a:buFont typeface="Arial"/>
-        <a:defRPr b="0" i="0" sz="1400" u="none" cap="none" strike="noStrike">
+        <a:defRPr sz="1400" b="0" i="0" u="none" strike="noStrike" cap="none">
           <a:solidFill>
             <a:srgbClr val="000000"/>
           </a:solidFill>
@@ -5859,7 +6140,7 @@
           <a:sym typeface="Arial"/>
         </a:defRPr>
       </a:lvl2pPr>
-      <a:lvl3pPr lvl="2" marR="0" rtl="0" algn="l">
+      <a:lvl3pPr marR="0" lvl="2" algn="l" rtl="0">
         <a:lnSpc>
           <a:spcPct val="100000"/>
         </a:lnSpc>
@@ -5873,7 +6154,7 @@
           <a:srgbClr val="000000"/>
         </a:buClr>
         <a:buFont typeface="Arial"/>
-        <a:defRPr b="0" i="0" sz="1400" u="none" cap="none" strike="noStrike">
+        <a:defRPr sz="1400" b="0" i="0" u="none" strike="noStrike" cap="none">
           <a:solidFill>
             <a:srgbClr val="000000"/>
           </a:solidFill>
@@ -5883,7 +6164,7 @@
           <a:sym typeface="Arial"/>
         </a:defRPr>
       </a:lvl3pPr>
-      <a:lvl4pPr lvl="3" marR="0" rtl="0" algn="l">
+      <a:lvl4pPr marR="0" lvl="3" algn="l" rtl="0">
         <a:lnSpc>
           <a:spcPct val="100000"/>
         </a:lnSpc>
@@ -5897,7 +6178,7 @@
           <a:srgbClr val="000000"/>
         </a:buClr>
         <a:buFont typeface="Arial"/>
-        <a:defRPr b="0" i="0" sz="1400" u="none" cap="none" strike="noStrike">
+        <a:defRPr sz="1400" b="0" i="0" u="none" strike="noStrike" cap="none">
           <a:solidFill>
             <a:srgbClr val="000000"/>
           </a:solidFill>
@@ -5907,7 +6188,7 @@
           <a:sym typeface="Arial"/>
         </a:defRPr>
       </a:lvl4pPr>
-      <a:lvl5pPr lvl="4" marR="0" rtl="0" algn="l">
+      <a:lvl5pPr marR="0" lvl="4" algn="l" rtl="0">
         <a:lnSpc>
           <a:spcPct val="100000"/>
         </a:lnSpc>
@@ -5921,7 +6202,7 @@
           <a:srgbClr val="000000"/>
         </a:buClr>
         <a:buFont typeface="Arial"/>
-        <a:defRPr b="0" i="0" sz="1400" u="none" cap="none" strike="noStrike">
+        <a:defRPr sz="1400" b="0" i="0" u="none" strike="noStrike" cap="none">
           <a:solidFill>
             <a:srgbClr val="000000"/>
           </a:solidFill>
@@ -5931,7 +6212,7 @@
           <a:sym typeface="Arial"/>
         </a:defRPr>
       </a:lvl5pPr>
-      <a:lvl6pPr lvl="5" marR="0" rtl="0" algn="l">
+      <a:lvl6pPr marR="0" lvl="5" algn="l" rtl="0">
         <a:lnSpc>
           <a:spcPct val="100000"/>
         </a:lnSpc>
@@ -5945,7 +6226,7 @@
           <a:srgbClr val="000000"/>
         </a:buClr>
         <a:buFont typeface="Arial"/>
-        <a:defRPr b="0" i="0" sz="1400" u="none" cap="none" strike="noStrike">
+        <a:defRPr sz="1400" b="0" i="0" u="none" strike="noStrike" cap="none">
           <a:solidFill>
             <a:srgbClr val="000000"/>
           </a:solidFill>
@@ -5955,7 +6236,7 @@
           <a:sym typeface="Arial"/>
         </a:defRPr>
       </a:lvl6pPr>
-      <a:lvl7pPr lvl="6" marR="0" rtl="0" algn="l">
+      <a:lvl7pPr marR="0" lvl="6" algn="l" rtl="0">
         <a:lnSpc>
           <a:spcPct val="100000"/>
         </a:lnSpc>
@@ -5969,7 +6250,7 @@
           <a:srgbClr val="000000"/>
         </a:buClr>
         <a:buFont typeface="Arial"/>
-        <a:defRPr b="0" i="0" sz="1400" u="none" cap="none" strike="noStrike">
+        <a:defRPr sz="1400" b="0" i="0" u="none" strike="noStrike" cap="none">
           <a:solidFill>
             <a:srgbClr val="000000"/>
           </a:solidFill>
@@ -5979,7 +6260,7 @@
           <a:sym typeface="Arial"/>
         </a:defRPr>
       </a:lvl7pPr>
-      <a:lvl8pPr lvl="7" marR="0" rtl="0" algn="l">
+      <a:lvl8pPr marR="0" lvl="7" algn="l" rtl="0">
         <a:lnSpc>
           <a:spcPct val="100000"/>
         </a:lnSpc>
@@ -5993,7 +6274,7 @@
           <a:srgbClr val="000000"/>
         </a:buClr>
         <a:buFont typeface="Arial"/>
-        <a:defRPr b="0" i="0" sz="1400" u="none" cap="none" strike="noStrike">
+        <a:defRPr sz="1400" b="0" i="0" u="none" strike="noStrike" cap="none">
           <a:solidFill>
             <a:srgbClr val="000000"/>
           </a:solidFill>
@@ -6003,7 +6284,7 @@
           <a:sym typeface="Arial"/>
         </a:defRPr>
       </a:lvl8pPr>
-      <a:lvl9pPr lvl="8" marR="0" rtl="0" algn="l">
+      <a:lvl9pPr marR="0" lvl="8" algn="l" rtl="0">
         <a:lnSpc>
           <a:spcPct val="100000"/>
         </a:lnSpc>
@@ -6017,7 +6298,7 @@
           <a:srgbClr val="000000"/>
         </a:buClr>
         <a:buFont typeface="Arial"/>
-        <a:defRPr b="0" i="0" sz="1400" u="none" cap="none" strike="noStrike">
+        <a:defRPr sz="1400" b="0" i="0" u="none" strike="noStrike" cap="none">
           <a:solidFill>
             <a:srgbClr val="000000"/>
           </a:solidFill>
@@ -6029,7 +6310,7 @@
       </a:lvl9pPr>
     </p:titleStyle>
     <p:bodyStyle>
-      <a:defPPr lvl="0" marR="0" rtl="0" algn="l">
+      <a:defPPr marR="0" lvl="0" algn="l" rtl="0">
         <a:lnSpc>
           <a:spcPct val="100000"/>
         </a:lnSpc>
@@ -6040,7 +6321,7 @@
           <a:spcPts val="0"/>
         </a:spcAft>
       </a:defPPr>
-      <a:lvl1pPr lvl="0" marR="0" rtl="0" algn="l">
+      <a:lvl1pPr marR="0" lvl="0" algn="l" rtl="0">
         <a:lnSpc>
           <a:spcPct val="100000"/>
         </a:lnSpc>
@@ -6054,7 +6335,7 @@
           <a:srgbClr val="000000"/>
         </a:buClr>
         <a:buFont typeface="Arial"/>
-        <a:defRPr b="0" i="0" sz="1400" u="none" cap="none" strike="noStrike">
+        <a:defRPr sz="1400" b="0" i="0" u="none" strike="noStrike" cap="none">
           <a:solidFill>
             <a:srgbClr val="000000"/>
           </a:solidFill>
@@ -6064,7 +6345,7 @@
           <a:sym typeface="Arial"/>
         </a:defRPr>
       </a:lvl1pPr>
-      <a:lvl2pPr lvl="1" marR="0" rtl="0" algn="l">
+      <a:lvl2pPr marR="0" lvl="1" algn="l" rtl="0">
         <a:lnSpc>
           <a:spcPct val="100000"/>
         </a:lnSpc>
@@ -6078,7 +6359,7 @@
           <a:srgbClr val="000000"/>
         </a:buClr>
         <a:buFont typeface="Arial"/>
-        <a:defRPr b="0" i="0" sz="1400" u="none" cap="none" strike="noStrike">
+        <a:defRPr sz="1400" b="0" i="0" u="none" strike="noStrike" cap="none">
           <a:solidFill>
             <a:srgbClr val="000000"/>
           </a:solidFill>
@@ -6088,7 +6369,7 @@
           <a:sym typeface="Arial"/>
         </a:defRPr>
       </a:lvl2pPr>
-      <a:lvl3pPr lvl="2" marR="0" rtl="0" algn="l">
+      <a:lvl3pPr marR="0" lvl="2" algn="l" rtl="0">
         <a:lnSpc>
           <a:spcPct val="100000"/>
         </a:lnSpc>
@@ -6102,7 +6383,7 @@
           <a:srgbClr val="000000"/>
         </a:buClr>
         <a:buFont typeface="Arial"/>
-        <a:defRPr b="0" i="0" sz="1400" u="none" cap="none" strike="noStrike">
+        <a:defRPr sz="1400" b="0" i="0" u="none" strike="noStrike" cap="none">
           <a:solidFill>
             <a:srgbClr val="000000"/>
           </a:solidFill>
@@ -6112,7 +6393,7 @@
           <a:sym typeface="Arial"/>
         </a:defRPr>
       </a:lvl3pPr>
-      <a:lvl4pPr lvl="3" marR="0" rtl="0" algn="l">
+      <a:lvl4pPr marR="0" lvl="3" algn="l" rtl="0">
         <a:lnSpc>
           <a:spcPct val="100000"/>
         </a:lnSpc>
@@ -6126,7 +6407,7 @@
           <a:srgbClr val="000000"/>
         </a:buClr>
         <a:buFont typeface="Arial"/>
-        <a:defRPr b="0" i="0" sz="1400" u="none" cap="none" strike="noStrike">
+        <a:defRPr sz="1400" b="0" i="0" u="none" strike="noStrike" cap="none">
           <a:solidFill>
             <a:srgbClr val="000000"/>
           </a:solidFill>
@@ -6136,7 +6417,7 @@
           <a:sym typeface="Arial"/>
         </a:defRPr>
       </a:lvl4pPr>
-      <a:lvl5pPr lvl="4" marR="0" rtl="0" algn="l">
+      <a:lvl5pPr marR="0" lvl="4" algn="l" rtl="0">
         <a:lnSpc>
           <a:spcPct val="100000"/>
         </a:lnSpc>
@@ -6150,7 +6431,7 @@
           <a:srgbClr val="000000"/>
         </a:buClr>
         <a:buFont typeface="Arial"/>
-        <a:defRPr b="0" i="0" sz="1400" u="none" cap="none" strike="noStrike">
+        <a:defRPr sz="1400" b="0" i="0" u="none" strike="noStrike" cap="none">
           <a:solidFill>
             <a:srgbClr val="000000"/>
           </a:solidFill>
@@ -6160,7 +6441,7 @@
           <a:sym typeface="Arial"/>
         </a:defRPr>
       </a:lvl5pPr>
-      <a:lvl6pPr lvl="5" marR="0" rtl="0" algn="l">
+      <a:lvl6pPr marR="0" lvl="5" algn="l" rtl="0">
         <a:lnSpc>
           <a:spcPct val="100000"/>
         </a:lnSpc>
@@ -6174,7 +6455,7 @@
           <a:srgbClr val="000000"/>
         </a:buClr>
         <a:buFont typeface="Arial"/>
-        <a:defRPr b="0" i="0" sz="1400" u="none" cap="none" strike="noStrike">
+        <a:defRPr sz="1400" b="0" i="0" u="none" strike="noStrike" cap="none">
           <a:solidFill>
             <a:srgbClr val="000000"/>
           </a:solidFill>
@@ -6184,7 +6465,7 @@
           <a:sym typeface="Arial"/>
         </a:defRPr>
       </a:lvl6pPr>
-      <a:lvl7pPr lvl="6" marR="0" rtl="0" algn="l">
+      <a:lvl7pPr marR="0" lvl="6" algn="l" rtl="0">
         <a:lnSpc>
           <a:spcPct val="100000"/>
         </a:lnSpc>
@@ -6198,7 +6479,7 @@
           <a:srgbClr val="000000"/>
         </a:buClr>
         <a:buFont typeface="Arial"/>
-        <a:defRPr b="0" i="0" sz="1400" u="none" cap="none" strike="noStrike">
+        <a:defRPr sz="1400" b="0" i="0" u="none" strike="noStrike" cap="none">
           <a:solidFill>
             <a:srgbClr val="000000"/>
           </a:solidFill>
@@ -6208,7 +6489,7 @@
           <a:sym typeface="Arial"/>
         </a:defRPr>
       </a:lvl7pPr>
-      <a:lvl8pPr lvl="7" marR="0" rtl="0" algn="l">
+      <a:lvl8pPr marR="0" lvl="7" algn="l" rtl="0">
         <a:lnSpc>
           <a:spcPct val="100000"/>
         </a:lnSpc>
@@ -6222,7 +6503,7 @@
           <a:srgbClr val="000000"/>
         </a:buClr>
         <a:buFont typeface="Arial"/>
-        <a:defRPr b="0" i="0" sz="1400" u="none" cap="none" strike="noStrike">
+        <a:defRPr sz="1400" b="0" i="0" u="none" strike="noStrike" cap="none">
           <a:solidFill>
             <a:srgbClr val="000000"/>
           </a:solidFill>
@@ -6232,7 +6513,7 @@
           <a:sym typeface="Arial"/>
         </a:defRPr>
       </a:lvl8pPr>
-      <a:lvl9pPr lvl="8" marR="0" rtl="0" algn="l">
+      <a:lvl9pPr marR="0" lvl="8" algn="l" rtl="0">
         <a:lnSpc>
           <a:spcPct val="100000"/>
         </a:lnSpc>
@@ -6246,7 +6527,7 @@
           <a:srgbClr val="000000"/>
         </a:buClr>
         <a:buFont typeface="Arial"/>
-        <a:defRPr b="0" i="0" sz="1400" u="none" cap="none" strike="noStrike">
+        <a:defRPr sz="1400" b="0" i="0" u="none" strike="noStrike" cap="none">
           <a:solidFill>
             <a:srgbClr val="000000"/>
           </a:solidFill>
@@ -6258,7 +6539,7 @@
       </a:lvl9pPr>
     </p:bodyStyle>
     <p:otherStyle>
-      <a:defPPr lvl="0" marR="0" rtl="0" algn="l">
+      <a:defPPr marR="0" lvl="0" algn="l" rtl="0">
         <a:lnSpc>
           <a:spcPct val="100000"/>
         </a:lnSpc>
@@ -6269,7 +6550,7 @@
           <a:spcPts val="0"/>
         </a:spcAft>
       </a:defPPr>
-      <a:lvl1pPr lvl="0" marR="0" rtl="0" algn="l">
+      <a:lvl1pPr marR="0" lvl="0" algn="l" rtl="0">
         <a:lnSpc>
           <a:spcPct val="100000"/>
         </a:lnSpc>
@@ -6283,7 +6564,7 @@
           <a:srgbClr val="000000"/>
         </a:buClr>
         <a:buFont typeface="Arial"/>
-        <a:defRPr b="0" i="0" sz="1400" u="none" cap="none" strike="noStrike">
+        <a:defRPr sz="1400" b="0" i="0" u="none" strike="noStrike" cap="none">
           <a:solidFill>
             <a:srgbClr val="000000"/>
           </a:solidFill>
@@ -6293,7 +6574,7 @@
           <a:sym typeface="Arial"/>
         </a:defRPr>
       </a:lvl1pPr>
-      <a:lvl2pPr lvl="1" marR="0" rtl="0" algn="l">
+      <a:lvl2pPr marR="0" lvl="1" algn="l" rtl="0">
         <a:lnSpc>
           <a:spcPct val="100000"/>
         </a:lnSpc>
@@ -6307,7 +6588,7 @@
           <a:srgbClr val="000000"/>
         </a:buClr>
         <a:buFont typeface="Arial"/>
-        <a:defRPr b="0" i="0" sz="1400" u="none" cap="none" strike="noStrike">
+        <a:defRPr sz="1400" b="0" i="0" u="none" strike="noStrike" cap="none">
           <a:solidFill>
             <a:srgbClr val="000000"/>
           </a:solidFill>
@@ -6317,7 +6598,7 @@
           <a:sym typeface="Arial"/>
         </a:defRPr>
       </a:lvl2pPr>
-      <a:lvl3pPr lvl="2" marR="0" rtl="0" algn="l">
+      <a:lvl3pPr marR="0" lvl="2" algn="l" rtl="0">
         <a:lnSpc>
           <a:spcPct val="100000"/>
         </a:lnSpc>
@@ -6331,7 +6612,7 @@
           <a:srgbClr val="000000"/>
         </a:buClr>
         <a:buFont typeface="Arial"/>
-        <a:defRPr b="0" i="0" sz="1400" u="none" cap="none" strike="noStrike">
+        <a:defRPr sz="1400" b="0" i="0" u="none" strike="noStrike" cap="none">
           <a:solidFill>
             <a:srgbClr val="000000"/>
           </a:solidFill>
@@ -6341,7 +6622,7 @@
           <a:sym typeface="Arial"/>
         </a:defRPr>
       </a:lvl3pPr>
-      <a:lvl4pPr lvl="3" marR="0" rtl="0" algn="l">
+      <a:lvl4pPr marR="0" lvl="3" algn="l" rtl="0">
         <a:lnSpc>
           <a:spcPct val="100000"/>
         </a:lnSpc>
@@ -6355,7 +6636,7 @@
           <a:srgbClr val="000000"/>
         </a:buClr>
         <a:buFont typeface="Arial"/>
-        <a:defRPr b="0" i="0" sz="1400" u="none" cap="none" strike="noStrike">
+        <a:defRPr sz="1400" b="0" i="0" u="none" strike="noStrike" cap="none">
           <a:solidFill>
             <a:srgbClr val="000000"/>
           </a:solidFill>
@@ -6365,7 +6646,7 @@
           <a:sym typeface="Arial"/>
         </a:defRPr>
       </a:lvl4pPr>
-      <a:lvl5pPr lvl="4" marR="0" rtl="0" algn="l">
+      <a:lvl5pPr marR="0" lvl="4" algn="l" rtl="0">
         <a:lnSpc>
           <a:spcPct val="100000"/>
         </a:lnSpc>
@@ -6379,7 +6660,7 @@
           <a:srgbClr val="000000"/>
         </a:buClr>
         <a:buFont typeface="Arial"/>
-        <a:defRPr b="0" i="0" sz="1400" u="none" cap="none" strike="noStrike">
+        <a:defRPr sz="1400" b="0" i="0" u="none" strike="noStrike" cap="none">
           <a:solidFill>
             <a:srgbClr val="000000"/>
           </a:solidFill>
@@ -6389,7 +6670,7 @@
           <a:sym typeface="Arial"/>
         </a:defRPr>
       </a:lvl5pPr>
-      <a:lvl6pPr lvl="5" marR="0" rtl="0" algn="l">
+      <a:lvl6pPr marR="0" lvl="5" algn="l" rtl="0">
         <a:lnSpc>
           <a:spcPct val="100000"/>
         </a:lnSpc>
@@ -6403,7 +6684,7 @@
           <a:srgbClr val="000000"/>
         </a:buClr>
         <a:buFont typeface="Arial"/>
-        <a:defRPr b="0" i="0" sz="1400" u="none" cap="none" strike="noStrike">
+        <a:defRPr sz="1400" b="0" i="0" u="none" strike="noStrike" cap="none">
           <a:solidFill>
             <a:srgbClr val="000000"/>
           </a:solidFill>
@@ -6413,7 +6694,7 @@
           <a:sym typeface="Arial"/>
         </a:defRPr>
       </a:lvl6pPr>
-      <a:lvl7pPr lvl="6" marR="0" rtl="0" algn="l">
+      <a:lvl7pPr marR="0" lvl="6" algn="l" rtl="0">
         <a:lnSpc>
           <a:spcPct val="100000"/>
         </a:lnSpc>
@@ -6427,7 +6708,7 @@
           <a:srgbClr val="000000"/>
         </a:buClr>
         <a:buFont typeface="Arial"/>
-        <a:defRPr b="0" i="0" sz="1400" u="none" cap="none" strike="noStrike">
+        <a:defRPr sz="1400" b="0" i="0" u="none" strike="noStrike" cap="none">
           <a:solidFill>
             <a:srgbClr val="000000"/>
           </a:solidFill>
@@ -6437,7 +6718,7 @@
           <a:sym typeface="Arial"/>
         </a:defRPr>
       </a:lvl7pPr>
-      <a:lvl8pPr lvl="7" marR="0" rtl="0" algn="l">
+      <a:lvl8pPr marR="0" lvl="7" algn="l" rtl="0">
         <a:lnSpc>
           <a:spcPct val="100000"/>
         </a:lnSpc>
@@ -6451,7 +6732,7 @@
           <a:srgbClr val="000000"/>
         </a:buClr>
         <a:buFont typeface="Arial"/>
-        <a:defRPr b="0" i="0" sz="1400" u="none" cap="none" strike="noStrike">
+        <a:defRPr sz="1400" b="0" i="0" u="none" strike="noStrike" cap="none">
           <a:solidFill>
             <a:srgbClr val="000000"/>
           </a:solidFill>
@@ -6461,7 +6742,7 @@
           <a:sym typeface="Arial"/>
         </a:defRPr>
       </a:lvl8pPr>
-      <a:lvl9pPr lvl="8" marR="0" rtl="0" algn="l">
+      <a:lvl9pPr marR="0" lvl="8" algn="l" rtl="0">
         <a:lnSpc>
           <a:spcPct val="100000"/>
         </a:lnSpc>
@@ -6475,7 +6756,7 @@
           <a:srgbClr val="000000"/>
         </a:buClr>
         <a:buFont typeface="Arial"/>
-        <a:defRPr b="0" i="0" sz="1400" u="none" cap="none" strike="noStrike">
+        <a:defRPr sz="1400" b="0" i="0" u="none" strike="noStrike" cap="none">
           <a:solidFill>
             <a:srgbClr val="000000"/>
           </a:solidFill>
@@ -6491,11 +6772,11 @@
 </file>
 
 <file path=ppt/slides/slide1.xml><?xml version="1.0" encoding="utf-8"?>
-<p:sld xmlns:a="http://schemas.openxmlformats.org/drawingml/2006/main" xmlns:r="http://schemas.openxmlformats.org/officeDocument/2006/relationships" xmlns:mc="http://schemas.openxmlformats.org/markup-compatibility/2006" xmlns:mv="urn:schemas-microsoft-com:mac:vml" xmlns:p="http://schemas.openxmlformats.org/presentationml/2006/main" xmlns:c="http://schemas.openxmlformats.org/drawingml/2006/chart" xmlns:dgm="http://schemas.openxmlformats.org/drawingml/2006/diagram" xmlns:o="urn:schemas-microsoft-com:office:office" xmlns:v="urn:schemas-microsoft-com:vml" xmlns:pvml="urn:schemas-microsoft-com:office:powerpoint" xmlns:com="http://schemas.openxmlformats.org/drawingml/2006/compatibility" xmlns:p14="http://schemas.microsoft.com/office/powerpoint/2010/main" xmlns:p15="http://schemas.microsoft.com/office/powerpoint/2012/main" xmlns:ahyp="http://schemas.microsoft.com/office/drawing/2018/hyperlinkcolor">
+<p:sld xmlns:a="http://schemas.openxmlformats.org/drawingml/2006/main" xmlns:r="http://schemas.openxmlformats.org/officeDocument/2006/relationships" xmlns:p="http://schemas.openxmlformats.org/presentationml/2006/main">
   <p:cSld>
     <p:spTree>
       <p:nvGrpSpPr>
-        <p:cNvPr id="53" name="Shape 53"/>
+        <p:cNvPr id="1" name=""/>
         <p:cNvGrpSpPr/>
         <p:nvPr/>
       </p:nvGrpSpPr>
@@ -6509,113 +6790,224 @@
       </p:grpSpPr>
       <p:sp>
         <p:nvSpPr>
-          <p:cNvPr id="54" name="Google Shape;54;p13"/>
-          <p:cNvSpPr txBox="1"/>
+          <p:cNvPr id="2" name="Title 1"/>
+          <p:cNvSpPr>
+            <a:spLocks noGrp="1"/>
+          </p:cNvSpPr>
           <p:nvPr>
             <p:ph type="ctrTitle"/>
           </p:nvPr>
         </p:nvSpPr>
         <p:spPr>
           <a:xfrm>
-            <a:off x="311708" y="744575"/>
-            <a:ext cx="8520600" cy="2052600"/>
-          </a:xfrm>
-          <a:prstGeom prst="rect">
-            <a:avLst/>
-          </a:prstGeom>
+            <a:off x="566059" y="0"/>
+            <a:ext cx="8011886" cy="5143500"/>
+          </a:xfrm>
         </p:spPr>
         <p:txBody>
-          <a:bodyPr anchorCtr="0" anchor="b" bIns="91425" lIns="91425" spcFirstLastPara="1" rIns="91425" wrap="square" tIns="91425">
+          <a:bodyPr anchor="ctr">
             <a:noAutofit/>
           </a:bodyPr>
           <a:lstStyle/>
           <a:p>
-            <a:pPr indent="0" lvl="0" marL="0" rtl="0" algn="ctr">
-              <a:spcBef>
-                <a:spcPts val="0"/>
-              </a:spcBef>
-              <a:spcAft>
-                <a:spcPts val="0"/>
-              </a:spcAft>
-              <a:buNone/>
+            <a:pPr algn="l" fontAlgn="ctr">
+              <a:lnSpc>
+                <a:spcPct val="150000"/>
+              </a:lnSpc>
             </a:pPr>
             <a:r>
-              <a:rPr lang="en" sz="4500"/>
-              <a:t>Multiprocessor caching and</a:t>
+              <a:rPr lang="en-US" sz="2700" b="1" dirty="0">
+                <a:latin typeface="Times New Roman" charset="0"/>
+                <a:ea typeface="Times New Roman" charset="0"/>
+                <a:cs typeface="Times New Roman" charset="0"/>
+              </a:rPr>
+              <a:t>Blue Waters Petascale</a:t>
             </a:r>
-            <a:endParaRPr sz="4500"/>
-          </a:p>
-          <a:p>
-            <a:pPr indent="0" lvl="0" marL="0" rtl="0" algn="ctr">
-              <a:spcBef>
-                <a:spcPts val="0"/>
-              </a:spcBef>
-              <a:spcAft>
-                <a:spcPts val="0"/>
-              </a:spcAft>
-              <a:buNone/>
-            </a:pPr>
             <a:r>
-              <a:rPr lang="en" sz="4500"/>
-              <a:t>false sharing</a:t>
+              <a:rPr lang="en-US" sz="2700" b="1" dirty="0">
+                <a:latin typeface="Times New Roman" charset="0"/>
+                <a:ea typeface="Times New Roman" charset="0"/>
+                <a:cs typeface="Times New Roman" charset="0"/>
+              </a:rPr>
+              <a:t> Semester Curriculum v1.0</a:t>
             </a:r>
-            <a:endParaRPr sz="4500"/>
-          </a:p>
-        </p:txBody>
-      </p:sp>
-      <p:sp>
-        <p:nvSpPr>
-          <p:cNvPr id="55" name="Google Shape;55;p13"/>
-          <p:cNvSpPr txBox="1"/>
-          <p:nvPr>
-            <p:ph idx="1" type="subTitle"/>
-          </p:nvPr>
-        </p:nvSpPr>
-        <p:spPr>
-          <a:xfrm>
-            <a:off x="311700" y="2834125"/>
-            <a:ext cx="8520600" cy="792600"/>
-          </a:xfrm>
-          <a:prstGeom prst="rect">
-            <a:avLst/>
-          </a:prstGeom>
-        </p:spPr>
-        <p:txBody>
-          <a:bodyPr anchorCtr="0" anchor="t" bIns="91425" lIns="91425" spcFirstLastPara="1" rIns="91425" wrap="square" tIns="91425">
-            <a:noAutofit/>
-          </a:bodyPr>
-          <a:lstStyle/>
-          <a:p>
-            <a:pPr indent="0" lvl="0" marL="0" rtl="0" algn="ctr">
-              <a:spcBef>
-                <a:spcPts val="0"/>
-              </a:spcBef>
-              <a:spcAft>
-                <a:spcPts val="0"/>
-              </a:spcAft>
-              <a:buNone/>
-            </a:pPr>
             <a:r>
+              <a:rPr lang="en-US" sz="2700" dirty="0">
+                <a:latin typeface="Times New Roman" charset="0"/>
+                <a:ea typeface="Times New Roman" charset="0"/>
+                <a:cs typeface="Times New Roman" charset="0"/>
+              </a:rPr>
               <a:t/>
             </a:r>
-            <a:endParaRPr/>
+            <a:br>
+              <a:rPr lang="en-US" sz="2700" dirty="0">
+                <a:latin typeface="Times New Roman" charset="0"/>
+                <a:ea typeface="Times New Roman" charset="0"/>
+                <a:cs typeface="Times New Roman" charset="0"/>
+              </a:rPr>
+            </a:br>
+            <a:r>
+              <a:rPr lang="en-US" sz="2700" b="1" dirty="0">
+                <a:latin typeface="Times New Roman" charset="0"/>
+                <a:ea typeface="Times New Roman" charset="0"/>
+                <a:cs typeface="Times New Roman" charset="0"/>
+              </a:rPr>
+              <a:t>Unit </a:t>
+            </a:r>
+            <a:r>
+              <a:rPr lang="en-US" sz="2700" b="1" dirty="0">
+                <a:latin typeface="Times New Roman" charset="0"/>
+                <a:ea typeface="Times New Roman" charset="0"/>
+                <a:cs typeface="Times New Roman" charset="0"/>
+              </a:rPr>
+              <a:t>9</a:t>
+            </a:r>
+            <a:r>
+              <a:rPr lang="en-US" sz="2700" b="1" dirty="0">
+                <a:latin typeface="Times New Roman" charset="0"/>
+                <a:ea typeface="Times New Roman" charset="0"/>
+                <a:cs typeface="Times New Roman" charset="0"/>
+              </a:rPr>
+              <a:t>: </a:t>
+            </a:r>
+            <a:r>
+              <a:rPr lang="en-US" sz="2700" b="1" dirty="0">
+                <a:latin typeface="Times New Roman" charset="0"/>
+                <a:ea typeface="Times New Roman" charset="0"/>
+                <a:cs typeface="Times New Roman" charset="0"/>
+              </a:rPr>
+              <a:t>Optimization</a:t>
+            </a:r>
+            <a:br>
+              <a:rPr lang="en-US" sz="2700" b="1" dirty="0">
+                <a:latin typeface="Times New Roman" charset="0"/>
+                <a:ea typeface="Times New Roman" charset="0"/>
+                <a:cs typeface="Times New Roman" charset="0"/>
+              </a:rPr>
+            </a:br>
+            <a:r>
+              <a:rPr lang="en-US" sz="2700" b="1" dirty="0">
+                <a:latin typeface="Times New Roman" charset="0"/>
+                <a:ea typeface="Times New Roman" charset="0"/>
+                <a:cs typeface="Times New Roman" charset="0"/>
+              </a:rPr>
+              <a:t>Lesson </a:t>
+            </a:r>
+            <a:r>
+              <a:rPr lang="en-US" sz="2700" b="1" dirty="0" smtClean="0">
+                <a:latin typeface="Times New Roman" charset="0"/>
+                <a:ea typeface="Times New Roman" charset="0"/>
+                <a:cs typeface="Times New Roman" charset="0"/>
+              </a:rPr>
+              <a:t>4</a:t>
+            </a:r>
+            <a:r>
+              <a:rPr lang="en-US" sz="2700" b="1" dirty="0">
+                <a:latin typeface="Times New Roman" charset="0"/>
+                <a:ea typeface="Times New Roman" charset="0"/>
+                <a:cs typeface="Times New Roman" charset="0"/>
+              </a:rPr>
+              <a:t>: Multiprocessor Caching and False </a:t>
+            </a:r>
+            <a:r>
+              <a:rPr lang="en-US" sz="2700" b="1" dirty="0" smtClean="0">
+                <a:latin typeface="Times New Roman" charset="0"/>
+                <a:ea typeface="Times New Roman" charset="0"/>
+                <a:cs typeface="Times New Roman" charset="0"/>
+              </a:rPr>
+              <a:t>Sharing</a:t>
+            </a:r>
+            <a:br>
+              <a:rPr lang="en-US" sz="2700" b="1" dirty="0" smtClean="0">
+                <a:latin typeface="Times New Roman" charset="0"/>
+                <a:ea typeface="Times New Roman" charset="0"/>
+                <a:cs typeface="Times New Roman" charset="0"/>
+              </a:rPr>
+            </a:br>
+            <a:r>
+              <a:rPr lang="en-US" sz="2700" i="1" dirty="0" smtClean="0">
+                <a:latin typeface="Times New Roman" charset="0"/>
+                <a:ea typeface="Times New Roman" charset="0"/>
+                <a:cs typeface="Times New Roman" charset="0"/>
+              </a:rPr>
+              <a:t>Developed </a:t>
+            </a:r>
+            <a:r>
+              <a:rPr lang="en-US" sz="2700" i="1" dirty="0">
+                <a:latin typeface="Times New Roman" charset="0"/>
+                <a:ea typeface="Times New Roman" charset="0"/>
+                <a:cs typeface="Times New Roman" charset="0"/>
+              </a:rPr>
+              <a:t>by </a:t>
+            </a:r>
+            <a:r>
+              <a:rPr lang="en-US" sz="2700" i="1" dirty="0">
+                <a:latin typeface="Times New Roman" charset="0"/>
+                <a:ea typeface="Times New Roman" charset="0"/>
+                <a:cs typeface="Times New Roman" charset="0"/>
+              </a:rPr>
+              <a:t>David P. </a:t>
+            </a:r>
+            <a:r>
+              <a:rPr lang="en-US" sz="2700" i="1" dirty="0" err="1" smtClean="0">
+                <a:latin typeface="Times New Roman" charset="0"/>
+                <a:ea typeface="Times New Roman" charset="0"/>
+                <a:cs typeface="Times New Roman" charset="0"/>
+              </a:rPr>
+              <a:t>Bunde</a:t>
+            </a:r>
+            <a:r>
+              <a:rPr lang="en-US" sz="2700" i="1" dirty="0">
+                <a:latin typeface="Times New Roman" charset="0"/>
+                <a:ea typeface="Times New Roman" charset="0"/>
+                <a:cs typeface="Times New Roman" charset="0"/>
+              </a:rPr>
+              <a:t/>
+            </a:r>
+            <a:br>
+              <a:rPr lang="en-US" sz="2700" i="1" dirty="0">
+                <a:latin typeface="Times New Roman" charset="0"/>
+                <a:ea typeface="Times New Roman" charset="0"/>
+                <a:cs typeface="Times New Roman" charset="0"/>
+              </a:rPr>
+            </a:br>
+            <a:r>
+              <a:rPr lang="en-US" sz="2700" i="1" dirty="0">
+                <a:latin typeface="Times New Roman" charset="0"/>
+                <a:ea typeface="Times New Roman" charset="0"/>
+                <a:cs typeface="Times New Roman" charset="0"/>
+              </a:rPr>
+              <a:t>for the Shodor Education Foundation, Inc.</a:t>
+            </a:r>
           </a:p>
         </p:txBody>
       </p:sp>
     </p:spTree>
+    <p:extLst>
+      <p:ext uri="{BB962C8B-B14F-4D97-AF65-F5344CB8AC3E}">
+        <p14:creationId xmlns:p14="http://schemas.microsoft.com/office/powerpoint/2010/main" val="335082176"/>
+      </p:ext>
+    </p:extLst>
   </p:cSld>
   <p:clrMapOvr>
     <a:masterClrMapping/>
   </p:clrMapOvr>
+  <p:timing>
+    <p:tnLst>
+      <p:par>
+        <p:cTn id="1" dur="indefinite" restart="never" nodeType="tmRoot"/>
+      </p:par>
+    </p:tnLst>
+  </p:timing>
 </p:sld>
 </file>
 
 <file path=ppt/slides/slide10.xml><?xml version="1.0" encoding="utf-8"?>
-<p:sld xmlns:a="http://schemas.openxmlformats.org/drawingml/2006/main" xmlns:r="http://schemas.openxmlformats.org/officeDocument/2006/relationships" xmlns:mc="http://schemas.openxmlformats.org/markup-compatibility/2006" xmlns:mv="urn:schemas-microsoft-com:mac:vml" xmlns:p="http://schemas.openxmlformats.org/presentationml/2006/main" xmlns:c="http://schemas.openxmlformats.org/drawingml/2006/chart" xmlns:dgm="http://schemas.openxmlformats.org/drawingml/2006/diagram" xmlns:o="urn:schemas-microsoft-com:office:office" xmlns:v="urn:schemas-microsoft-com:vml" xmlns:pvml="urn:schemas-microsoft-com:office:powerpoint" xmlns:com="http://schemas.openxmlformats.org/drawingml/2006/compatibility" xmlns:p14="http://schemas.microsoft.com/office/powerpoint/2010/main" xmlns:p15="http://schemas.microsoft.com/office/powerpoint/2012/main" xmlns:ahyp="http://schemas.microsoft.com/office/drawing/2018/hyperlinkcolor">
+<p:sld xmlns:a="http://schemas.openxmlformats.org/drawingml/2006/main" xmlns:r="http://schemas.openxmlformats.org/officeDocument/2006/relationships" xmlns:p="http://schemas.openxmlformats.org/presentationml/2006/main">
   <p:cSld>
     <p:spTree>
       <p:nvGrpSpPr>
-        <p:cNvPr id="142" name="Shape 142"/>
+        <p:cNvPr id="1" name="Shape 120"/>
         <p:cNvGrpSpPr/>
         <p:nvPr/>
       </p:nvGrpSpPr>
@@ -6629,8 +7021,10 @@
       </p:grpSpPr>
       <p:sp>
         <p:nvSpPr>
-          <p:cNvPr id="143" name="Google Shape;143;p22"/>
-          <p:cNvSpPr txBox="1"/>
+          <p:cNvPr id="121" name="Google Shape;121;p20"/>
+          <p:cNvSpPr txBox="1">
+            <a:spLocks noGrp="1"/>
+          </p:cNvSpPr>
           <p:nvPr>
             <p:ph type="title"/>
           </p:nvPr>
@@ -6645,12 +7039,671 @@
           </a:prstGeom>
         </p:spPr>
         <p:txBody>
-          <a:bodyPr anchorCtr="0" anchor="t" bIns="91425" lIns="91425" spcFirstLastPara="1" rIns="91425" wrap="square" tIns="91425">
+          <a:bodyPr spcFirstLastPara="1" wrap="square" lIns="91425" tIns="91425" rIns="91425" bIns="91425" anchor="t" anchorCtr="0">
             <a:noAutofit/>
           </a:bodyPr>
           <a:lstStyle/>
           <a:p>
-            <a:pPr indent="0" lvl="0" marL="0" rtl="0" algn="ctr">
+            <a:pPr marL="0" lvl="0" indent="0" algn="ctr" rtl="0">
+              <a:spcBef>
+                <a:spcPts val="0"/>
+              </a:spcBef>
+              <a:spcAft>
+                <a:spcPts val="0"/>
+              </a:spcAft>
+              <a:buNone/>
+            </a:pPr>
+            <a:r>
+              <a:rPr lang="en"/>
+              <a:t>Cache coherence</a:t>
+            </a:r>
+            <a:endParaRPr/>
+          </a:p>
+        </p:txBody>
+      </p:sp>
+      <p:pic>
+        <p:nvPicPr>
+          <p:cNvPr id="122" name="Google Shape;122;p20"/>
+          <p:cNvPicPr preferRelativeResize="0"/>
+          <p:nvPr/>
+        </p:nvPicPr>
+        <p:blipFill>
+          <a:blip r:embed="rId3">
+            <a:alphaModFix/>
+          </a:blip>
+          <a:stretch>
+            <a:fillRect/>
+          </a:stretch>
+        </p:blipFill>
+        <p:spPr>
+          <a:xfrm>
+            <a:off x="4621700" y="1345725"/>
+            <a:ext cx="3849750" cy="2513475"/>
+          </a:xfrm>
+          <a:prstGeom prst="rect">
+            <a:avLst/>
+          </a:prstGeom>
+          <a:noFill/>
+          <a:ln>
+            <a:noFill/>
+          </a:ln>
+        </p:spPr>
+      </p:pic>
+      <p:sp>
+        <p:nvSpPr>
+          <p:cNvPr id="123" name="Google Shape;123;p20"/>
+          <p:cNvSpPr/>
+          <p:nvPr/>
+        </p:nvSpPr>
+        <p:spPr>
+          <a:xfrm>
+            <a:off x="8055900" y="2684550"/>
+            <a:ext cx="298200" cy="129300"/>
+          </a:xfrm>
+          <a:prstGeom prst="roundRect">
+            <a:avLst>
+              <a:gd name="adj" fmla="val 16667"/>
+            </a:avLst>
+          </a:prstGeom>
+          <a:solidFill>
+            <a:srgbClr val="4A86E8"/>
+          </a:solidFill>
+          <a:ln w="9525" cap="flat" cmpd="sng">
+            <a:solidFill>
+              <a:schemeClr val="dk2"/>
+            </a:solidFill>
+            <a:prstDash val="solid"/>
+            <a:round/>
+            <a:headEnd type="none" w="sm" len="sm"/>
+            <a:tailEnd type="none" w="sm" len="sm"/>
+          </a:ln>
+        </p:spPr>
+        <p:txBody>
+          <a:bodyPr spcFirstLastPara="1" wrap="square" lIns="91425" tIns="91425" rIns="91425" bIns="91425" anchor="ctr" anchorCtr="0">
+            <a:noAutofit/>
+          </a:bodyPr>
+          <a:lstStyle/>
+          <a:p>
+            <a:pPr marL="0" lvl="0" indent="0" algn="l" rtl="0">
+              <a:spcBef>
+                <a:spcPts val="0"/>
+              </a:spcBef>
+              <a:spcAft>
+                <a:spcPts val="0"/>
+              </a:spcAft>
+              <a:buNone/>
+            </a:pPr>
+            <a:endParaRPr/>
+          </a:p>
+        </p:txBody>
+      </p:sp>
+      <p:sp>
+        <p:nvSpPr>
+          <p:cNvPr id="124" name="Google Shape;124;p20"/>
+          <p:cNvSpPr/>
+          <p:nvPr/>
+        </p:nvSpPr>
+        <p:spPr>
+          <a:xfrm>
+            <a:off x="5226225" y="1955625"/>
+            <a:ext cx="195600" cy="318000"/>
+          </a:xfrm>
+          <a:prstGeom prst="downArrow">
+            <a:avLst>
+              <a:gd name="adj1" fmla="val 50000"/>
+              <a:gd name="adj2" fmla="val 50000"/>
+            </a:avLst>
+          </a:prstGeom>
+          <a:solidFill>
+            <a:srgbClr val="4A86E8"/>
+          </a:solidFill>
+          <a:ln w="9525" cap="flat" cmpd="sng">
+            <a:solidFill>
+              <a:schemeClr val="dk2"/>
+            </a:solidFill>
+            <a:prstDash val="solid"/>
+            <a:round/>
+            <a:headEnd type="none" w="sm" len="sm"/>
+            <a:tailEnd type="none" w="sm" len="sm"/>
+          </a:ln>
+        </p:spPr>
+        <p:txBody>
+          <a:bodyPr spcFirstLastPara="1" wrap="square" lIns="91425" tIns="91425" rIns="91425" bIns="91425" anchor="ctr" anchorCtr="0">
+            <a:noAutofit/>
+          </a:bodyPr>
+          <a:lstStyle/>
+          <a:p>
+            <a:pPr marL="0" lvl="0" indent="0" algn="l" rtl="0">
+              <a:spcBef>
+                <a:spcPts val="0"/>
+              </a:spcBef>
+              <a:spcAft>
+                <a:spcPts val="0"/>
+              </a:spcAft>
+              <a:buNone/>
+            </a:pPr>
+            <a:endParaRPr/>
+          </a:p>
+        </p:txBody>
+      </p:sp>
+      <p:sp>
+        <p:nvSpPr>
+          <p:cNvPr id="125" name="Google Shape;125;p20"/>
+          <p:cNvSpPr txBox="1"/>
+          <p:nvPr/>
+        </p:nvSpPr>
+        <p:spPr>
+          <a:xfrm>
+            <a:off x="4572000" y="1886075"/>
+            <a:ext cx="764700" cy="318000"/>
+          </a:xfrm>
+          <a:prstGeom prst="rect">
+            <a:avLst/>
+          </a:prstGeom>
+          <a:noFill/>
+          <a:ln>
+            <a:noFill/>
+          </a:ln>
+        </p:spPr>
+        <p:txBody>
+          <a:bodyPr spcFirstLastPara="1" wrap="square" lIns="91425" tIns="91425" rIns="91425" bIns="91425" anchor="t" anchorCtr="0">
+            <a:noAutofit/>
+          </a:bodyPr>
+          <a:lstStyle/>
+          <a:p>
+            <a:pPr marL="0" lvl="0" indent="0" algn="l" rtl="0">
+              <a:spcBef>
+                <a:spcPts val="0"/>
+              </a:spcBef>
+              <a:spcAft>
+                <a:spcPts val="0"/>
+              </a:spcAft>
+              <a:buNone/>
+            </a:pPr>
+            <a:r>
+              <a:rPr lang="en" sz="1300"/>
+              <a:t>request</a:t>
+            </a:r>
+            <a:endParaRPr sz="1300"/>
+          </a:p>
+        </p:txBody>
+      </p:sp>
+      <p:sp>
+        <p:nvSpPr>
+          <p:cNvPr id="126" name="Google Shape;126;p20"/>
+          <p:cNvSpPr txBox="1"/>
+          <p:nvPr/>
+        </p:nvSpPr>
+        <p:spPr>
+          <a:xfrm>
+            <a:off x="560225" y="1899375"/>
+            <a:ext cx="5724900" cy="667800"/>
+          </a:xfrm>
+          <a:prstGeom prst="rect">
+            <a:avLst/>
+          </a:prstGeom>
+          <a:noFill/>
+          <a:ln>
+            <a:noFill/>
+          </a:ln>
+        </p:spPr>
+        <p:txBody>
+          <a:bodyPr spcFirstLastPara="1" wrap="square" lIns="91425" tIns="91425" rIns="91425" bIns="91425" anchor="t" anchorCtr="0">
+            <a:noAutofit/>
+          </a:bodyPr>
+          <a:lstStyle/>
+          <a:p>
+            <a:pPr marL="0" lvl="0" indent="0" algn="l" rtl="0">
+              <a:spcBef>
+                <a:spcPts val="0"/>
+              </a:spcBef>
+              <a:spcAft>
+                <a:spcPts val="0"/>
+              </a:spcAft>
+              <a:buNone/>
+            </a:pPr>
+            <a:endParaRPr/>
+          </a:p>
+        </p:txBody>
+      </p:sp>
+      <p:sp>
+        <p:nvSpPr>
+          <p:cNvPr id="127" name="Google Shape;127;p20"/>
+          <p:cNvSpPr txBox="1"/>
+          <p:nvPr/>
+        </p:nvSpPr>
+        <p:spPr>
+          <a:xfrm>
+            <a:off x="311700" y="1536275"/>
+            <a:ext cx="4025400" cy="1030800"/>
+          </a:xfrm>
+          <a:prstGeom prst="rect">
+            <a:avLst/>
+          </a:prstGeom>
+          <a:noFill/>
+          <a:ln>
+            <a:noFill/>
+          </a:ln>
+        </p:spPr>
+        <p:txBody>
+          <a:bodyPr spcFirstLastPara="1" wrap="square" lIns="91425" tIns="91425" rIns="91425" bIns="91425" anchor="t" anchorCtr="0">
+            <a:noAutofit/>
+          </a:bodyPr>
+          <a:lstStyle/>
+          <a:p>
+            <a:pPr marL="457200" lvl="0" indent="-342900" algn="l" rtl="0">
+              <a:spcBef>
+                <a:spcPts val="0"/>
+              </a:spcBef>
+              <a:spcAft>
+                <a:spcPts val="0"/>
+              </a:spcAft>
+              <a:buSzPts val="1800"/>
+              <a:buChar char="●"/>
+            </a:pPr>
+            <a:r>
+              <a:rPr lang="en" sz="1800"/>
+              <a:t>Potential issue when cache line is in one cache and other PE requests it</a:t>
+            </a:r>
+            <a:endParaRPr sz="1800"/>
+          </a:p>
+        </p:txBody>
+      </p:sp>
+    </p:spTree>
+  </p:cSld>
+  <p:clrMapOvr>
+    <a:masterClrMapping/>
+  </p:clrMapOvr>
+</p:sld>
+</file>
+
+<file path=ppt/slides/slide11.xml><?xml version="1.0" encoding="utf-8"?>
+<p:sld xmlns:a="http://schemas.openxmlformats.org/drawingml/2006/main" xmlns:r="http://schemas.openxmlformats.org/officeDocument/2006/relationships" xmlns:p="http://schemas.openxmlformats.org/presentationml/2006/main">
+  <p:cSld>
+    <p:spTree>
+      <p:nvGrpSpPr>
+        <p:cNvPr id="1" name="Shape 131"/>
+        <p:cNvGrpSpPr/>
+        <p:nvPr/>
+      </p:nvGrpSpPr>
+      <p:grpSpPr>
+        <a:xfrm>
+          <a:off x="0" y="0"/>
+          <a:ext cx="0" cy="0"/>
+          <a:chOff x="0" y="0"/>
+          <a:chExt cx="0" cy="0"/>
+        </a:xfrm>
+      </p:grpSpPr>
+      <p:sp>
+        <p:nvSpPr>
+          <p:cNvPr id="132" name="Google Shape;132;p21"/>
+          <p:cNvSpPr txBox="1">
+            <a:spLocks noGrp="1"/>
+          </p:cNvSpPr>
+          <p:nvPr>
+            <p:ph type="title"/>
+          </p:nvPr>
+        </p:nvSpPr>
+        <p:spPr>
+          <a:xfrm>
+            <a:off x="311700" y="445025"/>
+            <a:ext cx="8520600" cy="572700"/>
+          </a:xfrm>
+          <a:prstGeom prst="rect">
+            <a:avLst/>
+          </a:prstGeom>
+        </p:spPr>
+        <p:txBody>
+          <a:bodyPr spcFirstLastPara="1" wrap="square" lIns="91425" tIns="91425" rIns="91425" bIns="91425" anchor="t" anchorCtr="0">
+            <a:noAutofit/>
+          </a:bodyPr>
+          <a:lstStyle/>
+          <a:p>
+            <a:pPr marL="0" lvl="0" indent="0" algn="ctr" rtl="0">
+              <a:spcBef>
+                <a:spcPts val="0"/>
+              </a:spcBef>
+              <a:spcAft>
+                <a:spcPts val="0"/>
+              </a:spcAft>
+              <a:buNone/>
+            </a:pPr>
+            <a:r>
+              <a:rPr lang="en"/>
+              <a:t>Cache coherence</a:t>
+            </a:r>
+            <a:endParaRPr/>
+          </a:p>
+        </p:txBody>
+      </p:sp>
+      <p:pic>
+        <p:nvPicPr>
+          <p:cNvPr id="133" name="Google Shape;133;p21"/>
+          <p:cNvPicPr preferRelativeResize="0"/>
+          <p:nvPr/>
+        </p:nvPicPr>
+        <p:blipFill>
+          <a:blip r:embed="rId3">
+            <a:alphaModFix/>
+          </a:blip>
+          <a:stretch>
+            <a:fillRect/>
+          </a:stretch>
+        </p:blipFill>
+        <p:spPr>
+          <a:xfrm>
+            <a:off x="4621700" y="1345725"/>
+            <a:ext cx="3849750" cy="2513475"/>
+          </a:xfrm>
+          <a:prstGeom prst="rect">
+            <a:avLst/>
+          </a:prstGeom>
+          <a:noFill/>
+          <a:ln>
+            <a:noFill/>
+          </a:ln>
+        </p:spPr>
+      </p:pic>
+      <p:sp>
+        <p:nvSpPr>
+          <p:cNvPr id="134" name="Google Shape;134;p21"/>
+          <p:cNvSpPr/>
+          <p:nvPr/>
+        </p:nvSpPr>
+        <p:spPr>
+          <a:xfrm>
+            <a:off x="5986925" y="2686950"/>
+            <a:ext cx="298200" cy="129300"/>
+          </a:xfrm>
+          <a:prstGeom prst="roundRect">
+            <a:avLst>
+              <a:gd name="adj" fmla="val 16667"/>
+            </a:avLst>
+          </a:prstGeom>
+          <a:solidFill>
+            <a:srgbClr val="4A86E8"/>
+          </a:solidFill>
+          <a:ln w="9525" cap="flat" cmpd="sng">
+            <a:solidFill>
+              <a:schemeClr val="dk2"/>
+            </a:solidFill>
+            <a:prstDash val="solid"/>
+            <a:round/>
+            <a:headEnd type="none" w="sm" len="sm"/>
+            <a:tailEnd type="none" w="sm" len="sm"/>
+          </a:ln>
+        </p:spPr>
+        <p:txBody>
+          <a:bodyPr spcFirstLastPara="1" wrap="square" lIns="91425" tIns="91425" rIns="91425" bIns="91425" anchor="ctr" anchorCtr="0">
+            <a:noAutofit/>
+          </a:bodyPr>
+          <a:lstStyle/>
+          <a:p>
+            <a:pPr marL="0" lvl="0" indent="0" algn="l" rtl="0">
+              <a:spcBef>
+                <a:spcPts val="0"/>
+              </a:spcBef>
+              <a:spcAft>
+                <a:spcPts val="0"/>
+              </a:spcAft>
+              <a:buNone/>
+            </a:pPr>
+            <a:endParaRPr/>
+          </a:p>
+        </p:txBody>
+      </p:sp>
+      <p:sp>
+        <p:nvSpPr>
+          <p:cNvPr id="135" name="Google Shape;135;p21"/>
+          <p:cNvSpPr/>
+          <p:nvPr/>
+        </p:nvSpPr>
+        <p:spPr>
+          <a:xfrm>
+            <a:off x="5226225" y="1955625"/>
+            <a:ext cx="195600" cy="318000"/>
+          </a:xfrm>
+          <a:prstGeom prst="downArrow">
+            <a:avLst>
+              <a:gd name="adj1" fmla="val 50000"/>
+              <a:gd name="adj2" fmla="val 50000"/>
+            </a:avLst>
+          </a:prstGeom>
+          <a:solidFill>
+            <a:srgbClr val="4A86E8"/>
+          </a:solidFill>
+          <a:ln w="9525" cap="flat" cmpd="sng">
+            <a:solidFill>
+              <a:schemeClr val="dk2"/>
+            </a:solidFill>
+            <a:prstDash val="solid"/>
+            <a:round/>
+            <a:headEnd type="none" w="sm" len="sm"/>
+            <a:tailEnd type="none" w="sm" len="sm"/>
+          </a:ln>
+        </p:spPr>
+        <p:txBody>
+          <a:bodyPr spcFirstLastPara="1" wrap="square" lIns="91425" tIns="91425" rIns="91425" bIns="91425" anchor="ctr" anchorCtr="0">
+            <a:noAutofit/>
+          </a:bodyPr>
+          <a:lstStyle/>
+          <a:p>
+            <a:pPr marL="0" lvl="0" indent="0" algn="l" rtl="0">
+              <a:spcBef>
+                <a:spcPts val="0"/>
+              </a:spcBef>
+              <a:spcAft>
+                <a:spcPts val="0"/>
+              </a:spcAft>
+              <a:buNone/>
+            </a:pPr>
+            <a:endParaRPr/>
+          </a:p>
+        </p:txBody>
+      </p:sp>
+      <p:sp>
+        <p:nvSpPr>
+          <p:cNvPr id="136" name="Google Shape;136;p21"/>
+          <p:cNvSpPr txBox="1"/>
+          <p:nvPr/>
+        </p:nvSpPr>
+        <p:spPr>
+          <a:xfrm>
+            <a:off x="4572000" y="1886075"/>
+            <a:ext cx="764700" cy="318000"/>
+          </a:xfrm>
+          <a:prstGeom prst="rect">
+            <a:avLst/>
+          </a:prstGeom>
+          <a:noFill/>
+          <a:ln>
+            <a:noFill/>
+          </a:ln>
+        </p:spPr>
+        <p:txBody>
+          <a:bodyPr spcFirstLastPara="1" wrap="square" lIns="91425" tIns="91425" rIns="91425" bIns="91425" anchor="t" anchorCtr="0">
+            <a:noAutofit/>
+          </a:bodyPr>
+          <a:lstStyle/>
+          <a:p>
+            <a:pPr marL="0" lvl="0" indent="0" algn="l" rtl="0">
+              <a:spcBef>
+                <a:spcPts val="0"/>
+              </a:spcBef>
+              <a:spcAft>
+                <a:spcPts val="0"/>
+              </a:spcAft>
+              <a:buNone/>
+            </a:pPr>
+            <a:r>
+              <a:rPr lang="en" sz="1300"/>
+              <a:t>request</a:t>
+            </a:r>
+            <a:endParaRPr sz="1300"/>
+          </a:p>
+        </p:txBody>
+      </p:sp>
+      <p:sp>
+        <p:nvSpPr>
+          <p:cNvPr id="137" name="Google Shape;137;p21"/>
+          <p:cNvSpPr txBox="1"/>
+          <p:nvPr/>
+        </p:nvSpPr>
+        <p:spPr>
+          <a:xfrm>
+            <a:off x="560225" y="1899375"/>
+            <a:ext cx="5724900" cy="667800"/>
+          </a:xfrm>
+          <a:prstGeom prst="rect">
+            <a:avLst/>
+          </a:prstGeom>
+          <a:noFill/>
+          <a:ln>
+            <a:noFill/>
+          </a:ln>
+        </p:spPr>
+        <p:txBody>
+          <a:bodyPr spcFirstLastPara="1" wrap="square" lIns="91425" tIns="91425" rIns="91425" bIns="91425" anchor="t" anchorCtr="0">
+            <a:noAutofit/>
+          </a:bodyPr>
+          <a:lstStyle/>
+          <a:p>
+            <a:pPr marL="0" lvl="0" indent="0" algn="l" rtl="0">
+              <a:spcBef>
+                <a:spcPts val="0"/>
+              </a:spcBef>
+              <a:spcAft>
+                <a:spcPts val="0"/>
+              </a:spcAft>
+              <a:buNone/>
+            </a:pPr>
+            <a:endParaRPr/>
+          </a:p>
+        </p:txBody>
+      </p:sp>
+      <p:sp>
+        <p:nvSpPr>
+          <p:cNvPr id="138" name="Google Shape;138;p21"/>
+          <p:cNvSpPr txBox="1"/>
+          <p:nvPr/>
+        </p:nvSpPr>
+        <p:spPr>
+          <a:xfrm>
+            <a:off x="311700" y="1536275"/>
+            <a:ext cx="4025400" cy="2322900"/>
+          </a:xfrm>
+          <a:prstGeom prst="rect">
+            <a:avLst/>
+          </a:prstGeom>
+          <a:noFill/>
+          <a:ln>
+            <a:noFill/>
+          </a:ln>
+        </p:spPr>
+        <p:txBody>
+          <a:bodyPr spcFirstLastPara="1" wrap="square" lIns="91425" tIns="91425" rIns="91425" bIns="91425" anchor="t" anchorCtr="0">
+            <a:noAutofit/>
+          </a:bodyPr>
+          <a:lstStyle/>
+          <a:p>
+            <a:pPr marL="457200" lvl="0" indent="-342900" algn="l" rtl="0">
+              <a:spcBef>
+                <a:spcPts val="0"/>
+              </a:spcBef>
+              <a:spcAft>
+                <a:spcPts val="0"/>
+              </a:spcAft>
+              <a:buSzPts val="1800"/>
+              <a:buChar char="●"/>
+            </a:pPr>
+            <a:r>
+              <a:rPr lang="en" sz="1800"/>
+              <a:t>Potential issue when cache line is in one cache and other PE requests it</a:t>
+            </a:r>
+            <a:endParaRPr sz="1800"/>
+          </a:p>
+          <a:p>
+            <a:pPr marL="457200" lvl="0" indent="0" algn="l" rtl="0">
+              <a:spcBef>
+                <a:spcPts val="0"/>
+              </a:spcBef>
+              <a:spcAft>
+                <a:spcPts val="0"/>
+              </a:spcAft>
+              <a:buNone/>
+            </a:pPr>
+            <a:endParaRPr sz="1800"/>
+          </a:p>
+          <a:p>
+            <a:pPr marL="457200" lvl="0" indent="-342900" algn="l" rtl="0">
+              <a:spcBef>
+                <a:spcPts val="0"/>
+              </a:spcBef>
+              <a:spcAft>
+                <a:spcPts val="0"/>
+              </a:spcAft>
+              <a:buSzPts val="1800"/>
+              <a:buChar char="●"/>
+            </a:pPr>
+            <a:r>
+              <a:rPr lang="en" sz="1800"/>
+              <a:t>Cache of requesting PE needs way to steal that line</a:t>
+            </a:r>
+            <a:endParaRPr sz="1800"/>
+          </a:p>
+        </p:txBody>
+      </p:sp>
+    </p:spTree>
+  </p:cSld>
+  <p:clrMapOvr>
+    <a:masterClrMapping/>
+  </p:clrMapOvr>
+</p:sld>
+</file>
+
+<file path=ppt/slides/slide12.xml><?xml version="1.0" encoding="utf-8"?>
+<p:sld xmlns:a="http://schemas.openxmlformats.org/drawingml/2006/main" xmlns:r="http://schemas.openxmlformats.org/officeDocument/2006/relationships" xmlns:p="http://schemas.openxmlformats.org/presentationml/2006/main">
+  <p:cSld>
+    <p:spTree>
+      <p:nvGrpSpPr>
+        <p:cNvPr id="1" name="Shape 142"/>
+        <p:cNvGrpSpPr/>
+        <p:nvPr/>
+      </p:nvGrpSpPr>
+      <p:grpSpPr>
+        <a:xfrm>
+          <a:off x="0" y="0"/>
+          <a:ext cx="0" cy="0"/>
+          <a:chOff x="0" y="0"/>
+          <a:chExt cx="0" cy="0"/>
+        </a:xfrm>
+      </p:grpSpPr>
+      <p:sp>
+        <p:nvSpPr>
+          <p:cNvPr id="143" name="Google Shape;143;p22"/>
+          <p:cNvSpPr txBox="1">
+            <a:spLocks noGrp="1"/>
+          </p:cNvSpPr>
+          <p:nvPr>
+            <p:ph type="title"/>
+          </p:nvPr>
+        </p:nvSpPr>
+        <p:spPr>
+          <a:xfrm>
+            <a:off x="311700" y="445025"/>
+            <a:ext cx="8520600" cy="572700"/>
+          </a:xfrm>
+          <a:prstGeom prst="rect">
+            <a:avLst/>
+          </a:prstGeom>
+        </p:spPr>
+        <p:txBody>
+          <a:bodyPr spcFirstLastPara="1" wrap="square" lIns="91425" tIns="91425" rIns="91425" bIns="91425" anchor="t" anchorCtr="0">
+            <a:noAutofit/>
+          </a:bodyPr>
+          <a:lstStyle/>
+          <a:p>
+            <a:pPr marL="0" lvl="0" indent="0" algn="ctr" rtl="0">
               <a:spcBef>
                 <a:spcPts val="0"/>
               </a:spcBef>
@@ -6708,40 +7761,37 @@
           </a:xfrm>
           <a:prstGeom prst="roundRect">
             <a:avLst>
-              <a:gd fmla="val 16667" name="adj"/>
+              <a:gd name="adj" fmla="val 16667"/>
             </a:avLst>
           </a:prstGeom>
           <a:solidFill>
             <a:srgbClr val="4A86E8"/>
           </a:solidFill>
-          <a:ln cap="flat" cmpd="sng" w="9525">
+          <a:ln w="9525" cap="flat" cmpd="sng">
             <a:solidFill>
               <a:schemeClr val="dk2"/>
             </a:solidFill>
             <a:prstDash val="solid"/>
             <a:round/>
-            <a:headEnd len="sm" w="sm" type="none"/>
-            <a:tailEnd len="sm" w="sm" type="none"/>
+            <a:headEnd type="none" w="sm" len="sm"/>
+            <a:tailEnd type="none" w="sm" len="sm"/>
           </a:ln>
         </p:spPr>
         <p:txBody>
-          <a:bodyPr anchorCtr="0" anchor="ctr" bIns="91425" lIns="91425" spcFirstLastPara="1" rIns="91425" wrap="square" tIns="91425">
+          <a:bodyPr spcFirstLastPara="1" wrap="square" lIns="91425" tIns="91425" rIns="91425" bIns="91425" anchor="ctr" anchorCtr="0">
             <a:noAutofit/>
           </a:bodyPr>
           <a:lstStyle/>
           <a:p>
-            <a:pPr indent="0" lvl="0" marL="0" rtl="0" algn="l">
-              <a:spcBef>
-                <a:spcPts val="0"/>
-              </a:spcBef>
-              <a:spcAft>
-                <a:spcPts val="0"/>
-              </a:spcAft>
-              <a:buNone/>
-            </a:pPr>
-            <a:r>
-              <a:t/>
-            </a:r>
+            <a:pPr marL="0" lvl="0" indent="0" algn="l" rtl="0">
+              <a:spcBef>
+                <a:spcPts val="0"/>
+              </a:spcBef>
+              <a:spcAft>
+                <a:spcPts val="0"/>
+              </a:spcAft>
+              <a:buNone/>
+            </a:pPr>
             <a:endParaRPr/>
           </a:p>
         </p:txBody>
@@ -6759,41 +7809,38 @@
           </a:xfrm>
           <a:prstGeom prst="downArrow">
             <a:avLst>
-              <a:gd fmla="val 50000" name="adj1"/>
-              <a:gd fmla="val 50000" name="adj2"/>
+              <a:gd name="adj1" fmla="val 50000"/>
+              <a:gd name="adj2" fmla="val 50000"/>
             </a:avLst>
           </a:prstGeom>
           <a:solidFill>
             <a:srgbClr val="4A86E8"/>
           </a:solidFill>
-          <a:ln cap="flat" cmpd="sng" w="9525">
+          <a:ln w="9525" cap="flat" cmpd="sng">
             <a:solidFill>
               <a:schemeClr val="dk2"/>
             </a:solidFill>
             <a:prstDash val="solid"/>
             <a:round/>
-            <a:headEnd len="sm" w="sm" type="none"/>
-            <a:tailEnd len="sm" w="sm" type="none"/>
+            <a:headEnd type="none" w="sm" len="sm"/>
+            <a:tailEnd type="none" w="sm" len="sm"/>
           </a:ln>
         </p:spPr>
         <p:txBody>
-          <a:bodyPr anchorCtr="0" anchor="ctr" bIns="91425" lIns="91425" spcFirstLastPara="1" rIns="91425" wrap="square" tIns="91425">
+          <a:bodyPr spcFirstLastPara="1" wrap="square" lIns="91425" tIns="91425" rIns="91425" bIns="91425" anchor="ctr" anchorCtr="0">
             <a:noAutofit/>
           </a:bodyPr>
           <a:lstStyle/>
           <a:p>
-            <a:pPr indent="0" lvl="0" marL="0" rtl="0" algn="l">
-              <a:spcBef>
-                <a:spcPts val="0"/>
-              </a:spcBef>
-              <a:spcAft>
-                <a:spcPts val="0"/>
-              </a:spcAft>
-              <a:buNone/>
-            </a:pPr>
-            <a:r>
-              <a:t/>
-            </a:r>
+            <a:pPr marL="0" lvl="0" indent="0" algn="l" rtl="0">
+              <a:spcBef>
+                <a:spcPts val="0"/>
+              </a:spcBef>
+              <a:spcAft>
+                <a:spcPts val="0"/>
+              </a:spcAft>
+              <a:buNone/>
+            </a:pPr>
             <a:endParaRPr/>
           </a:p>
         </p:txBody>
@@ -6818,12 +7865,12 @@
           </a:ln>
         </p:spPr>
         <p:txBody>
-          <a:bodyPr anchorCtr="0" anchor="t" bIns="91425" lIns="91425" spcFirstLastPara="1" rIns="91425" wrap="square" tIns="91425">
+          <a:bodyPr spcFirstLastPara="1" wrap="square" lIns="91425" tIns="91425" rIns="91425" bIns="91425" anchor="t" anchorCtr="0">
             <a:noAutofit/>
           </a:bodyPr>
           <a:lstStyle/>
           <a:p>
-            <a:pPr indent="0" lvl="0" marL="0" rtl="0" algn="l">
+            <a:pPr marL="0" lvl="0" indent="0" algn="l" rtl="0">
               <a:spcBef>
                 <a:spcPts val="0"/>
               </a:spcBef>
@@ -6860,23 +7907,20 @@
           </a:ln>
         </p:spPr>
         <p:txBody>
-          <a:bodyPr anchorCtr="0" anchor="t" bIns="91425" lIns="91425" spcFirstLastPara="1" rIns="91425" wrap="square" tIns="91425">
+          <a:bodyPr spcFirstLastPara="1" wrap="square" lIns="91425" tIns="91425" rIns="91425" bIns="91425" anchor="t" anchorCtr="0">
             <a:noAutofit/>
           </a:bodyPr>
           <a:lstStyle/>
           <a:p>
-            <a:pPr indent="0" lvl="0" marL="0" rtl="0" algn="l">
-              <a:spcBef>
-                <a:spcPts val="0"/>
-              </a:spcBef>
-              <a:spcAft>
-                <a:spcPts val="0"/>
-              </a:spcAft>
-              <a:buNone/>
-            </a:pPr>
-            <a:r>
-              <a:t/>
-            </a:r>
+            <a:pPr marL="0" lvl="0" indent="0" algn="l" rtl="0">
+              <a:spcBef>
+                <a:spcPts val="0"/>
+              </a:spcBef>
+              <a:spcAft>
+                <a:spcPts val="0"/>
+              </a:spcAft>
+              <a:buNone/>
+            </a:pPr>
             <a:endParaRPr/>
           </a:p>
         </p:txBody>
@@ -6901,12 +7945,12 @@
           </a:ln>
         </p:spPr>
         <p:txBody>
-          <a:bodyPr anchorCtr="0" anchor="t" bIns="91425" lIns="91425" spcFirstLastPara="1" rIns="91425" wrap="square" tIns="91425">
+          <a:bodyPr spcFirstLastPara="1" wrap="square" lIns="91425" tIns="91425" rIns="91425" bIns="91425" anchor="t" anchorCtr="0">
             <a:noAutofit/>
           </a:bodyPr>
           <a:lstStyle/>
           <a:p>
-            <a:pPr indent="-342900" lvl="0" marL="457200" rtl="0" algn="l">
+            <a:pPr marL="457200" lvl="0" indent="-342900" algn="l" rtl="0">
               <a:spcBef>
                 <a:spcPts val="0"/>
               </a:spcBef>
@@ -6923,22 +7967,19 @@
             <a:endParaRPr sz="1800"/>
           </a:p>
           <a:p>
-            <a:pPr indent="0" lvl="0" marL="457200" rtl="0" algn="l">
-              <a:spcBef>
-                <a:spcPts val="0"/>
-              </a:spcBef>
-              <a:spcAft>
-                <a:spcPts val="0"/>
-              </a:spcAft>
-              <a:buNone/>
-            </a:pPr>
-            <a:r>
-              <a:t/>
-            </a:r>
+            <a:pPr marL="457200" lvl="0" indent="0" algn="l" rtl="0">
+              <a:spcBef>
+                <a:spcPts val="0"/>
+              </a:spcBef>
+              <a:spcAft>
+                <a:spcPts val="0"/>
+              </a:spcAft>
+              <a:buNone/>
+            </a:pPr>
             <a:endParaRPr sz="1800"/>
           </a:p>
           <a:p>
-            <a:pPr indent="-342900" lvl="0" marL="457200" rtl="0" algn="l">
+            <a:pPr marL="457200" lvl="0" indent="-342900" algn="l" rtl="0">
               <a:spcBef>
                 <a:spcPts val="0"/>
               </a:spcBef>
@@ -6955,22 +7996,19 @@
             <a:endParaRPr sz="1800"/>
           </a:p>
           <a:p>
-            <a:pPr indent="0" lvl="0" marL="457200" rtl="0" algn="l">
-              <a:spcBef>
-                <a:spcPts val="0"/>
-              </a:spcBef>
-              <a:spcAft>
-                <a:spcPts val="0"/>
-              </a:spcAft>
-              <a:buNone/>
-            </a:pPr>
-            <a:r>
-              <a:t/>
-            </a:r>
+            <a:pPr marL="457200" lvl="0" indent="0" algn="l" rtl="0">
+              <a:spcBef>
+                <a:spcPts val="0"/>
+              </a:spcBef>
+              <a:spcAft>
+                <a:spcPts val="0"/>
+              </a:spcAft>
+              <a:buNone/>
+            </a:pPr>
             <a:endParaRPr sz="1800"/>
           </a:p>
           <a:p>
-            <a:pPr indent="-342900" lvl="0" marL="457200" rtl="0" algn="l">
+            <a:pPr marL="457200" lvl="0" indent="-342900" algn="l" rtl="0">
               <a:spcBef>
                 <a:spcPts val="0"/>
               </a:spcBef>
@@ -6996,12 +8034,12 @@
 </p:sld>
 </file>
 
-<file path=ppt/slides/slide11.xml><?xml version="1.0" encoding="utf-8"?>
-<p:sld xmlns:a="http://schemas.openxmlformats.org/drawingml/2006/main" xmlns:r="http://schemas.openxmlformats.org/officeDocument/2006/relationships" xmlns:mc="http://schemas.openxmlformats.org/markup-compatibility/2006" xmlns:mv="urn:schemas-microsoft-com:mac:vml" xmlns:p="http://schemas.openxmlformats.org/presentationml/2006/main" xmlns:c="http://schemas.openxmlformats.org/drawingml/2006/chart" xmlns:dgm="http://schemas.openxmlformats.org/drawingml/2006/diagram" xmlns:o="urn:schemas-microsoft-com:office:office" xmlns:v="urn:schemas-microsoft-com:vml" xmlns:pvml="urn:schemas-microsoft-com:office:powerpoint" xmlns:com="http://schemas.openxmlformats.org/drawingml/2006/compatibility" xmlns:p14="http://schemas.microsoft.com/office/powerpoint/2010/main" xmlns:p15="http://schemas.microsoft.com/office/powerpoint/2012/main" xmlns:ahyp="http://schemas.microsoft.com/office/drawing/2018/hyperlinkcolor">
+<file path=ppt/slides/slide13.xml><?xml version="1.0" encoding="utf-8"?>
+<p:sld xmlns:a="http://schemas.openxmlformats.org/drawingml/2006/main" xmlns:r="http://schemas.openxmlformats.org/officeDocument/2006/relationships" xmlns:p="http://schemas.openxmlformats.org/presentationml/2006/main">
   <p:cSld>
     <p:spTree>
       <p:nvGrpSpPr>
-        <p:cNvPr id="153" name="Shape 153"/>
+        <p:cNvPr id="1" name="Shape 153"/>
         <p:cNvGrpSpPr/>
         <p:nvPr/>
       </p:nvGrpSpPr>
@@ -7016,7 +8054,9 @@
       <p:sp>
         <p:nvSpPr>
           <p:cNvPr id="154" name="Google Shape;154;p23"/>
-          <p:cNvSpPr txBox="1"/>
+          <p:cNvSpPr txBox="1">
+            <a:spLocks noGrp="1"/>
+          </p:cNvSpPr>
           <p:nvPr>
             <p:ph type="title"/>
           </p:nvPr>
@@ -7031,12 +8071,12 @@
           </a:prstGeom>
         </p:spPr>
         <p:txBody>
-          <a:bodyPr anchorCtr="0" anchor="t" bIns="91425" lIns="91425" spcFirstLastPara="1" rIns="91425" wrap="square" tIns="91425">
+          <a:bodyPr spcFirstLastPara="1" wrap="square" lIns="91425" tIns="91425" rIns="91425" bIns="91425" anchor="t" anchorCtr="0">
             <a:noAutofit/>
           </a:bodyPr>
           <a:lstStyle/>
           <a:p>
-            <a:pPr indent="0" lvl="0" marL="0" rtl="0" algn="ctr">
+            <a:pPr marL="0" lvl="0" indent="0" algn="ctr" rtl="0">
               <a:spcBef>
                 <a:spcPts val="0"/>
               </a:spcBef>
@@ -7094,40 +8134,37 @@
           </a:xfrm>
           <a:prstGeom prst="roundRect">
             <a:avLst>
-              <a:gd fmla="val 16667" name="adj"/>
+              <a:gd name="adj" fmla="val 16667"/>
             </a:avLst>
           </a:prstGeom>
           <a:solidFill>
             <a:srgbClr val="4A86E8"/>
           </a:solidFill>
-          <a:ln cap="flat" cmpd="sng" w="9525">
+          <a:ln w="9525" cap="flat" cmpd="sng">
             <a:solidFill>
               <a:schemeClr val="dk2"/>
             </a:solidFill>
             <a:prstDash val="solid"/>
             <a:round/>
-            <a:headEnd len="sm" w="sm" type="none"/>
-            <a:tailEnd len="sm" w="sm" type="none"/>
+            <a:headEnd type="none" w="sm" len="sm"/>
+            <a:tailEnd type="none" w="sm" len="sm"/>
           </a:ln>
         </p:spPr>
         <p:txBody>
-          <a:bodyPr anchorCtr="0" anchor="ctr" bIns="91425" lIns="91425" spcFirstLastPara="1" rIns="91425" wrap="square" tIns="91425">
+          <a:bodyPr spcFirstLastPara="1" wrap="square" lIns="91425" tIns="91425" rIns="91425" bIns="91425" anchor="ctr" anchorCtr="0">
             <a:noAutofit/>
           </a:bodyPr>
           <a:lstStyle/>
           <a:p>
-            <a:pPr indent="0" lvl="0" marL="0" rtl="0" algn="l">
-              <a:spcBef>
-                <a:spcPts val="0"/>
-              </a:spcBef>
-              <a:spcAft>
-                <a:spcPts val="0"/>
-              </a:spcAft>
-              <a:buNone/>
-            </a:pPr>
-            <a:r>
-              <a:t/>
-            </a:r>
+            <a:pPr marL="0" lvl="0" indent="0" algn="l" rtl="0">
+              <a:spcBef>
+                <a:spcPts val="0"/>
+              </a:spcBef>
+              <a:spcAft>
+                <a:spcPts val="0"/>
+              </a:spcAft>
+              <a:buNone/>
+            </a:pPr>
             <a:endParaRPr/>
           </a:p>
         </p:txBody>
@@ -7145,41 +8182,38 @@
           </a:xfrm>
           <a:prstGeom prst="downArrow">
             <a:avLst>
-              <a:gd fmla="val 50000" name="adj1"/>
-              <a:gd fmla="val 50000" name="adj2"/>
+              <a:gd name="adj1" fmla="val 50000"/>
+              <a:gd name="adj2" fmla="val 50000"/>
             </a:avLst>
           </a:prstGeom>
           <a:solidFill>
             <a:srgbClr val="4A86E8"/>
           </a:solidFill>
-          <a:ln cap="flat" cmpd="sng" w="9525">
+          <a:ln w="9525" cap="flat" cmpd="sng">
             <a:solidFill>
               <a:schemeClr val="dk2"/>
             </a:solidFill>
             <a:prstDash val="solid"/>
             <a:round/>
-            <a:headEnd len="sm" w="sm" type="none"/>
-            <a:tailEnd len="sm" w="sm" type="none"/>
+            <a:headEnd type="none" w="sm" len="sm"/>
+            <a:tailEnd type="none" w="sm" len="sm"/>
           </a:ln>
         </p:spPr>
         <p:txBody>
-          <a:bodyPr anchorCtr="0" anchor="ctr" bIns="91425" lIns="91425" spcFirstLastPara="1" rIns="91425" wrap="square" tIns="91425">
+          <a:bodyPr spcFirstLastPara="1" wrap="square" lIns="91425" tIns="91425" rIns="91425" bIns="91425" anchor="ctr" anchorCtr="0">
             <a:noAutofit/>
           </a:bodyPr>
           <a:lstStyle/>
           <a:p>
-            <a:pPr indent="0" lvl="0" marL="0" rtl="0" algn="l">
-              <a:spcBef>
-                <a:spcPts val="0"/>
-              </a:spcBef>
-              <a:spcAft>
-                <a:spcPts val="0"/>
-              </a:spcAft>
-              <a:buNone/>
-            </a:pPr>
-            <a:r>
-              <a:t/>
-            </a:r>
+            <a:pPr marL="0" lvl="0" indent="0" algn="l" rtl="0">
+              <a:spcBef>
+                <a:spcPts val="0"/>
+              </a:spcBef>
+              <a:spcAft>
+                <a:spcPts val="0"/>
+              </a:spcAft>
+              <a:buNone/>
+            </a:pPr>
             <a:endParaRPr/>
           </a:p>
         </p:txBody>
@@ -7204,12 +8238,12 @@
           </a:ln>
         </p:spPr>
         <p:txBody>
-          <a:bodyPr anchorCtr="0" anchor="t" bIns="91425" lIns="91425" spcFirstLastPara="1" rIns="91425" wrap="square" tIns="91425">
+          <a:bodyPr spcFirstLastPara="1" wrap="square" lIns="91425" tIns="91425" rIns="91425" bIns="91425" anchor="t" anchorCtr="0">
             <a:noAutofit/>
           </a:bodyPr>
           <a:lstStyle/>
           <a:p>
-            <a:pPr indent="0" lvl="0" marL="0" rtl="0" algn="l">
+            <a:pPr marL="0" lvl="0" indent="0" algn="l" rtl="0">
               <a:spcBef>
                 <a:spcPts val="0"/>
               </a:spcBef>
@@ -7246,23 +8280,20 @@
           </a:ln>
         </p:spPr>
         <p:txBody>
-          <a:bodyPr anchorCtr="0" anchor="t" bIns="91425" lIns="91425" spcFirstLastPara="1" rIns="91425" wrap="square" tIns="91425">
+          <a:bodyPr spcFirstLastPara="1" wrap="square" lIns="91425" tIns="91425" rIns="91425" bIns="91425" anchor="t" anchorCtr="0">
             <a:noAutofit/>
           </a:bodyPr>
           <a:lstStyle/>
           <a:p>
-            <a:pPr indent="0" lvl="0" marL="0" rtl="0" algn="l">
-              <a:spcBef>
-                <a:spcPts val="0"/>
-              </a:spcBef>
-              <a:spcAft>
-                <a:spcPts val="0"/>
-              </a:spcAft>
-              <a:buNone/>
-            </a:pPr>
-            <a:r>
-              <a:t/>
-            </a:r>
+            <a:pPr marL="0" lvl="0" indent="0" algn="l" rtl="0">
+              <a:spcBef>
+                <a:spcPts val="0"/>
+              </a:spcBef>
+              <a:spcAft>
+                <a:spcPts val="0"/>
+              </a:spcAft>
+              <a:buNone/>
+            </a:pPr>
             <a:endParaRPr/>
           </a:p>
         </p:txBody>
@@ -7287,12 +8318,12 @@
           </a:ln>
         </p:spPr>
         <p:txBody>
-          <a:bodyPr anchorCtr="0" anchor="t" bIns="91425" lIns="91425" spcFirstLastPara="1" rIns="91425" wrap="square" tIns="91425">
+          <a:bodyPr spcFirstLastPara="1" wrap="square" lIns="91425" tIns="91425" rIns="91425" bIns="91425" anchor="t" anchorCtr="0">
             <a:noAutofit/>
           </a:bodyPr>
           <a:lstStyle/>
           <a:p>
-            <a:pPr indent="-342900" lvl="0" marL="457200" rtl="0" algn="l">
+            <a:pPr marL="457200" lvl="0" indent="-342900" algn="l" rtl="0">
               <a:spcBef>
                 <a:spcPts val="0"/>
               </a:spcBef>
@@ -7309,22 +8340,19 @@
             <a:endParaRPr sz="1800"/>
           </a:p>
           <a:p>
-            <a:pPr indent="0" lvl="0" marL="457200" rtl="0" algn="l">
-              <a:spcBef>
-                <a:spcPts val="0"/>
-              </a:spcBef>
-              <a:spcAft>
-                <a:spcPts val="0"/>
-              </a:spcAft>
-              <a:buNone/>
-            </a:pPr>
-            <a:r>
-              <a:t/>
-            </a:r>
+            <a:pPr marL="457200" lvl="0" indent="0" algn="l" rtl="0">
+              <a:spcBef>
+                <a:spcPts val="0"/>
+              </a:spcBef>
+              <a:spcAft>
+                <a:spcPts val="0"/>
+              </a:spcAft>
+              <a:buNone/>
+            </a:pPr>
             <a:endParaRPr sz="1800"/>
           </a:p>
           <a:p>
-            <a:pPr indent="-342900" lvl="0" marL="457200" rtl="0" algn="l">
+            <a:pPr marL="457200" lvl="0" indent="-342900" algn="l" rtl="0">
               <a:spcBef>
                 <a:spcPts val="0"/>
               </a:spcBef>
@@ -7341,22 +8369,19 @@
             <a:endParaRPr sz="1800"/>
           </a:p>
           <a:p>
-            <a:pPr indent="0" lvl="0" marL="457200" rtl="0" algn="l">
-              <a:spcBef>
-                <a:spcPts val="0"/>
-              </a:spcBef>
-              <a:spcAft>
-                <a:spcPts val="0"/>
-              </a:spcAft>
-              <a:buNone/>
-            </a:pPr>
-            <a:r>
-              <a:t/>
-            </a:r>
+            <a:pPr marL="457200" lvl="0" indent="0" algn="l" rtl="0">
+              <a:spcBef>
+                <a:spcPts val="0"/>
+              </a:spcBef>
+              <a:spcAft>
+                <a:spcPts val="0"/>
+              </a:spcAft>
+              <a:buNone/>
+            </a:pPr>
             <a:endParaRPr sz="1800"/>
           </a:p>
           <a:p>
-            <a:pPr indent="-342900" lvl="0" marL="457200" rtl="0" algn="l">
+            <a:pPr marL="457200" lvl="0" indent="-342900" algn="l" rtl="0">
               <a:spcBef>
                 <a:spcPts val="0"/>
               </a:spcBef>
@@ -7394,12 +8419,12 @@
           </a:ln>
         </p:spPr>
         <p:txBody>
-          <a:bodyPr anchorCtr="0" anchor="t" bIns="91425" lIns="91425" spcFirstLastPara="1" rIns="91425" wrap="square" tIns="91425">
+          <a:bodyPr spcFirstLastPara="1" wrap="square" lIns="91425" tIns="91425" rIns="91425" bIns="91425" anchor="t" anchorCtr="0">
             <a:noAutofit/>
           </a:bodyPr>
           <a:lstStyle/>
           <a:p>
-            <a:pPr indent="-342900" lvl="0" marL="457200" rtl="0" algn="l">
+            <a:pPr marL="457200" lvl="0" indent="-342900" algn="l" rtl="0">
               <a:spcBef>
                 <a:spcPts val="0"/>
               </a:spcBef>
@@ -7426,11 +8451,11 @@
 </file>
 
 <file path=ppt/slides/slide2.xml><?xml version="1.0" encoding="utf-8"?>
-<p:sld xmlns:a="http://schemas.openxmlformats.org/drawingml/2006/main" xmlns:r="http://schemas.openxmlformats.org/officeDocument/2006/relationships" xmlns:mc="http://schemas.openxmlformats.org/markup-compatibility/2006" xmlns:mv="urn:schemas-microsoft-com:mac:vml" xmlns:p="http://schemas.openxmlformats.org/presentationml/2006/main" xmlns:c="http://schemas.openxmlformats.org/drawingml/2006/chart" xmlns:dgm="http://schemas.openxmlformats.org/drawingml/2006/diagram" xmlns:o="urn:schemas-microsoft-com:office:office" xmlns:v="urn:schemas-microsoft-com:vml" xmlns:pvml="urn:schemas-microsoft-com:office:powerpoint" xmlns:com="http://schemas.openxmlformats.org/drawingml/2006/compatibility" xmlns:p14="http://schemas.microsoft.com/office/powerpoint/2010/main" xmlns:p15="http://schemas.microsoft.com/office/powerpoint/2012/main" xmlns:ahyp="http://schemas.microsoft.com/office/drawing/2018/hyperlinkcolor">
+<p:sld xmlns:a="http://schemas.openxmlformats.org/drawingml/2006/main" xmlns:r="http://schemas.openxmlformats.org/officeDocument/2006/relationships" xmlns:p="http://schemas.openxmlformats.org/presentationml/2006/main">
   <p:cSld>
     <p:spTree>
       <p:nvGrpSpPr>
-        <p:cNvPr id="59" name="Shape 59"/>
+        <p:cNvPr id="1" name=""/>
         <p:cNvGrpSpPr/>
         <p:nvPr/>
       </p:nvGrpSpPr>
@@ -7444,8 +8469,349 @@
       </p:grpSpPr>
       <p:sp>
         <p:nvSpPr>
+          <p:cNvPr id="2" name="Title 1"/>
+          <p:cNvSpPr>
+            <a:spLocks noGrp="1"/>
+          </p:cNvSpPr>
+          <p:nvPr>
+            <p:ph type="ctrTitle"/>
+          </p:nvPr>
+        </p:nvSpPr>
+        <p:spPr>
+          <a:xfrm>
+            <a:off x="566059" y="0"/>
+            <a:ext cx="8011886" cy="5143500"/>
+          </a:xfrm>
+        </p:spPr>
+        <p:txBody>
+          <a:bodyPr anchor="ctr">
+            <a:noAutofit/>
+          </a:bodyPr>
+          <a:lstStyle/>
+          <a:p>
+            <a:pPr algn="l" fontAlgn="ctr"/>
+            <a:r>
+              <a:rPr lang="en-US" sz="2100" dirty="0">
+                <a:latin typeface="Times New Roman" charset="0"/>
+                <a:ea typeface="Times New Roman" charset="0"/>
+                <a:cs typeface="Times New Roman" charset="0"/>
+              </a:rPr>
+              <a:t>Except where otherwise noted, this work by</a:t>
+            </a:r>
+            <a:br>
+              <a:rPr lang="en-US" sz="2100" dirty="0">
+                <a:latin typeface="Times New Roman" charset="0"/>
+                <a:ea typeface="Times New Roman" charset="0"/>
+                <a:cs typeface="Times New Roman" charset="0"/>
+              </a:rPr>
+            </a:br>
+            <a:r>
+              <a:rPr lang="en-US" sz="2100" dirty="0">
+                <a:latin typeface="Times New Roman" charset="0"/>
+                <a:ea typeface="Times New Roman" charset="0"/>
+                <a:cs typeface="Times New Roman" charset="0"/>
+              </a:rPr>
+              <a:t>The Shodor Education Foundation, Inc. is licensed under</a:t>
+            </a:r>
+            <a:br>
+              <a:rPr lang="en-US" sz="2100" dirty="0">
+                <a:latin typeface="Times New Roman" charset="0"/>
+                <a:ea typeface="Times New Roman" charset="0"/>
+                <a:cs typeface="Times New Roman" charset="0"/>
+              </a:rPr>
+            </a:br>
+            <a:r>
+              <a:rPr lang="en-US" sz="2100" dirty="0">
+                <a:latin typeface="Times New Roman" charset="0"/>
+                <a:ea typeface="Times New Roman" charset="0"/>
+                <a:cs typeface="Times New Roman" charset="0"/>
+              </a:rPr>
+              <a:t>CC BY-NC 4.0. To view a copy of this license, visit </a:t>
+            </a:r>
+            <a:r>
+              <a:rPr lang="en-US" sz="2100" dirty="0">
+                <a:latin typeface="Times New Roman" charset="0"/>
+                <a:ea typeface="Times New Roman" charset="0"/>
+                <a:cs typeface="Times New Roman" charset="0"/>
+                <a:hlinkClick r:id="rId2"/>
+              </a:rPr>
+              <a:t>https://creativecommons.org/licenses/by-nc/4.0</a:t>
+            </a:r>
+            <a:r>
+              <a:rPr lang="en-US" sz="2100" dirty="0">
+                <a:latin typeface="Times New Roman" charset="0"/>
+                <a:ea typeface="Times New Roman" charset="0"/>
+                <a:cs typeface="Times New Roman" charset="0"/>
+              </a:rPr>
+              <a:t/>
+            </a:r>
+            <a:br>
+              <a:rPr lang="en-US" sz="2100" dirty="0">
+                <a:latin typeface="Times New Roman" charset="0"/>
+                <a:ea typeface="Times New Roman" charset="0"/>
+                <a:cs typeface="Times New Roman" charset="0"/>
+              </a:rPr>
+            </a:br>
+            <a:r>
+              <a:rPr lang="en-US" sz="2100" dirty="0">
+                <a:latin typeface="Times New Roman" charset="0"/>
+                <a:ea typeface="Times New Roman" charset="0"/>
+                <a:cs typeface="Times New Roman" charset="0"/>
+              </a:rPr>
+              <a:t/>
+            </a:r>
+            <a:br>
+              <a:rPr lang="en-US" sz="2100" dirty="0">
+                <a:latin typeface="Times New Roman" charset="0"/>
+                <a:ea typeface="Times New Roman" charset="0"/>
+                <a:cs typeface="Times New Roman" charset="0"/>
+              </a:rPr>
+            </a:br>
+            <a:r>
+              <a:rPr lang="en-US" sz="2100" dirty="0">
+                <a:latin typeface="Times New Roman" charset="0"/>
+                <a:ea typeface="Times New Roman" charset="0"/>
+                <a:cs typeface="Times New Roman" charset="0"/>
+              </a:rPr>
+              <a:t>Browse and search the full curriculum at </a:t>
+            </a:r>
+            <a:r>
+              <a:rPr lang="en-US" sz="2100" dirty="0">
+                <a:latin typeface="Times New Roman" charset="0"/>
+                <a:ea typeface="Times New Roman" charset="0"/>
+                <a:cs typeface="Times New Roman" charset="0"/>
+                <a:hlinkClick r:id="rId3"/>
+              </a:rPr>
+              <a:t>http://shodor.org/petascale/materials/semester-curriculum</a:t>
+            </a:r>
+            <a:r>
+              <a:rPr lang="en-US" sz="2100" dirty="0">
+                <a:latin typeface="Times New Roman" charset="0"/>
+                <a:ea typeface="Times New Roman" charset="0"/>
+                <a:cs typeface="Times New Roman" charset="0"/>
+              </a:rPr>
+              <a:t/>
+            </a:r>
+            <a:br>
+              <a:rPr lang="en-US" sz="2100" dirty="0">
+                <a:latin typeface="Times New Roman" charset="0"/>
+                <a:ea typeface="Times New Roman" charset="0"/>
+                <a:cs typeface="Times New Roman" charset="0"/>
+              </a:rPr>
+            </a:br>
+            <a:r>
+              <a:rPr lang="en-US" sz="2100" dirty="0">
+                <a:latin typeface="Times New Roman" charset="0"/>
+                <a:ea typeface="Times New Roman" charset="0"/>
+                <a:cs typeface="Times New Roman" charset="0"/>
+              </a:rPr>
+              <a:t/>
+            </a:r>
+            <a:br>
+              <a:rPr lang="en-US" sz="2100" dirty="0">
+                <a:latin typeface="Times New Roman" charset="0"/>
+                <a:ea typeface="Times New Roman" charset="0"/>
+                <a:cs typeface="Times New Roman" charset="0"/>
+              </a:rPr>
+            </a:br>
+            <a:r>
+              <a:rPr lang="en-US" sz="2100" dirty="0">
+                <a:latin typeface="Times New Roman" charset="0"/>
+                <a:ea typeface="Times New Roman" charset="0"/>
+                <a:cs typeface="Times New Roman" charset="0"/>
+              </a:rPr>
+              <a:t>We welcome your improvements! You can submit your proposed changes to this material and the rest of the curriculum in our GitHub repository at </a:t>
+            </a:r>
+            <a:r>
+              <a:rPr lang="en-US" sz="2100" dirty="0">
+                <a:latin typeface="Times New Roman" charset="0"/>
+                <a:ea typeface="Times New Roman" charset="0"/>
+                <a:cs typeface="Times New Roman" charset="0"/>
+                <a:hlinkClick r:id="rId4"/>
+              </a:rPr>
+              <a:t>https://github.com/shodor-education/petascale-semester-curriculum</a:t>
+            </a:r>
+            <a:r>
+              <a:rPr lang="en-US" sz="2100" dirty="0">
+                <a:latin typeface="Times New Roman" charset="0"/>
+                <a:ea typeface="Times New Roman" charset="0"/>
+                <a:cs typeface="Times New Roman" charset="0"/>
+              </a:rPr>
+              <a:t/>
+            </a:r>
+            <a:br>
+              <a:rPr lang="en-US" sz="2100" dirty="0">
+                <a:latin typeface="Times New Roman" charset="0"/>
+                <a:ea typeface="Times New Roman" charset="0"/>
+                <a:cs typeface="Times New Roman" charset="0"/>
+              </a:rPr>
+            </a:br>
+            <a:r>
+              <a:rPr lang="en-US" sz="2100" dirty="0">
+                <a:latin typeface="Times New Roman" charset="0"/>
+                <a:ea typeface="Times New Roman" charset="0"/>
+                <a:cs typeface="Times New Roman" charset="0"/>
+              </a:rPr>
+              <a:t/>
+            </a:r>
+            <a:br>
+              <a:rPr lang="en-US" sz="2100" dirty="0">
+                <a:latin typeface="Times New Roman" charset="0"/>
+                <a:ea typeface="Times New Roman" charset="0"/>
+                <a:cs typeface="Times New Roman" charset="0"/>
+              </a:rPr>
+            </a:br>
+            <a:r>
+              <a:rPr lang="en-US" sz="2100" dirty="0">
+                <a:latin typeface="Times New Roman" charset="0"/>
+                <a:ea typeface="Times New Roman" charset="0"/>
+                <a:cs typeface="Times New Roman" charset="0"/>
+              </a:rPr>
+              <a:t>We want to hear from you! Please let us know your experiences using this material by sending email to </a:t>
+            </a:r>
+            <a:r>
+              <a:rPr lang="en-US" sz="2100" dirty="0">
+                <a:latin typeface="Times New Roman" charset="0"/>
+                <a:ea typeface="Times New Roman" charset="0"/>
+                <a:cs typeface="Times New Roman" charset="0"/>
+                <a:hlinkClick r:id="rId5"/>
+              </a:rPr>
+              <a:t>petascale@shodor.org</a:t>
+            </a:r>
+            <a:endParaRPr lang="en-US" sz="2700" dirty="0">
+              <a:latin typeface="Times New Roman" charset="0"/>
+              <a:ea typeface="Times New Roman" charset="0"/>
+              <a:cs typeface="Times New Roman" charset="0"/>
+            </a:endParaRPr>
+          </a:p>
+        </p:txBody>
+      </p:sp>
+    </p:spTree>
+    <p:extLst>
+      <p:ext uri="{BB962C8B-B14F-4D97-AF65-F5344CB8AC3E}">
+        <p14:creationId xmlns:p14="http://schemas.microsoft.com/office/powerpoint/2010/main" val="595366528"/>
+      </p:ext>
+    </p:extLst>
+  </p:cSld>
+  <p:clrMapOvr>
+    <a:masterClrMapping/>
+  </p:clrMapOvr>
+  <p:timing>
+    <p:tnLst>
+      <p:par>
+        <p:cTn id="1" dur="indefinite" restart="never" nodeType="tmRoot"/>
+      </p:par>
+    </p:tnLst>
+  </p:timing>
+</p:sld>
+</file>
+
+<file path=ppt/slides/slide3.xml><?xml version="1.0" encoding="utf-8"?>
+<p:sld xmlns:a="http://schemas.openxmlformats.org/drawingml/2006/main" xmlns:r="http://schemas.openxmlformats.org/officeDocument/2006/relationships" xmlns:p="http://schemas.openxmlformats.org/presentationml/2006/main">
+  <p:cSld>
+    <p:spTree>
+      <p:nvGrpSpPr>
+        <p:cNvPr id="1" name="Shape 53"/>
+        <p:cNvGrpSpPr/>
+        <p:nvPr/>
+      </p:nvGrpSpPr>
+      <p:grpSpPr>
+        <a:xfrm>
+          <a:off x="0" y="0"/>
+          <a:ext cx="0" cy="0"/>
+          <a:chOff x="0" y="0"/>
+          <a:chExt cx="0" cy="0"/>
+        </a:xfrm>
+      </p:grpSpPr>
+      <p:sp>
+        <p:nvSpPr>
+          <p:cNvPr id="54" name="Google Shape;54;p13"/>
+          <p:cNvSpPr txBox="1">
+            <a:spLocks noGrp="1"/>
+          </p:cNvSpPr>
+          <p:nvPr>
+            <p:ph type="ctrTitle"/>
+          </p:nvPr>
+        </p:nvSpPr>
+        <p:spPr>
+          <a:xfrm>
+            <a:off x="311708" y="744575"/>
+            <a:ext cx="8520600" cy="2052600"/>
+          </a:xfrm>
+          <a:prstGeom prst="rect">
+            <a:avLst/>
+          </a:prstGeom>
+        </p:spPr>
+        <p:txBody>
+          <a:bodyPr spcFirstLastPara="1" wrap="square" lIns="91425" tIns="91425" rIns="91425" bIns="91425" anchor="b" anchorCtr="0">
+            <a:noAutofit/>
+          </a:bodyPr>
+          <a:lstStyle/>
+          <a:p>
+            <a:pPr marL="0" lvl="0" indent="0" algn="ctr" rtl="0">
+              <a:spcBef>
+                <a:spcPts val="0"/>
+              </a:spcBef>
+              <a:spcAft>
+                <a:spcPts val="0"/>
+              </a:spcAft>
+              <a:buNone/>
+            </a:pPr>
+            <a:r>
+              <a:rPr lang="en" sz="4500" dirty="0"/>
+              <a:t>Multiprocessor caching and</a:t>
+            </a:r>
+            <a:endParaRPr sz="4500" dirty="0"/>
+          </a:p>
+          <a:p>
+            <a:pPr marL="0" lvl="0" indent="0" algn="ctr" rtl="0">
+              <a:spcBef>
+                <a:spcPts val="0"/>
+              </a:spcBef>
+              <a:spcAft>
+                <a:spcPts val="0"/>
+              </a:spcAft>
+              <a:buNone/>
+            </a:pPr>
+            <a:r>
+              <a:rPr lang="en" sz="4500" dirty="0"/>
+              <a:t>false sharing</a:t>
+            </a:r>
+            <a:endParaRPr sz="4500" dirty="0"/>
+          </a:p>
+        </p:txBody>
+      </p:sp>
+    </p:spTree>
+  </p:cSld>
+  <p:clrMapOvr>
+    <a:masterClrMapping/>
+  </p:clrMapOvr>
+</p:sld>
+</file>
+
+<file path=ppt/slides/slide4.xml><?xml version="1.0" encoding="utf-8"?>
+<p:sld xmlns:a="http://schemas.openxmlformats.org/drawingml/2006/main" xmlns:r="http://schemas.openxmlformats.org/officeDocument/2006/relationships" xmlns:p="http://schemas.openxmlformats.org/presentationml/2006/main">
+  <p:cSld>
+    <p:spTree>
+      <p:nvGrpSpPr>
+        <p:cNvPr id="1" name="Shape 59"/>
+        <p:cNvGrpSpPr/>
+        <p:nvPr/>
+      </p:nvGrpSpPr>
+      <p:grpSpPr>
+        <a:xfrm>
+          <a:off x="0" y="0"/>
+          <a:ext cx="0" cy="0"/>
+          <a:chOff x="0" y="0"/>
+          <a:chExt cx="0" cy="0"/>
+        </a:xfrm>
+      </p:grpSpPr>
+      <p:sp>
+        <p:nvSpPr>
           <p:cNvPr id="60" name="Google Shape;60;p14"/>
-          <p:cNvSpPr txBox="1"/>
+          <p:cNvSpPr txBox="1">
+            <a:spLocks noGrp="1"/>
+          </p:cNvSpPr>
           <p:nvPr>
             <p:ph type="title"/>
           </p:nvPr>
@@ -7460,12 +8826,12 @@
           </a:prstGeom>
         </p:spPr>
         <p:txBody>
-          <a:bodyPr anchorCtr="0" anchor="t" bIns="91425" lIns="91425" spcFirstLastPara="1" rIns="91425" wrap="square" tIns="91425">
+          <a:bodyPr spcFirstLastPara="1" wrap="square" lIns="91425" tIns="91425" rIns="91425" bIns="91425" anchor="t" anchorCtr="0">
             <a:noAutofit/>
           </a:bodyPr>
           <a:lstStyle/>
           <a:p>
-            <a:pPr indent="0" lvl="0" marL="0" rtl="0" algn="ctr">
+            <a:pPr marL="0" lvl="0" indent="0" algn="ctr" rtl="0">
               <a:spcBef>
                 <a:spcPts val="0"/>
               </a:spcBef>
@@ -7485,9 +8851,11 @@
       <p:sp>
         <p:nvSpPr>
           <p:cNvPr id="61" name="Google Shape;61;p14"/>
-          <p:cNvSpPr txBox="1"/>
+          <p:cNvSpPr txBox="1">
+            <a:spLocks noGrp="1"/>
+          </p:cNvSpPr>
           <p:nvPr>
-            <p:ph idx="1" type="body"/>
+            <p:ph type="body" idx="1"/>
           </p:nvPr>
         </p:nvSpPr>
         <p:spPr>
@@ -7500,12 +8868,12 @@
           </a:prstGeom>
         </p:spPr>
         <p:txBody>
-          <a:bodyPr anchorCtr="0" anchor="t" bIns="91425" lIns="91425" spcFirstLastPara="1" rIns="91425" wrap="square" tIns="91425">
+          <a:bodyPr spcFirstLastPara="1" wrap="square" lIns="91425" tIns="91425" rIns="91425" bIns="91425" anchor="t" anchorCtr="0">
             <a:noAutofit/>
           </a:bodyPr>
           <a:lstStyle/>
           <a:p>
-            <a:pPr indent="-342900" lvl="0" marL="457200" rtl="0" algn="l">
+            <a:pPr marL="457200" lvl="0" indent="-342900" algn="l" rtl="0">
               <a:lnSpc>
                 <a:spcPct val="150000"/>
               </a:lnSpc>
@@ -7525,7 +8893,7 @@
             <a:endParaRPr/>
           </a:p>
           <a:p>
-            <a:pPr indent="-317500" lvl="1" marL="914400" rtl="0" algn="l">
+            <a:pPr marL="914400" lvl="1" indent="-317500" algn="l" rtl="0">
               <a:lnSpc>
                 <a:spcPct val="150000"/>
               </a:lnSpc>
@@ -7545,7 +8913,7 @@
             <a:endParaRPr/>
           </a:p>
           <a:p>
-            <a:pPr indent="-317500" lvl="1" marL="914400" rtl="0" algn="l">
+            <a:pPr marL="914400" lvl="1" indent="-317500" algn="l" rtl="0">
               <a:lnSpc>
                 <a:spcPct val="150000"/>
               </a:lnSpc>
@@ -7565,7 +8933,7 @@
             <a:endParaRPr/>
           </a:p>
           <a:p>
-            <a:pPr indent="0" lvl="0" marL="914400" rtl="0" algn="l">
+            <a:pPr marL="914400" lvl="0" indent="0" algn="l" rtl="0">
               <a:lnSpc>
                 <a:spcPct val="150000"/>
               </a:lnSpc>
@@ -7577,13 +8945,10 @@
               </a:spcAft>
               <a:buNone/>
             </a:pPr>
-            <a:r>
-              <a:t/>
-            </a:r>
             <a:endParaRPr/>
           </a:p>
           <a:p>
-            <a:pPr indent="0" lvl="0" marL="457200" rtl="0" algn="l">
+            <a:pPr marL="457200" lvl="0" indent="0" algn="l" rtl="0">
               <a:lnSpc>
                 <a:spcPct val="115000"/>
               </a:lnSpc>
@@ -7595,9 +8960,6 @@
               </a:spcAft>
               <a:buNone/>
             </a:pPr>
-            <a:r>
-              <a:t/>
-            </a:r>
             <a:endParaRPr/>
           </a:p>
         </p:txBody>
@@ -7638,12 +9000,12 @@
 </p:sld>
 </file>
 
-<file path=ppt/slides/slide3.xml><?xml version="1.0" encoding="utf-8"?>
-<p:sld xmlns:a="http://schemas.openxmlformats.org/drawingml/2006/main" xmlns:r="http://schemas.openxmlformats.org/officeDocument/2006/relationships" xmlns:mc="http://schemas.openxmlformats.org/markup-compatibility/2006" xmlns:mv="urn:schemas-microsoft-com:mac:vml" xmlns:p="http://schemas.openxmlformats.org/presentationml/2006/main" xmlns:c="http://schemas.openxmlformats.org/drawingml/2006/chart" xmlns:dgm="http://schemas.openxmlformats.org/drawingml/2006/diagram" xmlns:o="urn:schemas-microsoft-com:office:office" xmlns:v="urn:schemas-microsoft-com:vml" xmlns:pvml="urn:schemas-microsoft-com:office:powerpoint" xmlns:com="http://schemas.openxmlformats.org/drawingml/2006/compatibility" xmlns:p14="http://schemas.microsoft.com/office/powerpoint/2010/main" xmlns:p15="http://schemas.microsoft.com/office/powerpoint/2012/main" xmlns:ahyp="http://schemas.microsoft.com/office/drawing/2018/hyperlinkcolor">
+<file path=ppt/slides/slide5.xml><?xml version="1.0" encoding="utf-8"?>
+<p:sld xmlns:a="http://schemas.openxmlformats.org/drawingml/2006/main" xmlns:r="http://schemas.openxmlformats.org/officeDocument/2006/relationships" xmlns:p="http://schemas.openxmlformats.org/presentationml/2006/main">
   <p:cSld>
     <p:spTree>
       <p:nvGrpSpPr>
-        <p:cNvPr id="66" name="Shape 66"/>
+        <p:cNvPr id="1" name="Shape 66"/>
         <p:cNvGrpSpPr/>
         <p:nvPr/>
       </p:nvGrpSpPr>
@@ -7658,7 +9020,9 @@
       <p:sp>
         <p:nvSpPr>
           <p:cNvPr id="67" name="Google Shape;67;p15"/>
-          <p:cNvSpPr txBox="1"/>
+          <p:cNvSpPr txBox="1">
+            <a:spLocks noGrp="1"/>
+          </p:cNvSpPr>
           <p:nvPr>
             <p:ph type="title"/>
           </p:nvPr>
@@ -7673,12 +9037,12 @@
           </a:prstGeom>
         </p:spPr>
         <p:txBody>
-          <a:bodyPr anchorCtr="0" anchor="t" bIns="91425" lIns="91425" spcFirstLastPara="1" rIns="91425" wrap="square" tIns="91425">
+          <a:bodyPr spcFirstLastPara="1" wrap="square" lIns="91425" tIns="91425" rIns="91425" bIns="91425" anchor="t" anchorCtr="0">
             <a:noAutofit/>
           </a:bodyPr>
           <a:lstStyle/>
           <a:p>
-            <a:pPr indent="0" lvl="0" marL="0" rtl="0" algn="ctr">
+            <a:pPr marL="0" lvl="0" indent="0" algn="ctr" rtl="0">
               <a:spcBef>
                 <a:spcPts val="0"/>
               </a:spcBef>
@@ -7698,9 +9062,11 @@
       <p:sp>
         <p:nvSpPr>
           <p:cNvPr id="68" name="Google Shape;68;p15"/>
-          <p:cNvSpPr txBox="1"/>
+          <p:cNvSpPr txBox="1">
+            <a:spLocks noGrp="1"/>
+          </p:cNvSpPr>
           <p:nvPr>
-            <p:ph idx="1" type="body"/>
+            <p:ph type="body" idx="1"/>
           </p:nvPr>
         </p:nvSpPr>
         <p:spPr>
@@ -7713,12 +9079,12 @@
           </a:prstGeom>
         </p:spPr>
         <p:txBody>
-          <a:bodyPr anchorCtr="0" anchor="t" bIns="91425" lIns="91425" spcFirstLastPara="1" rIns="91425" wrap="square" tIns="91425">
+          <a:bodyPr spcFirstLastPara="1" wrap="square" lIns="91425" tIns="91425" rIns="91425" bIns="91425" anchor="t" anchorCtr="0">
             <a:noAutofit/>
           </a:bodyPr>
           <a:lstStyle/>
           <a:p>
-            <a:pPr indent="-342900" lvl="0" marL="457200" rtl="0" algn="l">
+            <a:pPr marL="457200" lvl="0" indent="-342900" algn="l" rtl="0">
               <a:lnSpc>
                 <a:spcPct val="150000"/>
               </a:lnSpc>
@@ -7738,7 +9104,7 @@
             <a:endParaRPr/>
           </a:p>
           <a:p>
-            <a:pPr indent="-317500" lvl="1" marL="914400" rtl="0" algn="l">
+            <a:pPr marL="914400" lvl="1" indent="-317500" algn="l" rtl="0">
               <a:lnSpc>
                 <a:spcPct val="150000"/>
               </a:lnSpc>
@@ -7758,7 +9124,7 @@
             <a:endParaRPr/>
           </a:p>
           <a:p>
-            <a:pPr indent="-317500" lvl="1" marL="914400" rtl="0" algn="l">
+            <a:pPr marL="914400" lvl="1" indent="-317500" algn="l" rtl="0">
               <a:lnSpc>
                 <a:spcPct val="150000"/>
               </a:lnSpc>
@@ -7778,7 +9144,7 @@
             <a:endParaRPr/>
           </a:p>
           <a:p>
-            <a:pPr indent="0" lvl="0" marL="914400" rtl="0" algn="l">
+            <a:pPr marL="914400" lvl="0" indent="0" algn="l" rtl="0">
               <a:lnSpc>
                 <a:spcPct val="150000"/>
               </a:lnSpc>
@@ -7790,13 +9156,10 @@
               </a:spcAft>
               <a:buNone/>
             </a:pPr>
-            <a:r>
-              <a:t/>
-            </a:r>
             <a:endParaRPr/>
           </a:p>
           <a:p>
-            <a:pPr indent="0" lvl="0" marL="457200" rtl="0" algn="l">
+            <a:pPr marL="457200" lvl="0" indent="0" algn="l" rtl="0">
               <a:lnSpc>
                 <a:spcPct val="115000"/>
               </a:lnSpc>
@@ -7808,9 +9171,6 @@
               </a:spcAft>
               <a:buNone/>
             </a:pPr>
-            <a:r>
-              <a:t/>
-            </a:r>
             <a:endParaRPr/>
           </a:p>
         </p:txBody>
@@ -7856,41 +9216,38 @@
           </a:xfrm>
           <a:prstGeom prst="downArrow">
             <a:avLst>
-              <a:gd fmla="val 50000" name="adj1"/>
-              <a:gd fmla="val 50000" name="adj2"/>
+              <a:gd name="adj1" fmla="val 50000"/>
+              <a:gd name="adj2" fmla="val 50000"/>
             </a:avLst>
           </a:prstGeom>
           <a:solidFill>
             <a:srgbClr val="4A86E8"/>
           </a:solidFill>
-          <a:ln cap="flat" cmpd="sng" w="9525">
+          <a:ln w="9525" cap="flat" cmpd="sng">
             <a:solidFill>
               <a:schemeClr val="dk2"/>
             </a:solidFill>
             <a:prstDash val="solid"/>
             <a:round/>
-            <a:headEnd len="sm" w="sm" type="none"/>
-            <a:tailEnd len="sm" w="sm" type="none"/>
+            <a:headEnd type="none" w="sm" len="sm"/>
+            <a:tailEnd type="none" w="sm" len="sm"/>
           </a:ln>
         </p:spPr>
         <p:txBody>
-          <a:bodyPr anchorCtr="0" anchor="ctr" bIns="91425" lIns="91425" spcFirstLastPara="1" rIns="91425" wrap="square" tIns="91425">
+          <a:bodyPr spcFirstLastPara="1" wrap="square" lIns="91425" tIns="91425" rIns="91425" bIns="91425" anchor="ctr" anchorCtr="0">
             <a:noAutofit/>
           </a:bodyPr>
           <a:lstStyle/>
           <a:p>
-            <a:pPr indent="0" lvl="0" marL="0" rtl="0" algn="l">
-              <a:spcBef>
-                <a:spcPts val="0"/>
-              </a:spcBef>
-              <a:spcAft>
-                <a:spcPts val="0"/>
-              </a:spcAft>
-              <a:buNone/>
-            </a:pPr>
-            <a:r>
-              <a:t/>
-            </a:r>
+            <a:pPr marL="0" lvl="0" indent="0" algn="l" rtl="0">
+              <a:spcBef>
+                <a:spcPts val="0"/>
+              </a:spcBef>
+              <a:spcAft>
+                <a:spcPts val="0"/>
+              </a:spcAft>
+              <a:buNone/>
+            </a:pPr>
             <a:endParaRPr/>
           </a:p>
         </p:txBody>
@@ -7915,12 +9272,12 @@
           </a:ln>
         </p:spPr>
         <p:txBody>
-          <a:bodyPr anchorCtr="0" anchor="t" bIns="91425" lIns="91425" spcFirstLastPara="1" rIns="91425" wrap="square" tIns="91425">
+          <a:bodyPr spcFirstLastPara="1" wrap="square" lIns="91425" tIns="91425" rIns="91425" bIns="91425" anchor="t" anchorCtr="0">
             <a:noAutofit/>
           </a:bodyPr>
           <a:lstStyle/>
           <a:p>
-            <a:pPr indent="0" lvl="0" marL="0" rtl="0" algn="l">
+            <a:pPr marL="0" lvl="0" indent="0" algn="l" rtl="0">
               <a:spcBef>
                 <a:spcPts val="0"/>
               </a:spcBef>
@@ -7950,41 +9307,38 @@
           </a:xfrm>
           <a:prstGeom prst="downArrow">
             <a:avLst>
-              <a:gd fmla="val 50000" name="adj1"/>
-              <a:gd fmla="val 50000" name="adj2"/>
+              <a:gd name="adj1" fmla="val 50000"/>
+              <a:gd name="adj2" fmla="val 50000"/>
             </a:avLst>
           </a:prstGeom>
           <a:solidFill>
             <a:srgbClr val="4A86E8"/>
           </a:solidFill>
-          <a:ln cap="flat" cmpd="sng" w="9525">
+          <a:ln w="9525" cap="flat" cmpd="sng">
             <a:solidFill>
               <a:schemeClr val="dk2"/>
             </a:solidFill>
             <a:prstDash val="solid"/>
             <a:round/>
-            <a:headEnd len="sm" w="sm" type="none"/>
-            <a:tailEnd len="sm" w="sm" type="none"/>
+            <a:headEnd type="none" w="sm" len="sm"/>
+            <a:tailEnd type="none" w="sm" len="sm"/>
           </a:ln>
         </p:spPr>
         <p:txBody>
-          <a:bodyPr anchorCtr="0" anchor="ctr" bIns="91425" lIns="91425" spcFirstLastPara="1" rIns="91425" wrap="square" tIns="91425">
+          <a:bodyPr spcFirstLastPara="1" wrap="square" lIns="91425" tIns="91425" rIns="91425" bIns="91425" anchor="ctr" anchorCtr="0">
             <a:noAutofit/>
           </a:bodyPr>
           <a:lstStyle/>
           <a:p>
-            <a:pPr indent="0" lvl="0" marL="0" rtl="0" algn="l">
-              <a:spcBef>
-                <a:spcPts val="0"/>
-              </a:spcBef>
-              <a:spcAft>
-                <a:spcPts val="0"/>
-              </a:spcAft>
-              <a:buNone/>
-            </a:pPr>
-            <a:r>
-              <a:t/>
-            </a:r>
+            <a:pPr marL="0" lvl="0" indent="0" algn="l" rtl="0">
+              <a:spcBef>
+                <a:spcPts val="0"/>
+              </a:spcBef>
+              <a:spcAft>
+                <a:spcPts val="0"/>
+              </a:spcAft>
+              <a:buNone/>
+            </a:pPr>
             <a:endParaRPr/>
           </a:p>
         </p:txBody>
@@ -7997,12 +9351,12 @@
 </p:sld>
 </file>
 
-<file path=ppt/slides/slide4.xml><?xml version="1.0" encoding="utf-8"?>
-<p:sld xmlns:a="http://schemas.openxmlformats.org/drawingml/2006/main" xmlns:r="http://schemas.openxmlformats.org/officeDocument/2006/relationships" xmlns:mc="http://schemas.openxmlformats.org/markup-compatibility/2006" xmlns:mv="urn:schemas-microsoft-com:mac:vml" xmlns:p="http://schemas.openxmlformats.org/presentationml/2006/main" xmlns:c="http://schemas.openxmlformats.org/drawingml/2006/chart" xmlns:dgm="http://schemas.openxmlformats.org/drawingml/2006/diagram" xmlns:o="urn:schemas-microsoft-com:office:office" xmlns:v="urn:schemas-microsoft-com:vml" xmlns:pvml="urn:schemas-microsoft-com:office:powerpoint" xmlns:com="http://schemas.openxmlformats.org/drawingml/2006/compatibility" xmlns:p14="http://schemas.microsoft.com/office/powerpoint/2010/main" xmlns:p15="http://schemas.microsoft.com/office/powerpoint/2012/main" xmlns:ahyp="http://schemas.microsoft.com/office/drawing/2018/hyperlinkcolor">
+<file path=ppt/slides/slide6.xml><?xml version="1.0" encoding="utf-8"?>
+<p:sld xmlns:a="http://schemas.openxmlformats.org/drawingml/2006/main" xmlns:r="http://schemas.openxmlformats.org/officeDocument/2006/relationships" xmlns:p="http://schemas.openxmlformats.org/presentationml/2006/main">
   <p:cSld>
     <p:spTree>
       <p:nvGrpSpPr>
-        <p:cNvPr id="76" name="Shape 76"/>
+        <p:cNvPr id="1" name="Shape 76"/>
         <p:cNvGrpSpPr/>
         <p:nvPr/>
       </p:nvGrpSpPr>
@@ -8017,7 +9371,9 @@
       <p:sp>
         <p:nvSpPr>
           <p:cNvPr id="77" name="Google Shape;77;p16"/>
-          <p:cNvSpPr txBox="1"/>
+          <p:cNvSpPr txBox="1">
+            <a:spLocks noGrp="1"/>
+          </p:cNvSpPr>
           <p:nvPr>
             <p:ph type="title"/>
           </p:nvPr>
@@ -8032,12 +9388,12 @@
           </a:prstGeom>
         </p:spPr>
         <p:txBody>
-          <a:bodyPr anchorCtr="0" anchor="t" bIns="91425" lIns="91425" spcFirstLastPara="1" rIns="91425" wrap="square" tIns="91425">
+          <a:bodyPr spcFirstLastPara="1" wrap="square" lIns="91425" tIns="91425" rIns="91425" bIns="91425" anchor="t" anchorCtr="0">
             <a:noAutofit/>
           </a:bodyPr>
           <a:lstStyle/>
           <a:p>
-            <a:pPr indent="0" lvl="0" marL="0" rtl="0" algn="ctr">
+            <a:pPr marL="0" lvl="0" indent="0" algn="ctr" rtl="0">
               <a:spcBef>
                 <a:spcPts val="0"/>
               </a:spcBef>
@@ -8057,9 +9413,11 @@
       <p:sp>
         <p:nvSpPr>
           <p:cNvPr id="78" name="Google Shape;78;p16"/>
-          <p:cNvSpPr txBox="1"/>
+          <p:cNvSpPr txBox="1">
+            <a:spLocks noGrp="1"/>
+          </p:cNvSpPr>
           <p:nvPr>
-            <p:ph idx="1" type="body"/>
+            <p:ph type="body" idx="1"/>
           </p:nvPr>
         </p:nvSpPr>
         <p:spPr>
@@ -8072,12 +9430,12 @@
           </a:prstGeom>
         </p:spPr>
         <p:txBody>
-          <a:bodyPr anchorCtr="0" anchor="t" bIns="91425" lIns="91425" spcFirstLastPara="1" rIns="91425" wrap="square" tIns="91425">
+          <a:bodyPr spcFirstLastPara="1" wrap="square" lIns="91425" tIns="91425" rIns="91425" bIns="91425" anchor="t" anchorCtr="0">
             <a:noAutofit/>
           </a:bodyPr>
           <a:lstStyle/>
           <a:p>
-            <a:pPr indent="-342900" lvl="0" marL="457200" rtl="0" algn="l">
+            <a:pPr marL="457200" lvl="0" indent="-342900" algn="l" rtl="0">
               <a:lnSpc>
                 <a:spcPct val="150000"/>
               </a:lnSpc>
@@ -8097,7 +9455,7 @@
             <a:endParaRPr/>
           </a:p>
           <a:p>
-            <a:pPr indent="-317500" lvl="1" marL="914400" rtl="0" algn="l">
+            <a:pPr marL="914400" lvl="1" indent="-317500" algn="l" rtl="0">
               <a:lnSpc>
                 <a:spcPct val="150000"/>
               </a:lnSpc>
@@ -8117,7 +9475,7 @@
             <a:endParaRPr/>
           </a:p>
           <a:p>
-            <a:pPr indent="-317500" lvl="1" marL="914400" rtl="0" algn="l">
+            <a:pPr marL="914400" lvl="1" indent="-317500" algn="l" rtl="0">
               <a:lnSpc>
                 <a:spcPct val="150000"/>
               </a:lnSpc>
@@ -8137,7 +9495,7 @@
             <a:endParaRPr/>
           </a:p>
           <a:p>
-            <a:pPr indent="0" lvl="0" marL="914400" rtl="0" algn="l">
+            <a:pPr marL="914400" lvl="0" indent="0" algn="l" rtl="0">
               <a:lnSpc>
                 <a:spcPct val="150000"/>
               </a:lnSpc>
@@ -8149,13 +9507,10 @@
               </a:spcAft>
               <a:buNone/>
             </a:pPr>
-            <a:r>
-              <a:t/>
-            </a:r>
             <a:endParaRPr/>
           </a:p>
           <a:p>
-            <a:pPr indent="0" lvl="0" marL="457200" rtl="0" algn="l">
+            <a:pPr marL="457200" lvl="0" indent="0" algn="l" rtl="0">
               <a:lnSpc>
                 <a:spcPct val="115000"/>
               </a:lnSpc>
@@ -8167,9 +9522,6 @@
               </a:spcAft>
               <a:buNone/>
             </a:pPr>
-            <a:r>
-              <a:t/>
-            </a:r>
             <a:endParaRPr/>
           </a:p>
         </p:txBody>
@@ -8215,41 +9567,38 @@
           </a:xfrm>
           <a:prstGeom prst="downArrow">
             <a:avLst>
-              <a:gd fmla="val 50000" name="adj1"/>
-              <a:gd fmla="val 50000" name="adj2"/>
+              <a:gd name="adj1" fmla="val 50000"/>
+              <a:gd name="adj2" fmla="val 50000"/>
             </a:avLst>
           </a:prstGeom>
           <a:solidFill>
             <a:srgbClr val="4A86E8"/>
           </a:solidFill>
-          <a:ln cap="flat" cmpd="sng" w="9525">
+          <a:ln w="9525" cap="flat" cmpd="sng">
             <a:solidFill>
               <a:schemeClr val="dk2"/>
             </a:solidFill>
             <a:prstDash val="solid"/>
             <a:round/>
-            <a:headEnd len="sm" w="sm" type="none"/>
-            <a:tailEnd len="sm" w="sm" type="none"/>
+            <a:headEnd type="none" w="sm" len="sm"/>
+            <a:tailEnd type="none" w="sm" len="sm"/>
           </a:ln>
         </p:spPr>
         <p:txBody>
-          <a:bodyPr anchorCtr="0" anchor="ctr" bIns="91425" lIns="91425" spcFirstLastPara="1" rIns="91425" wrap="square" tIns="91425">
+          <a:bodyPr spcFirstLastPara="1" wrap="square" lIns="91425" tIns="91425" rIns="91425" bIns="91425" anchor="ctr" anchorCtr="0">
             <a:noAutofit/>
           </a:bodyPr>
           <a:lstStyle/>
           <a:p>
-            <a:pPr indent="0" lvl="0" marL="0" rtl="0" algn="l">
-              <a:spcBef>
-                <a:spcPts val="0"/>
-              </a:spcBef>
-              <a:spcAft>
-                <a:spcPts val="0"/>
-              </a:spcAft>
-              <a:buNone/>
-            </a:pPr>
-            <a:r>
-              <a:t/>
-            </a:r>
+            <a:pPr marL="0" lvl="0" indent="0" algn="l" rtl="0">
+              <a:spcBef>
+                <a:spcPts val="0"/>
+              </a:spcBef>
+              <a:spcAft>
+                <a:spcPts val="0"/>
+              </a:spcAft>
+              <a:buNone/>
+            </a:pPr>
             <a:endParaRPr/>
           </a:p>
         </p:txBody>
@@ -8274,12 +9623,12 @@
           </a:ln>
         </p:spPr>
         <p:txBody>
-          <a:bodyPr anchorCtr="0" anchor="t" bIns="91425" lIns="91425" spcFirstLastPara="1" rIns="91425" wrap="square" tIns="91425">
+          <a:bodyPr spcFirstLastPara="1" wrap="square" lIns="91425" tIns="91425" rIns="91425" bIns="91425" anchor="t" anchorCtr="0">
             <a:noAutofit/>
           </a:bodyPr>
           <a:lstStyle/>
           <a:p>
-            <a:pPr indent="0" lvl="0" marL="0" rtl="0" algn="l">
+            <a:pPr marL="0" lvl="0" indent="0" algn="l" rtl="0">
               <a:spcBef>
                 <a:spcPts val="0"/>
               </a:spcBef>
@@ -8309,41 +9658,38 @@
           </a:xfrm>
           <a:prstGeom prst="downArrow">
             <a:avLst>
-              <a:gd fmla="val 50000" name="adj1"/>
-              <a:gd fmla="val 50000" name="adj2"/>
+              <a:gd name="adj1" fmla="val 50000"/>
+              <a:gd name="adj2" fmla="val 50000"/>
             </a:avLst>
           </a:prstGeom>
           <a:solidFill>
             <a:srgbClr val="4A86E8"/>
           </a:solidFill>
-          <a:ln cap="flat" cmpd="sng" w="9525">
+          <a:ln w="9525" cap="flat" cmpd="sng">
             <a:solidFill>
               <a:schemeClr val="dk2"/>
             </a:solidFill>
             <a:prstDash val="solid"/>
             <a:round/>
-            <a:headEnd len="sm" w="sm" type="none"/>
-            <a:tailEnd len="sm" w="sm" type="none"/>
+            <a:headEnd type="none" w="sm" len="sm"/>
+            <a:tailEnd type="none" w="sm" len="sm"/>
           </a:ln>
         </p:spPr>
         <p:txBody>
-          <a:bodyPr anchorCtr="0" anchor="ctr" bIns="91425" lIns="91425" spcFirstLastPara="1" rIns="91425" wrap="square" tIns="91425">
+          <a:bodyPr spcFirstLastPara="1" wrap="square" lIns="91425" tIns="91425" rIns="91425" bIns="91425" anchor="ctr" anchorCtr="0">
             <a:noAutofit/>
           </a:bodyPr>
           <a:lstStyle/>
           <a:p>
-            <a:pPr indent="0" lvl="0" marL="0" rtl="0" algn="l">
-              <a:spcBef>
-                <a:spcPts val="0"/>
-              </a:spcBef>
-              <a:spcAft>
-                <a:spcPts val="0"/>
-              </a:spcAft>
-              <a:buNone/>
-            </a:pPr>
-            <a:r>
-              <a:t/>
-            </a:r>
+            <a:pPr marL="0" lvl="0" indent="0" algn="l" rtl="0">
+              <a:spcBef>
+                <a:spcPts val="0"/>
+              </a:spcBef>
+              <a:spcAft>
+                <a:spcPts val="0"/>
+              </a:spcAft>
+              <a:buNone/>
+            </a:pPr>
             <a:endParaRPr/>
           </a:p>
         </p:txBody>
@@ -8355,47 +9701,44 @@
           <p:nvPr/>
         </p:nvSpPr>
         <p:spPr>
-          <a:xfrm flipH="1" rot="10800000">
+          <a:xfrm rot="10800000" flipH="1">
             <a:off x="7848775" y="3161576"/>
             <a:ext cx="195600" cy="318000"/>
           </a:xfrm>
           <a:prstGeom prst="downArrow">
             <a:avLst>
-              <a:gd fmla="val 50000" name="adj1"/>
-              <a:gd fmla="val 50000" name="adj2"/>
+              <a:gd name="adj1" fmla="val 50000"/>
+              <a:gd name="adj2" fmla="val 50000"/>
             </a:avLst>
           </a:prstGeom>
           <a:solidFill>
             <a:srgbClr val="4A86E8"/>
           </a:solidFill>
-          <a:ln cap="flat" cmpd="sng" w="9525">
+          <a:ln w="9525" cap="flat" cmpd="sng">
             <a:solidFill>
               <a:schemeClr val="dk2"/>
             </a:solidFill>
             <a:prstDash val="solid"/>
             <a:round/>
-            <a:headEnd len="sm" w="sm" type="none"/>
-            <a:tailEnd len="sm" w="sm" type="none"/>
+            <a:headEnd type="none" w="sm" len="sm"/>
+            <a:tailEnd type="none" w="sm" len="sm"/>
           </a:ln>
         </p:spPr>
         <p:txBody>
-          <a:bodyPr anchorCtr="0" anchor="ctr" bIns="91425" lIns="91425" spcFirstLastPara="1" rIns="91425" wrap="square" tIns="91425">
+          <a:bodyPr spcFirstLastPara="1" wrap="square" lIns="91425" tIns="91425" rIns="91425" bIns="91425" anchor="ctr" anchorCtr="0">
             <a:noAutofit/>
           </a:bodyPr>
           <a:lstStyle/>
           <a:p>
-            <a:pPr indent="0" lvl="0" marL="0" rtl="0" algn="l">
-              <a:spcBef>
-                <a:spcPts val="0"/>
-              </a:spcBef>
-              <a:spcAft>
-                <a:spcPts val="0"/>
-              </a:spcAft>
-              <a:buNone/>
-            </a:pPr>
-            <a:r>
-              <a:t/>
-            </a:r>
+            <a:pPr marL="0" lvl="0" indent="0" algn="l" rtl="0">
+              <a:spcBef>
+                <a:spcPts val="0"/>
+              </a:spcBef>
+              <a:spcAft>
+                <a:spcPts val="0"/>
+              </a:spcAft>
+              <a:buNone/>
+            </a:pPr>
             <a:endParaRPr/>
           </a:p>
         </p:txBody>
@@ -8407,47 +9750,44 @@
           <p:nvPr/>
         </p:nvSpPr>
         <p:spPr>
-          <a:xfrm flipH="1" rot="10800000">
+          <a:xfrm rot="10800000" flipH="1">
             <a:off x="7848775" y="2253801"/>
             <a:ext cx="195600" cy="318000"/>
           </a:xfrm>
           <a:prstGeom prst="downArrow">
             <a:avLst>
-              <a:gd fmla="val 50000" name="adj1"/>
-              <a:gd fmla="val 50000" name="adj2"/>
+              <a:gd name="adj1" fmla="val 50000"/>
+              <a:gd name="adj2" fmla="val 50000"/>
             </a:avLst>
           </a:prstGeom>
           <a:solidFill>
             <a:srgbClr val="4A86E8"/>
           </a:solidFill>
-          <a:ln cap="flat" cmpd="sng" w="9525">
+          <a:ln w="9525" cap="flat" cmpd="sng">
             <a:solidFill>
               <a:schemeClr val="dk2"/>
             </a:solidFill>
             <a:prstDash val="solid"/>
             <a:round/>
-            <a:headEnd len="sm" w="sm" type="none"/>
-            <a:tailEnd len="sm" w="sm" type="none"/>
+            <a:headEnd type="none" w="sm" len="sm"/>
+            <a:tailEnd type="none" w="sm" len="sm"/>
           </a:ln>
         </p:spPr>
         <p:txBody>
-          <a:bodyPr anchorCtr="0" anchor="ctr" bIns="91425" lIns="91425" spcFirstLastPara="1" rIns="91425" wrap="square" tIns="91425">
+          <a:bodyPr spcFirstLastPara="1" wrap="square" lIns="91425" tIns="91425" rIns="91425" bIns="91425" anchor="ctr" anchorCtr="0">
             <a:noAutofit/>
           </a:bodyPr>
           <a:lstStyle/>
           <a:p>
-            <a:pPr indent="0" lvl="0" marL="0" rtl="0" algn="l">
-              <a:spcBef>
-                <a:spcPts val="0"/>
-              </a:spcBef>
-              <a:spcAft>
-                <a:spcPts val="0"/>
-              </a:spcAft>
-              <a:buNone/>
-            </a:pPr>
-            <a:r>
-              <a:t/>
-            </a:r>
+            <a:pPr marL="0" lvl="0" indent="0" algn="l" rtl="0">
+              <a:spcBef>
+                <a:spcPts val="0"/>
+              </a:spcBef>
+              <a:spcAft>
+                <a:spcPts val="0"/>
+              </a:spcAft>
+              <a:buNone/>
+            </a:pPr>
             <a:endParaRPr/>
           </a:p>
         </p:txBody>
@@ -8472,12 +9812,12 @@
           </a:ln>
         </p:spPr>
         <p:txBody>
-          <a:bodyPr anchorCtr="0" anchor="t" bIns="91425" lIns="91425" spcFirstLastPara="1" rIns="91425" wrap="square" tIns="91425">
+          <a:bodyPr spcFirstLastPara="1" wrap="square" lIns="91425" tIns="91425" rIns="91425" bIns="91425" anchor="t" anchorCtr="0">
             <a:noAutofit/>
           </a:bodyPr>
           <a:lstStyle/>
           <a:p>
-            <a:pPr indent="0" lvl="0" marL="0" rtl="0" algn="l">
+            <a:pPr marL="0" lvl="0" indent="0" algn="l" rtl="0">
               <a:spcBef>
                 <a:spcPts val="0"/>
               </a:spcBef>
@@ -8507,40 +9847,37 @@
           </a:xfrm>
           <a:prstGeom prst="roundRect">
             <a:avLst>
-              <a:gd fmla="val 16667" name="adj"/>
+              <a:gd name="adj" fmla="val 16667"/>
             </a:avLst>
           </a:prstGeom>
           <a:solidFill>
             <a:srgbClr val="4A86E8"/>
           </a:solidFill>
-          <a:ln cap="flat" cmpd="sng" w="9525">
+          <a:ln w="9525" cap="flat" cmpd="sng">
             <a:solidFill>
               <a:schemeClr val="dk2"/>
             </a:solidFill>
             <a:prstDash val="solid"/>
             <a:round/>
-            <a:headEnd len="sm" w="sm" type="none"/>
-            <a:tailEnd len="sm" w="sm" type="none"/>
+            <a:headEnd type="none" w="sm" len="sm"/>
+            <a:tailEnd type="none" w="sm" len="sm"/>
           </a:ln>
         </p:spPr>
         <p:txBody>
-          <a:bodyPr anchorCtr="0" anchor="ctr" bIns="91425" lIns="91425" spcFirstLastPara="1" rIns="91425" wrap="square" tIns="91425">
+          <a:bodyPr spcFirstLastPara="1" wrap="square" lIns="91425" tIns="91425" rIns="91425" bIns="91425" anchor="ctr" anchorCtr="0">
             <a:noAutofit/>
           </a:bodyPr>
           <a:lstStyle/>
           <a:p>
-            <a:pPr indent="0" lvl="0" marL="0" rtl="0" algn="l">
-              <a:spcBef>
-                <a:spcPts val="0"/>
-              </a:spcBef>
-              <a:spcAft>
-                <a:spcPts val="0"/>
-              </a:spcAft>
-              <a:buNone/>
-            </a:pPr>
-            <a:r>
-              <a:t/>
-            </a:r>
+            <a:pPr marL="0" lvl="0" indent="0" algn="l" rtl="0">
+              <a:spcBef>
+                <a:spcPts val="0"/>
+              </a:spcBef>
+              <a:spcAft>
+                <a:spcPts val="0"/>
+              </a:spcAft>
+              <a:buNone/>
+            </a:pPr>
             <a:endParaRPr/>
           </a:p>
         </p:txBody>
@@ -8553,12 +9890,12 @@
 </p:sld>
 </file>
 
-<file path=ppt/slides/slide5.xml><?xml version="1.0" encoding="utf-8"?>
-<p:sld xmlns:a="http://schemas.openxmlformats.org/drawingml/2006/main" xmlns:r="http://schemas.openxmlformats.org/officeDocument/2006/relationships" xmlns:mc="http://schemas.openxmlformats.org/markup-compatibility/2006" xmlns:mv="urn:schemas-microsoft-com:mac:vml" xmlns:p="http://schemas.openxmlformats.org/presentationml/2006/main" xmlns:c="http://schemas.openxmlformats.org/drawingml/2006/chart" xmlns:dgm="http://schemas.openxmlformats.org/drawingml/2006/diagram" xmlns:o="urn:schemas-microsoft-com:office:office" xmlns:v="urn:schemas-microsoft-com:vml" xmlns:pvml="urn:schemas-microsoft-com:office:powerpoint" xmlns:com="http://schemas.openxmlformats.org/drawingml/2006/compatibility" xmlns:p14="http://schemas.microsoft.com/office/powerpoint/2010/main" xmlns:p15="http://schemas.microsoft.com/office/powerpoint/2012/main" xmlns:ahyp="http://schemas.microsoft.com/office/drawing/2018/hyperlinkcolor">
+<file path=ppt/slides/slide7.xml><?xml version="1.0" encoding="utf-8"?>
+<p:sld xmlns:a="http://schemas.openxmlformats.org/drawingml/2006/main" xmlns:r="http://schemas.openxmlformats.org/officeDocument/2006/relationships" xmlns:p="http://schemas.openxmlformats.org/presentationml/2006/main">
   <p:cSld>
     <p:spTree>
       <p:nvGrpSpPr>
-        <p:cNvPr id="90" name="Shape 90"/>
+        <p:cNvPr id="1" name="Shape 90"/>
         <p:cNvGrpSpPr/>
         <p:nvPr/>
       </p:nvGrpSpPr>
@@ -8573,7 +9910,9 @@
       <p:sp>
         <p:nvSpPr>
           <p:cNvPr id="91" name="Google Shape;91;p17"/>
-          <p:cNvSpPr txBox="1"/>
+          <p:cNvSpPr txBox="1">
+            <a:spLocks noGrp="1"/>
+          </p:cNvSpPr>
           <p:nvPr>
             <p:ph type="title"/>
           </p:nvPr>
@@ -8588,12 +9927,12 @@
           </a:prstGeom>
         </p:spPr>
         <p:txBody>
-          <a:bodyPr anchorCtr="0" anchor="t" bIns="91425" lIns="91425" spcFirstLastPara="1" rIns="91425" wrap="square" tIns="91425">
+          <a:bodyPr spcFirstLastPara="1" wrap="square" lIns="91425" tIns="91425" rIns="91425" bIns="91425" anchor="t" anchorCtr="0">
             <a:noAutofit/>
           </a:bodyPr>
           <a:lstStyle/>
           <a:p>
-            <a:pPr indent="0" lvl="0" marL="0" rtl="0" algn="ctr">
+            <a:pPr marL="0" lvl="0" indent="0" algn="ctr" rtl="0">
               <a:spcBef>
                 <a:spcPts val="0"/>
               </a:spcBef>
@@ -8613,9 +9952,11 @@
       <p:sp>
         <p:nvSpPr>
           <p:cNvPr id="92" name="Google Shape;92;p17"/>
-          <p:cNvSpPr txBox="1"/>
+          <p:cNvSpPr txBox="1">
+            <a:spLocks noGrp="1"/>
+          </p:cNvSpPr>
           <p:nvPr>
-            <p:ph idx="1" type="body"/>
+            <p:ph type="body" idx="1"/>
           </p:nvPr>
         </p:nvSpPr>
         <p:spPr>
@@ -8628,12 +9969,12 @@
           </a:prstGeom>
         </p:spPr>
         <p:txBody>
-          <a:bodyPr anchorCtr="0" anchor="t" bIns="91425" lIns="91425" spcFirstLastPara="1" rIns="91425" wrap="square" tIns="91425">
+          <a:bodyPr spcFirstLastPara="1" wrap="square" lIns="91425" tIns="91425" rIns="91425" bIns="91425" anchor="t" anchorCtr="0">
             <a:noAutofit/>
           </a:bodyPr>
           <a:lstStyle/>
           <a:p>
-            <a:pPr indent="-342900" lvl="0" marL="457200" rtl="0" algn="l">
+            <a:pPr marL="457200" lvl="0" indent="-342900" algn="l" rtl="0">
               <a:lnSpc>
                 <a:spcPct val="150000"/>
               </a:lnSpc>
@@ -8653,7 +9994,7 @@
             <a:endParaRPr/>
           </a:p>
           <a:p>
-            <a:pPr indent="-317500" lvl="1" marL="914400" rtl="0" algn="l">
+            <a:pPr marL="914400" lvl="1" indent="-317500" algn="l" rtl="0">
               <a:lnSpc>
                 <a:spcPct val="150000"/>
               </a:lnSpc>
@@ -8673,7 +10014,7 @@
             <a:endParaRPr/>
           </a:p>
           <a:p>
-            <a:pPr indent="-317500" lvl="1" marL="914400" rtl="0" algn="l">
+            <a:pPr marL="914400" lvl="1" indent="-317500" algn="l" rtl="0">
               <a:lnSpc>
                 <a:spcPct val="150000"/>
               </a:lnSpc>
@@ -8693,7 +10034,7 @@
             <a:endParaRPr/>
           </a:p>
           <a:p>
-            <a:pPr indent="0" lvl="0" marL="914400" rtl="0" algn="l">
+            <a:pPr marL="914400" lvl="0" indent="0" algn="l" rtl="0">
               <a:lnSpc>
                 <a:spcPct val="150000"/>
               </a:lnSpc>
@@ -8705,13 +10046,10 @@
               </a:spcAft>
               <a:buNone/>
             </a:pPr>
-            <a:r>
-              <a:t/>
-            </a:r>
             <a:endParaRPr/>
           </a:p>
           <a:p>
-            <a:pPr indent="0" lvl="0" marL="457200" rtl="0" algn="l">
+            <a:pPr marL="457200" lvl="0" indent="0" algn="l" rtl="0">
               <a:lnSpc>
                 <a:spcPct val="115000"/>
               </a:lnSpc>
@@ -8723,9 +10061,6 @@
               </a:spcAft>
               <a:buNone/>
             </a:pPr>
-            <a:r>
-              <a:t/>
-            </a:r>
             <a:endParaRPr/>
           </a:p>
         </p:txBody>
@@ -8771,41 +10106,38 @@
           </a:xfrm>
           <a:prstGeom prst="downArrow">
             <a:avLst>
-              <a:gd fmla="val 50000" name="adj1"/>
-              <a:gd fmla="val 50000" name="adj2"/>
+              <a:gd name="adj1" fmla="val 50000"/>
+              <a:gd name="adj2" fmla="val 50000"/>
             </a:avLst>
           </a:prstGeom>
           <a:solidFill>
             <a:srgbClr val="4A86E8"/>
           </a:solidFill>
-          <a:ln cap="flat" cmpd="sng" w="9525">
+          <a:ln w="9525" cap="flat" cmpd="sng">
             <a:solidFill>
               <a:schemeClr val="dk2"/>
             </a:solidFill>
             <a:prstDash val="solid"/>
             <a:round/>
-            <a:headEnd len="sm" w="sm" type="none"/>
-            <a:tailEnd len="sm" w="sm" type="none"/>
+            <a:headEnd type="none" w="sm" len="sm"/>
+            <a:tailEnd type="none" w="sm" len="sm"/>
           </a:ln>
         </p:spPr>
         <p:txBody>
-          <a:bodyPr anchorCtr="0" anchor="ctr" bIns="91425" lIns="91425" spcFirstLastPara="1" rIns="91425" wrap="square" tIns="91425">
+          <a:bodyPr spcFirstLastPara="1" wrap="square" lIns="91425" tIns="91425" rIns="91425" bIns="91425" anchor="ctr" anchorCtr="0">
             <a:noAutofit/>
           </a:bodyPr>
           <a:lstStyle/>
           <a:p>
-            <a:pPr indent="0" lvl="0" marL="0" rtl="0" algn="l">
-              <a:spcBef>
-                <a:spcPts val="0"/>
-              </a:spcBef>
-              <a:spcAft>
-                <a:spcPts val="0"/>
-              </a:spcAft>
-              <a:buNone/>
-            </a:pPr>
-            <a:r>
-              <a:t/>
-            </a:r>
+            <a:pPr marL="0" lvl="0" indent="0" algn="l" rtl="0">
+              <a:spcBef>
+                <a:spcPts val="0"/>
+              </a:spcBef>
+              <a:spcAft>
+                <a:spcPts val="0"/>
+              </a:spcAft>
+              <a:buNone/>
+            </a:pPr>
             <a:endParaRPr/>
           </a:p>
         </p:txBody>
@@ -8830,12 +10162,12 @@
           </a:ln>
         </p:spPr>
         <p:txBody>
-          <a:bodyPr anchorCtr="0" anchor="t" bIns="91425" lIns="91425" spcFirstLastPara="1" rIns="91425" wrap="square" tIns="91425">
+          <a:bodyPr spcFirstLastPara="1" wrap="square" lIns="91425" tIns="91425" rIns="91425" bIns="91425" anchor="t" anchorCtr="0">
             <a:noAutofit/>
           </a:bodyPr>
           <a:lstStyle/>
           <a:p>
-            <a:pPr indent="0" lvl="0" marL="0" rtl="0" algn="l">
+            <a:pPr marL="0" lvl="0" indent="0" algn="l" rtl="0">
               <a:spcBef>
                 <a:spcPts val="0"/>
               </a:spcBef>
@@ -8859,47 +10191,44 @@
           <p:nvPr/>
         </p:nvSpPr>
         <p:spPr>
-          <a:xfrm flipH="1" rot="10800000">
+          <a:xfrm rot="10800000" flipH="1">
             <a:off x="7848775" y="2253801"/>
             <a:ext cx="195600" cy="318000"/>
           </a:xfrm>
           <a:prstGeom prst="downArrow">
             <a:avLst>
-              <a:gd fmla="val 50000" name="adj1"/>
-              <a:gd fmla="val 50000" name="adj2"/>
+              <a:gd name="adj1" fmla="val 50000"/>
+              <a:gd name="adj2" fmla="val 50000"/>
             </a:avLst>
           </a:prstGeom>
           <a:solidFill>
             <a:srgbClr val="4A86E8"/>
           </a:solidFill>
-          <a:ln cap="flat" cmpd="sng" w="9525">
+          <a:ln w="9525" cap="flat" cmpd="sng">
             <a:solidFill>
               <a:schemeClr val="dk2"/>
             </a:solidFill>
             <a:prstDash val="solid"/>
             <a:round/>
-            <a:headEnd len="sm" w="sm" type="none"/>
-            <a:tailEnd len="sm" w="sm" type="none"/>
+            <a:headEnd type="none" w="sm" len="sm"/>
+            <a:tailEnd type="none" w="sm" len="sm"/>
           </a:ln>
         </p:spPr>
         <p:txBody>
-          <a:bodyPr anchorCtr="0" anchor="ctr" bIns="91425" lIns="91425" spcFirstLastPara="1" rIns="91425" wrap="square" tIns="91425">
+          <a:bodyPr spcFirstLastPara="1" wrap="square" lIns="91425" tIns="91425" rIns="91425" bIns="91425" anchor="ctr" anchorCtr="0">
             <a:noAutofit/>
           </a:bodyPr>
           <a:lstStyle/>
           <a:p>
-            <a:pPr indent="0" lvl="0" marL="0" rtl="0" algn="l">
-              <a:spcBef>
-                <a:spcPts val="0"/>
-              </a:spcBef>
-              <a:spcAft>
-                <a:spcPts val="0"/>
-              </a:spcAft>
-              <a:buNone/>
-            </a:pPr>
-            <a:r>
-              <a:t/>
-            </a:r>
+            <a:pPr marL="0" lvl="0" indent="0" algn="l" rtl="0">
+              <a:spcBef>
+                <a:spcPts val="0"/>
+              </a:spcBef>
+              <a:spcAft>
+                <a:spcPts val="0"/>
+              </a:spcAft>
+              <a:buNone/>
+            </a:pPr>
             <a:endParaRPr/>
           </a:p>
         </p:txBody>
@@ -8924,12 +10253,12 @@
           </a:ln>
         </p:spPr>
         <p:txBody>
-          <a:bodyPr anchorCtr="0" anchor="t" bIns="91425" lIns="91425" spcFirstLastPara="1" rIns="91425" wrap="square" tIns="91425">
+          <a:bodyPr spcFirstLastPara="1" wrap="square" lIns="91425" tIns="91425" rIns="91425" bIns="91425" anchor="t" anchorCtr="0">
             <a:noAutofit/>
           </a:bodyPr>
           <a:lstStyle/>
           <a:p>
-            <a:pPr indent="0" lvl="0" marL="0" rtl="0" algn="l">
+            <a:pPr marL="0" lvl="0" indent="0" algn="l" rtl="0">
               <a:spcBef>
                 <a:spcPts val="0"/>
               </a:spcBef>
@@ -8959,40 +10288,37 @@
           </a:xfrm>
           <a:prstGeom prst="roundRect">
             <a:avLst>
-              <a:gd fmla="val 16667" name="adj"/>
+              <a:gd name="adj" fmla="val 16667"/>
             </a:avLst>
           </a:prstGeom>
           <a:solidFill>
             <a:srgbClr val="4A86E8"/>
           </a:solidFill>
-          <a:ln cap="flat" cmpd="sng" w="9525">
+          <a:ln w="9525" cap="flat" cmpd="sng">
             <a:solidFill>
               <a:schemeClr val="dk2"/>
             </a:solidFill>
             <a:prstDash val="solid"/>
             <a:round/>
-            <a:headEnd len="sm" w="sm" type="none"/>
-            <a:tailEnd len="sm" w="sm" type="none"/>
+            <a:headEnd type="none" w="sm" len="sm"/>
+            <a:tailEnd type="none" w="sm" len="sm"/>
           </a:ln>
         </p:spPr>
         <p:txBody>
-          <a:bodyPr anchorCtr="0" anchor="ctr" bIns="91425" lIns="91425" spcFirstLastPara="1" rIns="91425" wrap="square" tIns="91425">
+          <a:bodyPr spcFirstLastPara="1" wrap="square" lIns="91425" tIns="91425" rIns="91425" bIns="91425" anchor="ctr" anchorCtr="0">
             <a:noAutofit/>
           </a:bodyPr>
           <a:lstStyle/>
           <a:p>
-            <a:pPr indent="0" lvl="0" marL="0" rtl="0" algn="l">
-              <a:spcBef>
-                <a:spcPts val="0"/>
-              </a:spcBef>
-              <a:spcAft>
-                <a:spcPts val="0"/>
-              </a:spcAft>
-              <a:buNone/>
-            </a:pPr>
-            <a:r>
-              <a:t/>
-            </a:r>
+            <a:pPr marL="0" lvl="0" indent="0" algn="l" rtl="0">
+              <a:spcBef>
+                <a:spcPts val="0"/>
+              </a:spcBef>
+              <a:spcAft>
+                <a:spcPts val="0"/>
+              </a:spcAft>
+              <a:buNone/>
+            </a:pPr>
             <a:endParaRPr/>
           </a:p>
         </p:txBody>
@@ -9005,12 +10331,12 @@
 </p:sld>
 </file>
 
-<file path=ppt/slides/slide6.xml><?xml version="1.0" encoding="utf-8"?>
-<p:sld xmlns:a="http://schemas.openxmlformats.org/drawingml/2006/main" xmlns:r="http://schemas.openxmlformats.org/officeDocument/2006/relationships" xmlns:mc="http://schemas.openxmlformats.org/markup-compatibility/2006" xmlns:mv="urn:schemas-microsoft-com:mac:vml" xmlns:p="http://schemas.openxmlformats.org/presentationml/2006/main" xmlns:c="http://schemas.openxmlformats.org/drawingml/2006/chart" xmlns:dgm="http://schemas.openxmlformats.org/drawingml/2006/diagram" xmlns:o="urn:schemas-microsoft-com:office:office" xmlns:v="urn:schemas-microsoft-com:vml" xmlns:pvml="urn:schemas-microsoft-com:office:powerpoint" xmlns:com="http://schemas.openxmlformats.org/drawingml/2006/compatibility" xmlns:p14="http://schemas.microsoft.com/office/powerpoint/2010/main" xmlns:p15="http://schemas.microsoft.com/office/powerpoint/2012/main" xmlns:ahyp="http://schemas.microsoft.com/office/drawing/2018/hyperlinkcolor">
+<file path=ppt/slides/slide8.xml><?xml version="1.0" encoding="utf-8"?>
+<p:sld xmlns:a="http://schemas.openxmlformats.org/drawingml/2006/main" xmlns:r="http://schemas.openxmlformats.org/officeDocument/2006/relationships" xmlns:p="http://schemas.openxmlformats.org/presentationml/2006/main">
   <p:cSld>
     <p:spTree>
       <p:nvGrpSpPr>
-        <p:cNvPr id="102" name="Shape 102"/>
+        <p:cNvPr id="1" name="Shape 102"/>
         <p:cNvGrpSpPr/>
         <p:nvPr/>
       </p:nvGrpSpPr>
@@ -9025,7 +10351,9 @@
       <p:sp>
         <p:nvSpPr>
           <p:cNvPr id="103" name="Google Shape;103;p18"/>
-          <p:cNvSpPr txBox="1"/>
+          <p:cNvSpPr txBox="1">
+            <a:spLocks noGrp="1"/>
+          </p:cNvSpPr>
           <p:nvPr>
             <p:ph type="title"/>
           </p:nvPr>
@@ -9040,12 +10368,12 @@
           </a:prstGeom>
         </p:spPr>
         <p:txBody>
-          <a:bodyPr anchorCtr="0" anchor="t" bIns="91425" lIns="91425" spcFirstLastPara="1" rIns="91425" wrap="square" tIns="91425">
+          <a:bodyPr spcFirstLastPara="1" wrap="square" lIns="91425" tIns="91425" rIns="91425" bIns="91425" anchor="t" anchorCtr="0">
             <a:noAutofit/>
           </a:bodyPr>
           <a:lstStyle/>
           <a:p>
-            <a:pPr indent="0" lvl="0" marL="0" rtl="0" algn="ctr">
+            <a:pPr marL="0" lvl="0" indent="0" algn="ctr" rtl="0">
               <a:spcBef>
                 <a:spcPts val="0"/>
               </a:spcBef>
@@ -9065,9 +10393,11 @@
       <p:sp>
         <p:nvSpPr>
           <p:cNvPr id="104" name="Google Shape;104;p18"/>
-          <p:cNvSpPr txBox="1"/>
+          <p:cNvSpPr txBox="1">
+            <a:spLocks noGrp="1"/>
+          </p:cNvSpPr>
           <p:nvPr>
-            <p:ph idx="1" type="body"/>
+            <p:ph type="body" idx="1"/>
           </p:nvPr>
         </p:nvSpPr>
         <p:spPr>
@@ -9080,12 +10410,12 @@
           </a:prstGeom>
         </p:spPr>
         <p:txBody>
-          <a:bodyPr anchorCtr="0" anchor="t" bIns="91425" lIns="91425" spcFirstLastPara="1" rIns="91425" wrap="square" tIns="91425">
+          <a:bodyPr spcFirstLastPara="1" wrap="square" lIns="91425" tIns="91425" rIns="91425" bIns="91425" anchor="t" anchorCtr="0">
             <a:noAutofit/>
           </a:bodyPr>
           <a:lstStyle/>
           <a:p>
-            <a:pPr indent="-342900" lvl="0" marL="457200" rtl="0" algn="l">
+            <a:pPr marL="457200" lvl="0" indent="-342900" algn="l" rtl="0">
               <a:lnSpc>
                 <a:spcPct val="150000"/>
               </a:lnSpc>
@@ -9105,7 +10435,7 @@
             <a:endParaRPr/>
           </a:p>
           <a:p>
-            <a:pPr indent="-317500" lvl="1" marL="914400" rtl="0" algn="l">
+            <a:pPr marL="914400" lvl="1" indent="-317500" algn="l" rtl="0">
               <a:lnSpc>
                 <a:spcPct val="150000"/>
               </a:lnSpc>
@@ -9125,7 +10455,7 @@
             <a:endParaRPr/>
           </a:p>
           <a:p>
-            <a:pPr indent="-317500" lvl="1" marL="914400" rtl="0" algn="l">
+            <a:pPr marL="914400" lvl="1" indent="-317500" algn="l" rtl="0">
               <a:lnSpc>
                 <a:spcPct val="150000"/>
               </a:lnSpc>
@@ -9145,7 +10475,7 @@
             <a:endParaRPr/>
           </a:p>
           <a:p>
-            <a:pPr indent="0" lvl="0" marL="914400" rtl="0" algn="l">
+            <a:pPr marL="914400" lvl="0" indent="0" algn="l" rtl="0">
               <a:lnSpc>
                 <a:spcPct val="150000"/>
               </a:lnSpc>
@@ -9157,13 +10487,10 @@
               </a:spcAft>
               <a:buNone/>
             </a:pPr>
-            <a:r>
-              <a:t/>
-            </a:r>
             <a:endParaRPr/>
           </a:p>
           <a:p>
-            <a:pPr indent="-342900" lvl="0" marL="457200" rtl="0" algn="l">
+            <a:pPr marL="457200" lvl="0" indent="-342900" algn="l" rtl="0">
               <a:spcBef>
                 <a:spcPts val="1600"/>
               </a:spcBef>
@@ -9180,7 +10507,7 @@
             <a:endParaRPr/>
           </a:p>
           <a:p>
-            <a:pPr indent="0" lvl="0" marL="914400" rtl="0" algn="l">
+            <a:pPr marL="914400" lvl="0" indent="0" algn="l" rtl="0">
               <a:lnSpc>
                 <a:spcPct val="150000"/>
               </a:lnSpc>
@@ -9192,13 +10519,10 @@
               </a:spcAft>
               <a:buNone/>
             </a:pPr>
-            <a:r>
-              <a:t/>
-            </a:r>
             <a:endParaRPr/>
           </a:p>
           <a:p>
-            <a:pPr indent="0" lvl="0" marL="457200" rtl="0" algn="l">
+            <a:pPr marL="457200" lvl="0" indent="0" algn="l" rtl="0">
               <a:lnSpc>
                 <a:spcPct val="115000"/>
               </a:lnSpc>
@@ -9210,9 +10534,6 @@
               </a:spcAft>
               <a:buNone/>
             </a:pPr>
-            <a:r>
-              <a:t/>
-            </a:r>
             <a:endParaRPr/>
           </a:p>
         </p:txBody>
@@ -9258,41 +10579,38 @@
           </a:xfrm>
           <a:prstGeom prst="downArrow">
             <a:avLst>
-              <a:gd fmla="val 50000" name="adj1"/>
-              <a:gd fmla="val 50000" name="adj2"/>
+              <a:gd name="adj1" fmla="val 50000"/>
+              <a:gd name="adj2" fmla="val 50000"/>
             </a:avLst>
           </a:prstGeom>
           <a:solidFill>
             <a:srgbClr val="4A86E8"/>
           </a:solidFill>
-          <a:ln cap="flat" cmpd="sng" w="9525">
+          <a:ln w="9525" cap="flat" cmpd="sng">
             <a:solidFill>
               <a:schemeClr val="dk2"/>
             </a:solidFill>
             <a:prstDash val="solid"/>
             <a:round/>
-            <a:headEnd len="sm" w="sm" type="none"/>
-            <a:tailEnd len="sm" w="sm" type="none"/>
+            <a:headEnd type="none" w="sm" len="sm"/>
+            <a:tailEnd type="none" w="sm" len="sm"/>
           </a:ln>
         </p:spPr>
         <p:txBody>
-          <a:bodyPr anchorCtr="0" anchor="ctr" bIns="91425" lIns="91425" spcFirstLastPara="1" rIns="91425" wrap="square" tIns="91425">
+          <a:bodyPr spcFirstLastPara="1" wrap="square" lIns="91425" tIns="91425" rIns="91425" bIns="91425" anchor="ctr" anchorCtr="0">
             <a:noAutofit/>
           </a:bodyPr>
           <a:lstStyle/>
           <a:p>
-            <a:pPr indent="0" lvl="0" marL="0" rtl="0" algn="l">
-              <a:spcBef>
-                <a:spcPts val="0"/>
-              </a:spcBef>
-              <a:spcAft>
-                <a:spcPts val="0"/>
-              </a:spcAft>
-              <a:buNone/>
-            </a:pPr>
-            <a:r>
-              <a:t/>
-            </a:r>
+            <a:pPr marL="0" lvl="0" indent="0" algn="l" rtl="0">
+              <a:spcBef>
+                <a:spcPts val="0"/>
+              </a:spcBef>
+              <a:spcAft>
+                <a:spcPts val="0"/>
+              </a:spcAft>
+              <a:buNone/>
+            </a:pPr>
             <a:endParaRPr/>
           </a:p>
         </p:txBody>
@@ -9317,12 +10635,12 @@
           </a:ln>
         </p:spPr>
         <p:txBody>
-          <a:bodyPr anchorCtr="0" anchor="t" bIns="91425" lIns="91425" spcFirstLastPara="1" rIns="91425" wrap="square" tIns="91425">
+          <a:bodyPr spcFirstLastPara="1" wrap="square" lIns="91425" tIns="91425" rIns="91425" bIns="91425" anchor="t" anchorCtr="0">
             <a:noAutofit/>
           </a:bodyPr>
           <a:lstStyle/>
           <a:p>
-            <a:pPr indent="0" lvl="0" marL="0" rtl="0" algn="l">
+            <a:pPr marL="0" lvl="0" indent="0" algn="l" rtl="0">
               <a:spcBef>
                 <a:spcPts val="0"/>
               </a:spcBef>
@@ -9346,47 +10664,44 @@
           <p:nvPr/>
         </p:nvSpPr>
         <p:spPr>
-          <a:xfrm flipH="1" rot="10800000">
+          <a:xfrm rot="10800000" flipH="1">
             <a:off x="7848775" y="2253801"/>
             <a:ext cx="195600" cy="318000"/>
           </a:xfrm>
           <a:prstGeom prst="downArrow">
             <a:avLst>
-              <a:gd fmla="val 50000" name="adj1"/>
-              <a:gd fmla="val 50000" name="adj2"/>
+              <a:gd name="adj1" fmla="val 50000"/>
+              <a:gd name="adj2" fmla="val 50000"/>
             </a:avLst>
           </a:prstGeom>
           <a:solidFill>
             <a:srgbClr val="4A86E8"/>
           </a:solidFill>
-          <a:ln cap="flat" cmpd="sng" w="9525">
+          <a:ln w="9525" cap="flat" cmpd="sng">
             <a:solidFill>
               <a:schemeClr val="dk2"/>
             </a:solidFill>
             <a:prstDash val="solid"/>
             <a:round/>
-            <a:headEnd len="sm" w="sm" type="none"/>
-            <a:tailEnd len="sm" w="sm" type="none"/>
+            <a:headEnd type="none" w="sm" len="sm"/>
+            <a:tailEnd type="none" w="sm" len="sm"/>
           </a:ln>
         </p:spPr>
         <p:txBody>
-          <a:bodyPr anchorCtr="0" anchor="ctr" bIns="91425" lIns="91425" spcFirstLastPara="1" rIns="91425" wrap="square" tIns="91425">
+          <a:bodyPr spcFirstLastPara="1" wrap="square" lIns="91425" tIns="91425" rIns="91425" bIns="91425" anchor="ctr" anchorCtr="0">
             <a:noAutofit/>
           </a:bodyPr>
           <a:lstStyle/>
           <a:p>
-            <a:pPr indent="0" lvl="0" marL="0" rtl="0" algn="l">
-              <a:spcBef>
-                <a:spcPts val="0"/>
-              </a:spcBef>
-              <a:spcAft>
-                <a:spcPts val="0"/>
-              </a:spcAft>
-              <a:buNone/>
-            </a:pPr>
-            <a:r>
-              <a:t/>
-            </a:r>
+            <a:pPr marL="0" lvl="0" indent="0" algn="l" rtl="0">
+              <a:spcBef>
+                <a:spcPts val="0"/>
+              </a:spcBef>
+              <a:spcAft>
+                <a:spcPts val="0"/>
+              </a:spcAft>
+              <a:buNone/>
+            </a:pPr>
             <a:endParaRPr/>
           </a:p>
         </p:txBody>
@@ -9411,12 +10726,12 @@
           </a:ln>
         </p:spPr>
         <p:txBody>
-          <a:bodyPr anchorCtr="0" anchor="t" bIns="91425" lIns="91425" spcFirstLastPara="1" rIns="91425" wrap="square" tIns="91425">
+          <a:bodyPr spcFirstLastPara="1" wrap="square" lIns="91425" tIns="91425" rIns="91425" bIns="91425" anchor="t" anchorCtr="0">
             <a:noAutofit/>
           </a:bodyPr>
           <a:lstStyle/>
           <a:p>
-            <a:pPr indent="0" lvl="0" marL="0" rtl="0" algn="l">
+            <a:pPr marL="0" lvl="0" indent="0" algn="l" rtl="0">
               <a:spcBef>
                 <a:spcPts val="0"/>
               </a:spcBef>
@@ -9446,40 +10761,37 @@
           </a:xfrm>
           <a:prstGeom prst="roundRect">
             <a:avLst>
-              <a:gd fmla="val 16667" name="adj"/>
+              <a:gd name="adj" fmla="val 16667"/>
             </a:avLst>
           </a:prstGeom>
           <a:solidFill>
             <a:srgbClr val="4A86E8"/>
           </a:solidFill>
-          <a:ln cap="flat" cmpd="sng" w="9525">
+          <a:ln w="9525" cap="flat" cmpd="sng">
             <a:solidFill>
               <a:schemeClr val="dk2"/>
             </a:solidFill>
             <a:prstDash val="solid"/>
             <a:round/>
-            <a:headEnd len="sm" w="sm" type="none"/>
-            <a:tailEnd len="sm" w="sm" type="none"/>
+            <a:headEnd type="none" w="sm" len="sm"/>
+            <a:tailEnd type="none" w="sm" len="sm"/>
           </a:ln>
         </p:spPr>
         <p:txBody>
-          <a:bodyPr anchorCtr="0" anchor="ctr" bIns="91425" lIns="91425" spcFirstLastPara="1" rIns="91425" wrap="square" tIns="91425">
+          <a:bodyPr spcFirstLastPara="1" wrap="square" lIns="91425" tIns="91425" rIns="91425" bIns="91425" anchor="ctr" anchorCtr="0">
             <a:noAutofit/>
           </a:bodyPr>
           <a:lstStyle/>
           <a:p>
-            <a:pPr indent="0" lvl="0" marL="0" rtl="0" algn="l">
-              <a:spcBef>
-                <a:spcPts val="0"/>
-              </a:spcBef>
-              <a:spcAft>
-                <a:spcPts val="0"/>
-              </a:spcAft>
-              <a:buNone/>
-            </a:pPr>
-            <a:r>
-              <a:t/>
-            </a:r>
+            <a:pPr marL="0" lvl="0" indent="0" algn="l" rtl="0">
+              <a:spcBef>
+                <a:spcPts val="0"/>
+              </a:spcBef>
+              <a:spcAft>
+                <a:spcPts val="0"/>
+              </a:spcAft>
+              <a:buNone/>
+            </a:pPr>
             <a:endParaRPr/>
           </a:p>
         </p:txBody>
@@ -9492,12 +10804,12 @@
 </p:sld>
 </file>
 
-<file path=ppt/slides/slide7.xml><?xml version="1.0" encoding="utf-8"?>
-<p:sld xmlns:a="http://schemas.openxmlformats.org/drawingml/2006/main" xmlns:r="http://schemas.openxmlformats.org/officeDocument/2006/relationships" xmlns:mc="http://schemas.openxmlformats.org/markup-compatibility/2006" xmlns:mv="urn:schemas-microsoft-com:mac:vml" xmlns:p="http://schemas.openxmlformats.org/presentationml/2006/main" xmlns:c="http://schemas.openxmlformats.org/drawingml/2006/chart" xmlns:dgm="http://schemas.openxmlformats.org/drawingml/2006/diagram" xmlns:o="urn:schemas-microsoft-com:office:office" xmlns:v="urn:schemas-microsoft-com:vml" xmlns:pvml="urn:schemas-microsoft-com:office:powerpoint" xmlns:com="http://schemas.openxmlformats.org/drawingml/2006/compatibility" xmlns:p14="http://schemas.microsoft.com/office/powerpoint/2010/main" xmlns:p15="http://schemas.microsoft.com/office/powerpoint/2012/main" xmlns:ahyp="http://schemas.microsoft.com/office/drawing/2018/hyperlinkcolor">
+<file path=ppt/slides/slide9.xml><?xml version="1.0" encoding="utf-8"?>
+<p:sld xmlns:a="http://schemas.openxmlformats.org/drawingml/2006/main" xmlns:r="http://schemas.openxmlformats.org/officeDocument/2006/relationships" xmlns:p="http://schemas.openxmlformats.org/presentationml/2006/main">
   <p:cSld>
     <p:spTree>
       <p:nvGrpSpPr>
-        <p:cNvPr id="114" name="Shape 114"/>
+        <p:cNvPr id="1" name="Shape 114"/>
         <p:cNvGrpSpPr/>
         <p:nvPr/>
       </p:nvGrpSpPr>
@@ -9512,7 +10824,9 @@
       <p:sp>
         <p:nvSpPr>
           <p:cNvPr id="115" name="Google Shape;115;p19"/>
-          <p:cNvSpPr txBox="1"/>
+          <p:cNvSpPr txBox="1">
+            <a:spLocks noGrp="1"/>
+          </p:cNvSpPr>
           <p:nvPr>
             <p:ph type="title"/>
           </p:nvPr>
@@ -9527,12 +10841,12 @@
           </a:prstGeom>
         </p:spPr>
         <p:txBody>
-          <a:bodyPr anchorCtr="0" anchor="t" bIns="91425" lIns="91425" spcFirstLastPara="1" rIns="91425" wrap="square" tIns="91425">
+          <a:bodyPr spcFirstLastPara="1" wrap="square" lIns="91425" tIns="91425" rIns="91425" bIns="91425" anchor="t" anchorCtr="0">
             <a:noAutofit/>
           </a:bodyPr>
           <a:lstStyle/>
           <a:p>
-            <a:pPr indent="0" lvl="0" marL="0" rtl="0" algn="ctr">
+            <a:pPr marL="0" lvl="0" indent="0" algn="ctr" rtl="0">
               <a:spcBef>
                 <a:spcPts val="0"/>
               </a:spcBef>
@@ -9585,684 +10899,8 @@
 </p:sld>
 </file>
 
-<file path=ppt/slides/slide8.xml><?xml version="1.0" encoding="utf-8"?>
-<p:sld xmlns:a="http://schemas.openxmlformats.org/drawingml/2006/main" xmlns:r="http://schemas.openxmlformats.org/officeDocument/2006/relationships" xmlns:mc="http://schemas.openxmlformats.org/markup-compatibility/2006" xmlns:mv="urn:schemas-microsoft-com:mac:vml" xmlns:p="http://schemas.openxmlformats.org/presentationml/2006/main" xmlns:c="http://schemas.openxmlformats.org/drawingml/2006/chart" xmlns:dgm="http://schemas.openxmlformats.org/drawingml/2006/diagram" xmlns:o="urn:schemas-microsoft-com:office:office" xmlns:v="urn:schemas-microsoft-com:vml" xmlns:pvml="urn:schemas-microsoft-com:office:powerpoint" xmlns:com="http://schemas.openxmlformats.org/drawingml/2006/compatibility" xmlns:p14="http://schemas.microsoft.com/office/powerpoint/2010/main" xmlns:p15="http://schemas.microsoft.com/office/powerpoint/2012/main" xmlns:ahyp="http://schemas.microsoft.com/office/drawing/2018/hyperlinkcolor">
-  <p:cSld>
-    <p:spTree>
-      <p:nvGrpSpPr>
-        <p:cNvPr id="120" name="Shape 120"/>
-        <p:cNvGrpSpPr/>
-        <p:nvPr/>
-      </p:nvGrpSpPr>
-      <p:grpSpPr>
-        <a:xfrm>
-          <a:off x="0" y="0"/>
-          <a:ext cx="0" cy="0"/>
-          <a:chOff x="0" y="0"/>
-          <a:chExt cx="0" cy="0"/>
-        </a:xfrm>
-      </p:grpSpPr>
-      <p:sp>
-        <p:nvSpPr>
-          <p:cNvPr id="121" name="Google Shape;121;p20"/>
-          <p:cNvSpPr txBox="1"/>
-          <p:nvPr>
-            <p:ph type="title"/>
-          </p:nvPr>
-        </p:nvSpPr>
-        <p:spPr>
-          <a:xfrm>
-            <a:off x="311700" y="445025"/>
-            <a:ext cx="8520600" cy="572700"/>
-          </a:xfrm>
-          <a:prstGeom prst="rect">
-            <a:avLst/>
-          </a:prstGeom>
-        </p:spPr>
-        <p:txBody>
-          <a:bodyPr anchorCtr="0" anchor="t" bIns="91425" lIns="91425" spcFirstLastPara="1" rIns="91425" wrap="square" tIns="91425">
-            <a:noAutofit/>
-          </a:bodyPr>
-          <a:lstStyle/>
-          <a:p>
-            <a:pPr indent="0" lvl="0" marL="0" rtl="0" algn="ctr">
-              <a:spcBef>
-                <a:spcPts val="0"/>
-              </a:spcBef>
-              <a:spcAft>
-                <a:spcPts val="0"/>
-              </a:spcAft>
-              <a:buNone/>
-            </a:pPr>
-            <a:r>
-              <a:rPr lang="en"/>
-              <a:t>Cache coherence</a:t>
-            </a:r>
-            <a:endParaRPr/>
-          </a:p>
-        </p:txBody>
-      </p:sp>
-      <p:pic>
-        <p:nvPicPr>
-          <p:cNvPr id="122" name="Google Shape;122;p20"/>
-          <p:cNvPicPr preferRelativeResize="0"/>
-          <p:nvPr/>
-        </p:nvPicPr>
-        <p:blipFill>
-          <a:blip r:embed="rId3">
-            <a:alphaModFix/>
-          </a:blip>
-          <a:stretch>
-            <a:fillRect/>
-          </a:stretch>
-        </p:blipFill>
-        <p:spPr>
-          <a:xfrm>
-            <a:off x="4621700" y="1345725"/>
-            <a:ext cx="3849750" cy="2513475"/>
-          </a:xfrm>
-          <a:prstGeom prst="rect">
-            <a:avLst/>
-          </a:prstGeom>
-          <a:noFill/>
-          <a:ln>
-            <a:noFill/>
-          </a:ln>
-        </p:spPr>
-      </p:pic>
-      <p:sp>
-        <p:nvSpPr>
-          <p:cNvPr id="123" name="Google Shape;123;p20"/>
-          <p:cNvSpPr/>
-          <p:nvPr/>
-        </p:nvSpPr>
-        <p:spPr>
-          <a:xfrm>
-            <a:off x="8055900" y="2684550"/>
-            <a:ext cx="298200" cy="129300"/>
-          </a:xfrm>
-          <a:prstGeom prst="roundRect">
-            <a:avLst>
-              <a:gd fmla="val 16667" name="adj"/>
-            </a:avLst>
-          </a:prstGeom>
-          <a:solidFill>
-            <a:srgbClr val="4A86E8"/>
-          </a:solidFill>
-          <a:ln cap="flat" cmpd="sng" w="9525">
-            <a:solidFill>
-              <a:schemeClr val="dk2"/>
-            </a:solidFill>
-            <a:prstDash val="solid"/>
-            <a:round/>
-            <a:headEnd len="sm" w="sm" type="none"/>
-            <a:tailEnd len="sm" w="sm" type="none"/>
-          </a:ln>
-        </p:spPr>
-        <p:txBody>
-          <a:bodyPr anchorCtr="0" anchor="ctr" bIns="91425" lIns="91425" spcFirstLastPara="1" rIns="91425" wrap="square" tIns="91425">
-            <a:noAutofit/>
-          </a:bodyPr>
-          <a:lstStyle/>
-          <a:p>
-            <a:pPr indent="0" lvl="0" marL="0" rtl="0" algn="l">
-              <a:spcBef>
-                <a:spcPts val="0"/>
-              </a:spcBef>
-              <a:spcAft>
-                <a:spcPts val="0"/>
-              </a:spcAft>
-              <a:buNone/>
-            </a:pPr>
-            <a:r>
-              <a:t/>
-            </a:r>
-            <a:endParaRPr/>
-          </a:p>
-        </p:txBody>
-      </p:sp>
-      <p:sp>
-        <p:nvSpPr>
-          <p:cNvPr id="124" name="Google Shape;124;p20"/>
-          <p:cNvSpPr/>
-          <p:nvPr/>
-        </p:nvSpPr>
-        <p:spPr>
-          <a:xfrm>
-            <a:off x="5226225" y="1955625"/>
-            <a:ext cx="195600" cy="318000"/>
-          </a:xfrm>
-          <a:prstGeom prst="downArrow">
-            <a:avLst>
-              <a:gd fmla="val 50000" name="adj1"/>
-              <a:gd fmla="val 50000" name="adj2"/>
-            </a:avLst>
-          </a:prstGeom>
-          <a:solidFill>
-            <a:srgbClr val="4A86E8"/>
-          </a:solidFill>
-          <a:ln cap="flat" cmpd="sng" w="9525">
-            <a:solidFill>
-              <a:schemeClr val="dk2"/>
-            </a:solidFill>
-            <a:prstDash val="solid"/>
-            <a:round/>
-            <a:headEnd len="sm" w="sm" type="none"/>
-            <a:tailEnd len="sm" w="sm" type="none"/>
-          </a:ln>
-        </p:spPr>
-        <p:txBody>
-          <a:bodyPr anchorCtr="0" anchor="ctr" bIns="91425" lIns="91425" spcFirstLastPara="1" rIns="91425" wrap="square" tIns="91425">
-            <a:noAutofit/>
-          </a:bodyPr>
-          <a:lstStyle/>
-          <a:p>
-            <a:pPr indent="0" lvl="0" marL="0" rtl="0" algn="l">
-              <a:spcBef>
-                <a:spcPts val="0"/>
-              </a:spcBef>
-              <a:spcAft>
-                <a:spcPts val="0"/>
-              </a:spcAft>
-              <a:buNone/>
-            </a:pPr>
-            <a:r>
-              <a:t/>
-            </a:r>
-            <a:endParaRPr/>
-          </a:p>
-        </p:txBody>
-      </p:sp>
-      <p:sp>
-        <p:nvSpPr>
-          <p:cNvPr id="125" name="Google Shape;125;p20"/>
-          <p:cNvSpPr txBox="1"/>
-          <p:nvPr/>
-        </p:nvSpPr>
-        <p:spPr>
-          <a:xfrm>
-            <a:off x="4572000" y="1886075"/>
-            <a:ext cx="764700" cy="318000"/>
-          </a:xfrm>
-          <a:prstGeom prst="rect">
-            <a:avLst/>
-          </a:prstGeom>
-          <a:noFill/>
-          <a:ln>
-            <a:noFill/>
-          </a:ln>
-        </p:spPr>
-        <p:txBody>
-          <a:bodyPr anchorCtr="0" anchor="t" bIns="91425" lIns="91425" spcFirstLastPara="1" rIns="91425" wrap="square" tIns="91425">
-            <a:noAutofit/>
-          </a:bodyPr>
-          <a:lstStyle/>
-          <a:p>
-            <a:pPr indent="0" lvl="0" marL="0" rtl="0" algn="l">
-              <a:spcBef>
-                <a:spcPts val="0"/>
-              </a:spcBef>
-              <a:spcAft>
-                <a:spcPts val="0"/>
-              </a:spcAft>
-              <a:buNone/>
-            </a:pPr>
-            <a:r>
-              <a:rPr lang="en" sz="1300"/>
-              <a:t>request</a:t>
-            </a:r>
-            <a:endParaRPr sz="1300"/>
-          </a:p>
-        </p:txBody>
-      </p:sp>
-      <p:sp>
-        <p:nvSpPr>
-          <p:cNvPr id="126" name="Google Shape;126;p20"/>
-          <p:cNvSpPr txBox="1"/>
-          <p:nvPr/>
-        </p:nvSpPr>
-        <p:spPr>
-          <a:xfrm>
-            <a:off x="560225" y="1899375"/>
-            <a:ext cx="5724900" cy="667800"/>
-          </a:xfrm>
-          <a:prstGeom prst="rect">
-            <a:avLst/>
-          </a:prstGeom>
-          <a:noFill/>
-          <a:ln>
-            <a:noFill/>
-          </a:ln>
-        </p:spPr>
-        <p:txBody>
-          <a:bodyPr anchorCtr="0" anchor="t" bIns="91425" lIns="91425" spcFirstLastPara="1" rIns="91425" wrap="square" tIns="91425">
-            <a:noAutofit/>
-          </a:bodyPr>
-          <a:lstStyle/>
-          <a:p>
-            <a:pPr indent="0" lvl="0" marL="0" rtl="0" algn="l">
-              <a:spcBef>
-                <a:spcPts val="0"/>
-              </a:spcBef>
-              <a:spcAft>
-                <a:spcPts val="0"/>
-              </a:spcAft>
-              <a:buNone/>
-            </a:pPr>
-            <a:r>
-              <a:t/>
-            </a:r>
-            <a:endParaRPr/>
-          </a:p>
-        </p:txBody>
-      </p:sp>
-      <p:sp>
-        <p:nvSpPr>
-          <p:cNvPr id="127" name="Google Shape;127;p20"/>
-          <p:cNvSpPr txBox="1"/>
-          <p:nvPr/>
-        </p:nvSpPr>
-        <p:spPr>
-          <a:xfrm>
-            <a:off x="311700" y="1536275"/>
-            <a:ext cx="4025400" cy="1030800"/>
-          </a:xfrm>
-          <a:prstGeom prst="rect">
-            <a:avLst/>
-          </a:prstGeom>
-          <a:noFill/>
-          <a:ln>
-            <a:noFill/>
-          </a:ln>
-        </p:spPr>
-        <p:txBody>
-          <a:bodyPr anchorCtr="0" anchor="t" bIns="91425" lIns="91425" spcFirstLastPara="1" rIns="91425" wrap="square" tIns="91425">
-            <a:noAutofit/>
-          </a:bodyPr>
-          <a:lstStyle/>
-          <a:p>
-            <a:pPr indent="-342900" lvl="0" marL="457200" rtl="0" algn="l">
-              <a:spcBef>
-                <a:spcPts val="0"/>
-              </a:spcBef>
-              <a:spcAft>
-                <a:spcPts val="0"/>
-              </a:spcAft>
-              <a:buSzPts val="1800"/>
-              <a:buChar char="●"/>
-            </a:pPr>
-            <a:r>
-              <a:rPr lang="en" sz="1800"/>
-              <a:t>Potential issue when cache line is in one cache and other PE requests it</a:t>
-            </a:r>
-            <a:endParaRPr sz="1800"/>
-          </a:p>
-        </p:txBody>
-      </p:sp>
-    </p:spTree>
-  </p:cSld>
-  <p:clrMapOvr>
-    <a:masterClrMapping/>
-  </p:clrMapOvr>
-</p:sld>
-</file>
-
-<file path=ppt/slides/slide9.xml><?xml version="1.0" encoding="utf-8"?>
-<p:sld xmlns:a="http://schemas.openxmlformats.org/drawingml/2006/main" xmlns:r="http://schemas.openxmlformats.org/officeDocument/2006/relationships" xmlns:mc="http://schemas.openxmlformats.org/markup-compatibility/2006" xmlns:mv="urn:schemas-microsoft-com:mac:vml" xmlns:p="http://schemas.openxmlformats.org/presentationml/2006/main" xmlns:c="http://schemas.openxmlformats.org/drawingml/2006/chart" xmlns:dgm="http://schemas.openxmlformats.org/drawingml/2006/diagram" xmlns:o="urn:schemas-microsoft-com:office:office" xmlns:v="urn:schemas-microsoft-com:vml" xmlns:pvml="urn:schemas-microsoft-com:office:powerpoint" xmlns:com="http://schemas.openxmlformats.org/drawingml/2006/compatibility" xmlns:p14="http://schemas.microsoft.com/office/powerpoint/2010/main" xmlns:p15="http://schemas.microsoft.com/office/powerpoint/2012/main" xmlns:ahyp="http://schemas.microsoft.com/office/drawing/2018/hyperlinkcolor">
-  <p:cSld>
-    <p:spTree>
-      <p:nvGrpSpPr>
-        <p:cNvPr id="131" name="Shape 131"/>
-        <p:cNvGrpSpPr/>
-        <p:nvPr/>
-      </p:nvGrpSpPr>
-      <p:grpSpPr>
-        <a:xfrm>
-          <a:off x="0" y="0"/>
-          <a:ext cx="0" cy="0"/>
-          <a:chOff x="0" y="0"/>
-          <a:chExt cx="0" cy="0"/>
-        </a:xfrm>
-      </p:grpSpPr>
-      <p:sp>
-        <p:nvSpPr>
-          <p:cNvPr id="132" name="Google Shape;132;p21"/>
-          <p:cNvSpPr txBox="1"/>
-          <p:nvPr>
-            <p:ph type="title"/>
-          </p:nvPr>
-        </p:nvSpPr>
-        <p:spPr>
-          <a:xfrm>
-            <a:off x="311700" y="445025"/>
-            <a:ext cx="8520600" cy="572700"/>
-          </a:xfrm>
-          <a:prstGeom prst="rect">
-            <a:avLst/>
-          </a:prstGeom>
-        </p:spPr>
-        <p:txBody>
-          <a:bodyPr anchorCtr="0" anchor="t" bIns="91425" lIns="91425" spcFirstLastPara="1" rIns="91425" wrap="square" tIns="91425">
-            <a:noAutofit/>
-          </a:bodyPr>
-          <a:lstStyle/>
-          <a:p>
-            <a:pPr indent="0" lvl="0" marL="0" rtl="0" algn="ctr">
-              <a:spcBef>
-                <a:spcPts val="0"/>
-              </a:spcBef>
-              <a:spcAft>
-                <a:spcPts val="0"/>
-              </a:spcAft>
-              <a:buNone/>
-            </a:pPr>
-            <a:r>
-              <a:rPr lang="en"/>
-              <a:t>Cache coherence</a:t>
-            </a:r>
-            <a:endParaRPr/>
-          </a:p>
-        </p:txBody>
-      </p:sp>
-      <p:pic>
-        <p:nvPicPr>
-          <p:cNvPr id="133" name="Google Shape;133;p21"/>
-          <p:cNvPicPr preferRelativeResize="0"/>
-          <p:nvPr/>
-        </p:nvPicPr>
-        <p:blipFill>
-          <a:blip r:embed="rId3">
-            <a:alphaModFix/>
-          </a:blip>
-          <a:stretch>
-            <a:fillRect/>
-          </a:stretch>
-        </p:blipFill>
-        <p:spPr>
-          <a:xfrm>
-            <a:off x="4621700" y="1345725"/>
-            <a:ext cx="3849750" cy="2513475"/>
-          </a:xfrm>
-          <a:prstGeom prst="rect">
-            <a:avLst/>
-          </a:prstGeom>
-          <a:noFill/>
-          <a:ln>
-            <a:noFill/>
-          </a:ln>
-        </p:spPr>
-      </p:pic>
-      <p:sp>
-        <p:nvSpPr>
-          <p:cNvPr id="134" name="Google Shape;134;p21"/>
-          <p:cNvSpPr/>
-          <p:nvPr/>
-        </p:nvSpPr>
-        <p:spPr>
-          <a:xfrm>
-            <a:off x="5986925" y="2686950"/>
-            <a:ext cx="298200" cy="129300"/>
-          </a:xfrm>
-          <a:prstGeom prst="roundRect">
-            <a:avLst>
-              <a:gd fmla="val 16667" name="adj"/>
-            </a:avLst>
-          </a:prstGeom>
-          <a:solidFill>
-            <a:srgbClr val="4A86E8"/>
-          </a:solidFill>
-          <a:ln cap="flat" cmpd="sng" w="9525">
-            <a:solidFill>
-              <a:schemeClr val="dk2"/>
-            </a:solidFill>
-            <a:prstDash val="solid"/>
-            <a:round/>
-            <a:headEnd len="sm" w="sm" type="none"/>
-            <a:tailEnd len="sm" w="sm" type="none"/>
-          </a:ln>
-        </p:spPr>
-        <p:txBody>
-          <a:bodyPr anchorCtr="0" anchor="ctr" bIns="91425" lIns="91425" spcFirstLastPara="1" rIns="91425" wrap="square" tIns="91425">
-            <a:noAutofit/>
-          </a:bodyPr>
-          <a:lstStyle/>
-          <a:p>
-            <a:pPr indent="0" lvl="0" marL="0" rtl="0" algn="l">
-              <a:spcBef>
-                <a:spcPts val="0"/>
-              </a:spcBef>
-              <a:spcAft>
-                <a:spcPts val="0"/>
-              </a:spcAft>
-              <a:buNone/>
-            </a:pPr>
-            <a:r>
-              <a:t/>
-            </a:r>
-            <a:endParaRPr/>
-          </a:p>
-        </p:txBody>
-      </p:sp>
-      <p:sp>
-        <p:nvSpPr>
-          <p:cNvPr id="135" name="Google Shape;135;p21"/>
-          <p:cNvSpPr/>
-          <p:nvPr/>
-        </p:nvSpPr>
-        <p:spPr>
-          <a:xfrm>
-            <a:off x="5226225" y="1955625"/>
-            <a:ext cx="195600" cy="318000"/>
-          </a:xfrm>
-          <a:prstGeom prst="downArrow">
-            <a:avLst>
-              <a:gd fmla="val 50000" name="adj1"/>
-              <a:gd fmla="val 50000" name="adj2"/>
-            </a:avLst>
-          </a:prstGeom>
-          <a:solidFill>
-            <a:srgbClr val="4A86E8"/>
-          </a:solidFill>
-          <a:ln cap="flat" cmpd="sng" w="9525">
-            <a:solidFill>
-              <a:schemeClr val="dk2"/>
-            </a:solidFill>
-            <a:prstDash val="solid"/>
-            <a:round/>
-            <a:headEnd len="sm" w="sm" type="none"/>
-            <a:tailEnd len="sm" w="sm" type="none"/>
-          </a:ln>
-        </p:spPr>
-        <p:txBody>
-          <a:bodyPr anchorCtr="0" anchor="ctr" bIns="91425" lIns="91425" spcFirstLastPara="1" rIns="91425" wrap="square" tIns="91425">
-            <a:noAutofit/>
-          </a:bodyPr>
-          <a:lstStyle/>
-          <a:p>
-            <a:pPr indent="0" lvl="0" marL="0" rtl="0" algn="l">
-              <a:spcBef>
-                <a:spcPts val="0"/>
-              </a:spcBef>
-              <a:spcAft>
-                <a:spcPts val="0"/>
-              </a:spcAft>
-              <a:buNone/>
-            </a:pPr>
-            <a:r>
-              <a:t/>
-            </a:r>
-            <a:endParaRPr/>
-          </a:p>
-        </p:txBody>
-      </p:sp>
-      <p:sp>
-        <p:nvSpPr>
-          <p:cNvPr id="136" name="Google Shape;136;p21"/>
-          <p:cNvSpPr txBox="1"/>
-          <p:nvPr/>
-        </p:nvSpPr>
-        <p:spPr>
-          <a:xfrm>
-            <a:off x="4572000" y="1886075"/>
-            <a:ext cx="764700" cy="318000"/>
-          </a:xfrm>
-          <a:prstGeom prst="rect">
-            <a:avLst/>
-          </a:prstGeom>
-          <a:noFill/>
-          <a:ln>
-            <a:noFill/>
-          </a:ln>
-        </p:spPr>
-        <p:txBody>
-          <a:bodyPr anchorCtr="0" anchor="t" bIns="91425" lIns="91425" spcFirstLastPara="1" rIns="91425" wrap="square" tIns="91425">
-            <a:noAutofit/>
-          </a:bodyPr>
-          <a:lstStyle/>
-          <a:p>
-            <a:pPr indent="0" lvl="0" marL="0" rtl="0" algn="l">
-              <a:spcBef>
-                <a:spcPts val="0"/>
-              </a:spcBef>
-              <a:spcAft>
-                <a:spcPts val="0"/>
-              </a:spcAft>
-              <a:buNone/>
-            </a:pPr>
-            <a:r>
-              <a:rPr lang="en" sz="1300"/>
-              <a:t>request</a:t>
-            </a:r>
-            <a:endParaRPr sz="1300"/>
-          </a:p>
-        </p:txBody>
-      </p:sp>
-      <p:sp>
-        <p:nvSpPr>
-          <p:cNvPr id="137" name="Google Shape;137;p21"/>
-          <p:cNvSpPr txBox="1"/>
-          <p:nvPr/>
-        </p:nvSpPr>
-        <p:spPr>
-          <a:xfrm>
-            <a:off x="560225" y="1899375"/>
-            <a:ext cx="5724900" cy="667800"/>
-          </a:xfrm>
-          <a:prstGeom prst="rect">
-            <a:avLst/>
-          </a:prstGeom>
-          <a:noFill/>
-          <a:ln>
-            <a:noFill/>
-          </a:ln>
-        </p:spPr>
-        <p:txBody>
-          <a:bodyPr anchorCtr="0" anchor="t" bIns="91425" lIns="91425" spcFirstLastPara="1" rIns="91425" wrap="square" tIns="91425">
-            <a:noAutofit/>
-          </a:bodyPr>
-          <a:lstStyle/>
-          <a:p>
-            <a:pPr indent="0" lvl="0" marL="0" rtl="0" algn="l">
-              <a:spcBef>
-                <a:spcPts val="0"/>
-              </a:spcBef>
-              <a:spcAft>
-                <a:spcPts val="0"/>
-              </a:spcAft>
-              <a:buNone/>
-            </a:pPr>
-            <a:r>
-              <a:t/>
-            </a:r>
-            <a:endParaRPr/>
-          </a:p>
-        </p:txBody>
-      </p:sp>
-      <p:sp>
-        <p:nvSpPr>
-          <p:cNvPr id="138" name="Google Shape;138;p21"/>
-          <p:cNvSpPr txBox="1"/>
-          <p:nvPr/>
-        </p:nvSpPr>
-        <p:spPr>
-          <a:xfrm>
-            <a:off x="311700" y="1536275"/>
-            <a:ext cx="4025400" cy="2322900"/>
-          </a:xfrm>
-          <a:prstGeom prst="rect">
-            <a:avLst/>
-          </a:prstGeom>
-          <a:noFill/>
-          <a:ln>
-            <a:noFill/>
-          </a:ln>
-        </p:spPr>
-        <p:txBody>
-          <a:bodyPr anchorCtr="0" anchor="t" bIns="91425" lIns="91425" spcFirstLastPara="1" rIns="91425" wrap="square" tIns="91425">
-            <a:noAutofit/>
-          </a:bodyPr>
-          <a:lstStyle/>
-          <a:p>
-            <a:pPr indent="-342900" lvl="0" marL="457200" rtl="0" algn="l">
-              <a:spcBef>
-                <a:spcPts val="0"/>
-              </a:spcBef>
-              <a:spcAft>
-                <a:spcPts val="0"/>
-              </a:spcAft>
-              <a:buSzPts val="1800"/>
-              <a:buChar char="●"/>
-            </a:pPr>
-            <a:r>
-              <a:rPr lang="en" sz="1800"/>
-              <a:t>Potential issue when cache line is in one cache and other PE requests it</a:t>
-            </a:r>
-            <a:endParaRPr sz="1800"/>
-          </a:p>
-          <a:p>
-            <a:pPr indent="0" lvl="0" marL="457200" rtl="0" algn="l">
-              <a:spcBef>
-                <a:spcPts val="0"/>
-              </a:spcBef>
-              <a:spcAft>
-                <a:spcPts val="0"/>
-              </a:spcAft>
-              <a:buNone/>
-            </a:pPr>
-            <a:r>
-              <a:t/>
-            </a:r>
-            <a:endParaRPr sz="1800"/>
-          </a:p>
-          <a:p>
-            <a:pPr indent="-342900" lvl="0" marL="457200" rtl="0" algn="l">
-              <a:spcBef>
-                <a:spcPts val="0"/>
-              </a:spcBef>
-              <a:spcAft>
-                <a:spcPts val="0"/>
-              </a:spcAft>
-              <a:buSzPts val="1800"/>
-              <a:buChar char="●"/>
-            </a:pPr>
-            <a:r>
-              <a:rPr lang="en" sz="1800"/>
-              <a:t>Cache of requesting PE needs way to steal that line</a:t>
-            </a:r>
-            <a:endParaRPr sz="1800"/>
-          </a:p>
-        </p:txBody>
-      </p:sp>
-    </p:spTree>
-  </p:cSld>
-  <p:clrMapOvr>
-    <a:masterClrMapping/>
-  </p:clrMapOvr>
-</p:sld>
-</file>
-
 <file path=ppt/theme/theme1.xml><?xml version="1.0" encoding="utf-8"?>
-<a:theme xmlns:a="http://schemas.openxmlformats.org/drawingml/2006/main" xmlns:r="http://schemas.openxmlformats.org/officeDocument/2006/relationships" name="Simple Light">
+<a:theme xmlns:a="http://schemas.openxmlformats.org/drawingml/2006/main" name="Simple Light">
   <a:themeElements>
     <a:clrScheme name="Simple Light">
       <a:dk1>
@@ -10537,11 +11175,13 @@
       </a:bgFillStyleLst>
     </a:fmtScheme>
   </a:themeElements>
+  <a:objectDefaults/>
+  <a:extraClrSchemeLst/>
 </a:theme>
 </file>
 
 <file path=ppt/theme/theme2.xml><?xml version="1.0" encoding="utf-8"?>
-<a:theme xmlns:a="http://schemas.openxmlformats.org/drawingml/2006/main" xmlns:r="http://schemas.openxmlformats.org/officeDocument/2006/relationships">
+<a:theme xmlns:a="http://schemas.openxmlformats.org/drawingml/2006/main">
   <a:themeElements>
     <a:clrScheme name="Default">
       <a:dk1>
@@ -10816,5 +11456,7 @@
       </a:bgFillStyleLst>
     </a:fmtScheme>
   </a:themeElements>
+  <a:objectDefaults/>
+  <a:extraClrSchemeLst/>
 </a:theme>
 </file>
--- a/units/9/lessons/4/resources/petascale-lesson-9.4-slides.pptx
+++ b/units/9/lessons/4/resources/petascale-lesson-9.4-slides.pptx
@@ -9,7 +9,7 @@
   </p:notesMasterIdLst>
   <p:sldIdLst>
     <p:sldId id="267" r:id="rId2"/>
-    <p:sldId id="268" r:id="rId3"/>
+    <p:sldId id="269" r:id="rId3"/>
     <p:sldId id="256" r:id="rId4"/>
     <p:sldId id="257" r:id="rId5"/>
     <p:sldId id="258" r:id="rId6"/>
@@ -6821,15 +6821,7 @@
                 <a:ea typeface="Times New Roman" charset="0"/>
                 <a:cs typeface="Times New Roman" charset="0"/>
               </a:rPr>
-              <a:t>Blue Waters Petascale</a:t>
-            </a:r>
-            <a:r>
-              <a:rPr lang="en-US" sz="2700" b="1" dirty="0">
-                <a:latin typeface="Times New Roman" charset="0"/>
-                <a:ea typeface="Times New Roman" charset="0"/>
-                <a:cs typeface="Times New Roman" charset="0"/>
-              </a:rPr>
-              <a:t> Semester Curriculum v1.0</a:t>
+              <a:t>Blue Waters Petascale Semester Curriculum v1.0</a:t>
             </a:r>
             <a:r>
               <a:rPr lang="en-US" sz="2700" dirty="0">
@@ -6852,31 +6844,7 @@
                 <a:ea typeface="Times New Roman" charset="0"/>
                 <a:cs typeface="Times New Roman" charset="0"/>
               </a:rPr>
-              <a:t>Unit </a:t>
-            </a:r>
-            <a:r>
-              <a:rPr lang="en-US" sz="2700" b="1" dirty="0">
-                <a:latin typeface="Times New Roman" charset="0"/>
-                <a:ea typeface="Times New Roman" charset="0"/>
-                <a:cs typeface="Times New Roman" charset="0"/>
-              </a:rPr>
-              <a:t>9</a:t>
-            </a:r>
-            <a:r>
-              <a:rPr lang="en-US" sz="2700" b="1" dirty="0">
-                <a:latin typeface="Times New Roman" charset="0"/>
-                <a:ea typeface="Times New Roman" charset="0"/>
-                <a:cs typeface="Times New Roman" charset="0"/>
-              </a:rPr>
-              <a:t>: </a:t>
-            </a:r>
-            <a:r>
-              <a:rPr lang="en-US" sz="2700" b="1" dirty="0">
-                <a:latin typeface="Times New Roman" charset="0"/>
-                <a:ea typeface="Times New Roman" charset="0"/>
-                <a:cs typeface="Times New Roman" charset="0"/>
-              </a:rPr>
-              <a:t>Optimization</a:t>
+              <a:t>Unit 9: Optimization</a:t>
             </a:r>
             <a:br>
               <a:rPr lang="en-US" sz="2700" b="1" dirty="0">
@@ -6938,15 +6906,7 @@
                 <a:ea typeface="Times New Roman" charset="0"/>
                 <a:cs typeface="Times New Roman" charset="0"/>
               </a:rPr>
-              <a:t>by </a:t>
-            </a:r>
-            <a:r>
-              <a:rPr lang="en-US" sz="2700" i="1" dirty="0">
-                <a:latin typeface="Times New Roman" charset="0"/>
-                <a:ea typeface="Times New Roman" charset="0"/>
-                <a:cs typeface="Times New Roman" charset="0"/>
-              </a:rPr>
-              <a:t>David P. </a:t>
+              <a:t>by David P. </a:t>
             </a:r>
             <a:r>
               <a:rPr lang="en-US" sz="2700" i="1" dirty="0" err="1" smtClean="0">
@@ -8479,7 +8439,7 @@
         </p:nvSpPr>
         <p:spPr>
           <a:xfrm>
-            <a:off x="566059" y="0"/>
+            <a:off x="566057" y="0"/>
             <a:ext cx="8011886" cy="5143500"/>
           </a:xfrm>
         </p:spPr>
@@ -8526,7 +8486,23 @@
                 <a:ea typeface="Times New Roman" charset="0"/>
                 <a:cs typeface="Times New Roman" charset="0"/>
               </a:rPr>
-              <a:t>CC BY-NC 4.0. To view a copy of this license, visit </a:t>
+              <a:t>CC </a:t>
+            </a:r>
+            <a:r>
+              <a:rPr lang="en-US" sz="2100" dirty="0" smtClean="0">
+                <a:latin typeface="Times New Roman" charset="0"/>
+                <a:ea typeface="Times New Roman" charset="0"/>
+                <a:cs typeface="Times New Roman" charset="0"/>
+              </a:rPr>
+              <a:t>BY-SA </a:t>
+            </a:r>
+            <a:r>
+              <a:rPr lang="en-US" sz="2100" dirty="0">
+                <a:latin typeface="Times New Roman" charset="0"/>
+                <a:ea typeface="Times New Roman" charset="0"/>
+                <a:cs typeface="Times New Roman" charset="0"/>
+              </a:rPr>
+              <a:t>4.0. To view a copy of this license, visit </a:t>
             </a:r>
             <a:r>
               <a:rPr lang="en-US" sz="2100" dirty="0">
@@ -8535,7 +8511,16 @@
                 <a:cs typeface="Times New Roman" charset="0"/>
                 <a:hlinkClick r:id="rId2"/>
               </a:rPr>
-              <a:t>https://creativecommons.org/licenses/by-nc/4.0</a:t>
+              <a:t>https://</a:t>
+            </a:r>
+            <a:r>
+              <a:rPr lang="en-US" sz="2100" dirty="0" smtClean="0">
+                <a:latin typeface="Times New Roman" charset="0"/>
+                <a:ea typeface="Times New Roman" charset="0"/>
+                <a:cs typeface="Times New Roman" charset="0"/>
+                <a:hlinkClick r:id="rId2"/>
+              </a:rPr>
+              <a:t>creativecommons.org/licenses/by-sa/4.0</a:t>
             </a:r>
             <a:r>
               <a:rPr lang="en-US" sz="2100" dirty="0">
@@ -8689,20 +8674,13 @@
     </p:spTree>
     <p:extLst>
       <p:ext uri="{BB962C8B-B14F-4D97-AF65-F5344CB8AC3E}">
-        <p14:creationId xmlns:p14="http://schemas.microsoft.com/office/powerpoint/2010/main" val="595366528"/>
+        <p14:creationId xmlns:p14="http://schemas.microsoft.com/office/powerpoint/2010/main" val="1966933586"/>
       </p:ext>
     </p:extLst>
   </p:cSld>
   <p:clrMapOvr>
     <a:masterClrMapping/>
   </p:clrMapOvr>
-  <p:timing>
-    <p:tnLst>
-      <p:par>
-        <p:cTn id="1" dur="indefinite" restart="never" nodeType="tmRoot"/>
-      </p:par>
-    </p:tnLst>
-  </p:timing>
 </p:sld>
 </file>
 
